--- a/solutionNaveshKumarDataScientist.pptx
+++ b/solutionNaveshKumarDataScientist.pptx
@@ -10,8 +10,8 @@
     <p:sldId id="257" r:id="rId4"/>
     <p:sldId id="260" r:id="rId5"/>
     <p:sldId id="258" r:id="rId6"/>
-    <p:sldId id="261" r:id="rId7"/>
-    <p:sldId id="263" r:id="rId8"/>
+    <p:sldId id="264" r:id="rId7"/>
+    <p:sldId id="261" r:id="rId8"/>
     <p:sldId id="259" r:id="rId9"/>
   </p:sldIdLst>
   <p:sldSz cx="12192000" cy="6858000"/>
@@ -131,8 +131,8 @@
 <pc:chgInfo xmlns:a="http://schemas.openxmlformats.org/drawingml/2006/main" xmlns:r="http://schemas.openxmlformats.org/officeDocument/2006/relationships" xmlns:ac="http://schemas.microsoft.com/office/drawing/2013/main/command" xmlns:pc="http://schemas.microsoft.com/office/powerpoint/2013/main/command">
   <pc:docChgLst>
     <pc:chgData name="Navesh Kumar" userId="3ebf9d26fca90b3a" providerId="LiveId" clId="{4C3D355F-0E91-4912-A721-AAA505D0F553}"/>
-    <pc:docChg chg="undo custSel addSld delSld modSld modMainMaster">
-      <pc:chgData name="Navesh Kumar" userId="3ebf9d26fca90b3a" providerId="LiveId" clId="{4C3D355F-0E91-4912-A721-AAA505D0F553}" dt="2022-04-17T14:20:13.808" v="2861" actId="20577"/>
+    <pc:docChg chg="undo custSel addSld delSld modSld sldOrd modMainMaster">
+      <pc:chgData name="Navesh Kumar" userId="3ebf9d26fca90b3a" providerId="LiveId" clId="{4C3D355F-0E91-4912-A721-AAA505D0F553}" dt="2022-04-18T15:14:46.012" v="5026" actId="20577"/>
       <pc:docMkLst>
         <pc:docMk/>
       </pc:docMkLst>
@@ -160,7 +160,7 @@
         </pc:spChg>
       </pc:sldChg>
       <pc:sldChg chg="addSp delSp modSp mod setBg delDesignElem">
-        <pc:chgData name="Navesh Kumar" userId="3ebf9d26fca90b3a" providerId="LiveId" clId="{4C3D355F-0E91-4912-A721-AAA505D0F553}" dt="2022-04-16T14:00:05.220" v="1264"/>
+        <pc:chgData name="Navesh Kumar" userId="3ebf9d26fca90b3a" providerId="LiveId" clId="{4C3D355F-0E91-4912-A721-AAA505D0F553}" dt="2022-04-18T15:14:46.012" v="5026" actId="20577"/>
         <pc:sldMkLst>
           <pc:docMk/>
           <pc:sldMk cId="3264384749" sldId="257"/>
@@ -230,7 +230,7 @@
           </ac:spMkLst>
         </pc:spChg>
         <pc:graphicFrameChg chg="add mod">
-          <ac:chgData name="Navesh Kumar" userId="3ebf9d26fca90b3a" providerId="LiveId" clId="{4C3D355F-0E91-4912-A721-AAA505D0F553}" dt="2022-04-16T13:56:49.842" v="1256" actId="20577"/>
+          <ac:chgData name="Navesh Kumar" userId="3ebf9d26fca90b3a" providerId="LiveId" clId="{4C3D355F-0E91-4912-A721-AAA505D0F553}" dt="2022-04-18T15:14:46.012" v="5026" actId="20577"/>
           <ac:graphicFrameMkLst>
             <pc:docMk/>
             <pc:sldMk cId="3264384749" sldId="257"/>
@@ -246,7 +246,7 @@
           </ac:graphicFrameMkLst>
         </pc:graphicFrameChg>
         <pc:graphicFrameChg chg="add mod modGraphic">
-          <ac:chgData name="Navesh Kumar" userId="3ebf9d26fca90b3a" providerId="LiveId" clId="{4C3D355F-0E91-4912-A721-AAA505D0F553}" dt="2022-04-16T13:55:30.503" v="1217" actId="1076"/>
+          <ac:chgData name="Navesh Kumar" userId="3ebf9d26fca90b3a" providerId="LiveId" clId="{4C3D355F-0E91-4912-A721-AAA505D0F553}" dt="2022-04-18T13:59:50.110" v="3533" actId="1076"/>
           <ac:graphicFrameMkLst>
             <pc:docMk/>
             <pc:sldMk cId="3264384749" sldId="257"/>
@@ -254,7 +254,7 @@
           </ac:graphicFrameMkLst>
         </pc:graphicFrameChg>
         <pc:picChg chg="add mod">
-          <ac:chgData name="Navesh Kumar" userId="3ebf9d26fca90b3a" providerId="LiveId" clId="{4C3D355F-0E91-4912-A721-AAA505D0F553}" dt="2022-04-16T13:53:39.590" v="1074" actId="1076"/>
+          <ac:chgData name="Navesh Kumar" userId="3ebf9d26fca90b3a" providerId="LiveId" clId="{4C3D355F-0E91-4912-A721-AAA505D0F553}" dt="2022-04-18T13:59:58.134" v="3534" actId="1076"/>
           <ac:picMkLst>
             <pc:docMk/>
             <pc:sldMk cId="3264384749" sldId="257"/>
@@ -262,7 +262,7 @@
           </ac:picMkLst>
         </pc:picChg>
         <pc:picChg chg="add mod">
-          <ac:chgData name="Navesh Kumar" userId="3ebf9d26fca90b3a" providerId="LiveId" clId="{4C3D355F-0E91-4912-A721-AAA505D0F553}" dt="2022-04-16T13:53:50.837" v="1079" actId="1076"/>
+          <ac:chgData name="Navesh Kumar" userId="3ebf9d26fca90b3a" providerId="LiveId" clId="{4C3D355F-0E91-4912-A721-AAA505D0F553}" dt="2022-04-18T14:00:21.242" v="3539" actId="1076"/>
           <ac:picMkLst>
             <pc:docMk/>
             <pc:sldMk cId="3264384749" sldId="257"/>
@@ -270,7 +270,7 @@
           </ac:picMkLst>
         </pc:picChg>
         <pc:picChg chg="add mod">
-          <ac:chgData name="Navesh Kumar" userId="3ebf9d26fca90b3a" providerId="LiveId" clId="{4C3D355F-0E91-4912-A721-AAA505D0F553}" dt="2022-04-16T13:53:48.059" v="1078" actId="1076"/>
+          <ac:chgData name="Navesh Kumar" userId="3ebf9d26fca90b3a" providerId="LiveId" clId="{4C3D355F-0E91-4912-A721-AAA505D0F553}" dt="2022-04-18T14:00:30.625" v="3542" actId="1076"/>
           <ac:picMkLst>
             <pc:docMk/>
             <pc:sldMk cId="3264384749" sldId="257"/>
@@ -278,7 +278,7 @@
           </ac:picMkLst>
         </pc:picChg>
         <pc:picChg chg="add mod">
-          <ac:chgData name="Navesh Kumar" userId="3ebf9d26fca90b3a" providerId="LiveId" clId="{4C3D355F-0E91-4912-A721-AAA505D0F553}" dt="2022-04-16T13:53:46.350" v="1077" actId="1076"/>
+          <ac:chgData name="Navesh Kumar" userId="3ebf9d26fca90b3a" providerId="LiveId" clId="{4C3D355F-0E91-4912-A721-AAA505D0F553}" dt="2022-04-18T14:00:16.942" v="3538" actId="1076"/>
           <ac:picMkLst>
             <pc:docMk/>
             <pc:sldMk cId="3264384749" sldId="257"/>
@@ -287,7 +287,7 @@
         </pc:picChg>
       </pc:sldChg>
       <pc:sldChg chg="addSp delSp modSp mod setBg modClrScheme chgLayout">
-        <pc:chgData name="Navesh Kumar" userId="3ebf9d26fca90b3a" providerId="LiveId" clId="{4C3D355F-0E91-4912-A721-AAA505D0F553}" dt="2022-04-16T17:37:56.232" v="2186" actId="255"/>
+        <pc:chgData name="Navesh Kumar" userId="3ebf9d26fca90b3a" providerId="LiveId" clId="{4C3D355F-0E91-4912-A721-AAA505D0F553}" dt="2022-04-18T14:28:37.292" v="4289" actId="21"/>
         <pc:sldMkLst>
           <pc:docMk/>
           <pc:sldMk cId="1065239945" sldId="258"/>
@@ -380,6 +380,14 @@
             <ac:spMk id="18" creationId="{7E2FF873-4B47-4FC9-A052-20DE004C8B8D}"/>
           </ac:spMkLst>
         </pc:spChg>
+        <pc:spChg chg="add del mod">
+          <ac:chgData name="Navesh Kumar" userId="3ebf9d26fca90b3a" providerId="LiveId" clId="{4C3D355F-0E91-4912-A721-AAA505D0F553}" dt="2022-04-18T14:28:37.292" v="4289" actId="21"/>
+          <ac:spMkLst>
+            <pc:docMk/>
+            <pc:sldMk cId="1065239945" sldId="258"/>
+            <ac:spMk id="18" creationId="{842D402B-17B9-4DC6-B3EE-23555F73932E}"/>
+          </ac:spMkLst>
+        </pc:spChg>
         <pc:spChg chg="add">
           <ac:chgData name="Navesh Kumar" userId="3ebf9d26fca90b3a" providerId="LiveId" clId="{4C3D355F-0E91-4912-A721-AAA505D0F553}" dt="2022-04-16T14:01:11.135" v="1269" actId="26606"/>
           <ac:spMkLst>
@@ -405,7 +413,7 @@
           </ac:spMkLst>
         </pc:spChg>
         <pc:spChg chg="add mod">
-          <ac:chgData name="Navesh Kumar" userId="3ebf9d26fca90b3a" providerId="LiveId" clId="{4C3D355F-0E91-4912-A721-AAA505D0F553}" dt="2022-04-16T17:36:50.319" v="2022" actId="1076"/>
+          <ac:chgData name="Navesh Kumar" userId="3ebf9d26fca90b3a" providerId="LiveId" clId="{4C3D355F-0E91-4912-A721-AAA505D0F553}" dt="2022-04-18T14:15:53.166" v="3632" actId="255"/>
           <ac:spMkLst>
             <pc:docMk/>
             <pc:sldMk cId="1065239945" sldId="258"/>
@@ -429,7 +437,7 @@
           </ac:graphicFrameMkLst>
         </pc:graphicFrameChg>
         <pc:graphicFrameChg chg="add mod modGraphic">
-          <ac:chgData name="Navesh Kumar" userId="3ebf9d26fca90b3a" providerId="LiveId" clId="{4C3D355F-0E91-4912-A721-AAA505D0F553}" dt="2022-04-16T17:34:59.830" v="1935" actId="478"/>
+          <ac:chgData name="Navesh Kumar" userId="3ebf9d26fca90b3a" providerId="LiveId" clId="{4C3D355F-0E91-4912-A721-AAA505D0F553}" dt="2022-04-18T14:05:39.850" v="3581" actId="20577"/>
           <ac:graphicFrameMkLst>
             <pc:docMk/>
             <pc:sldMk cId="1065239945" sldId="258"/>
@@ -486,7 +494,7 @@
         </pc:cxnChg>
       </pc:sldChg>
       <pc:sldChg chg="modSp mod">
-        <pc:chgData name="Navesh Kumar" userId="3ebf9d26fca90b3a" providerId="LiveId" clId="{4C3D355F-0E91-4912-A721-AAA505D0F553}" dt="2022-04-16T14:00:05.220" v="1264"/>
+        <pc:chgData name="Navesh Kumar" userId="3ebf9d26fca90b3a" providerId="LiveId" clId="{4C3D355F-0E91-4912-A721-AAA505D0F553}" dt="2022-04-18T13:59:15.842" v="3527" actId="20577"/>
         <pc:sldMkLst>
           <pc:docMk/>
           <pc:sldMk cId="1939885806" sldId="259"/>
@@ -500,7 +508,7 @@
           </ac:spMkLst>
         </pc:spChg>
         <pc:spChg chg="mod">
-          <ac:chgData name="Navesh Kumar" userId="3ebf9d26fca90b3a" providerId="LiveId" clId="{4C3D355F-0E91-4912-A721-AAA505D0F553}" dt="2022-04-16T14:00:05.220" v="1264"/>
+          <ac:chgData name="Navesh Kumar" userId="3ebf9d26fca90b3a" providerId="LiveId" clId="{4C3D355F-0E91-4912-A721-AAA505D0F553}" dt="2022-04-18T13:59:15.842" v="3527" actId="20577"/>
           <ac:spMkLst>
             <pc:docMk/>
             <pc:sldMk cId="1939885806" sldId="259"/>
@@ -516,7 +524,7 @@
         </pc:sldMkLst>
       </pc:sldChg>
       <pc:sldChg chg="addSp delSp modSp new mod setBg delDesignElem">
-        <pc:chgData name="Navesh Kumar" userId="3ebf9d26fca90b3a" providerId="LiveId" clId="{4C3D355F-0E91-4912-A721-AAA505D0F553}" dt="2022-04-16T14:00:05.220" v="1264"/>
+        <pc:chgData name="Navesh Kumar" userId="3ebf9d26fca90b3a" providerId="LiveId" clId="{4C3D355F-0E91-4912-A721-AAA505D0F553}" dt="2022-04-18T13:51:34.752" v="3057" actId="122"/>
         <pc:sldMkLst>
           <pc:docMk/>
           <pc:sldMk cId="2603298765" sldId="260"/>
@@ -594,7 +602,7 @@
           </ac:graphicFrameMkLst>
         </pc:graphicFrameChg>
         <pc:graphicFrameChg chg="add mod">
-          <ac:chgData name="Navesh Kumar" userId="3ebf9d26fca90b3a" providerId="LiveId" clId="{4C3D355F-0E91-4912-A721-AAA505D0F553}" dt="2022-04-16T13:56:02.647" v="1225" actId="113"/>
+          <ac:chgData name="Navesh Kumar" userId="3ebf9d26fca90b3a" providerId="LiveId" clId="{4C3D355F-0E91-4912-A721-AAA505D0F553}" dt="2022-04-18T13:51:34.752" v="3057" actId="122"/>
           <ac:graphicFrameMkLst>
             <pc:docMk/>
             <pc:sldMk cId="2603298765" sldId="260"/>
@@ -603,13 +611,13 @@
         </pc:graphicFrameChg>
       </pc:sldChg>
       <pc:sldChg chg="addSp delSp modSp new mod modClrScheme chgLayout">
-        <pc:chgData name="Navesh Kumar" userId="3ebf9d26fca90b3a" providerId="LiveId" clId="{4C3D355F-0E91-4912-A721-AAA505D0F553}" dt="2022-04-17T14:20:13.808" v="2861" actId="20577"/>
+        <pc:chgData name="Navesh Kumar" userId="3ebf9d26fca90b3a" providerId="LiveId" clId="{4C3D355F-0E91-4912-A721-AAA505D0F553}" dt="2022-04-18T14:56:25.563" v="4992" actId="20577"/>
         <pc:sldMkLst>
           <pc:docMk/>
           <pc:sldMk cId="3922567028" sldId="261"/>
         </pc:sldMkLst>
         <pc:spChg chg="add mod">
-          <ac:chgData name="Navesh Kumar" userId="3ebf9d26fca90b3a" providerId="LiveId" clId="{4C3D355F-0E91-4912-A721-AAA505D0F553}" dt="2022-04-16T17:38:22.190" v="2210" actId="20577"/>
+          <ac:chgData name="Navesh Kumar" userId="3ebf9d26fca90b3a" providerId="LiveId" clId="{4C3D355F-0E91-4912-A721-AAA505D0F553}" dt="2022-04-18T14:16:14.209" v="3644" actId="20577"/>
           <ac:spMkLst>
             <pc:docMk/>
             <pc:sldMk cId="3922567028" sldId="261"/>
@@ -624,8 +632,16 @@
             <ac:spMk id="3" creationId="{7D8FF41A-7D16-4937-880F-4AA41DB5B25C}"/>
           </ac:spMkLst>
         </pc:spChg>
+        <pc:spChg chg="add del mod">
+          <ac:chgData name="Navesh Kumar" userId="3ebf9d26fca90b3a" providerId="LiveId" clId="{4C3D355F-0E91-4912-A721-AAA505D0F553}" dt="2022-04-18T13:52:49.166" v="3082" actId="478"/>
+          <ac:spMkLst>
+            <pc:docMk/>
+            <pc:sldMk cId="3922567028" sldId="261"/>
+            <ac:spMk id="3" creationId="{F954E677-59AA-4114-B344-9EF07CB122BD}"/>
+          </ac:spMkLst>
+        </pc:spChg>
         <pc:spChg chg="add mod">
-          <ac:chgData name="Navesh Kumar" userId="3ebf9d26fca90b3a" providerId="LiveId" clId="{4C3D355F-0E91-4912-A721-AAA505D0F553}" dt="2022-04-17T14:19:36.815" v="2836" actId="20577"/>
+          <ac:chgData name="Navesh Kumar" userId="3ebf9d26fca90b3a" providerId="LiveId" clId="{4C3D355F-0E91-4912-A721-AAA505D0F553}" dt="2022-04-18T13:52:55.747" v="3083" actId="1076"/>
           <ac:spMkLst>
             <pc:docMk/>
             <pc:sldMk cId="3922567028" sldId="261"/>
@@ -633,7 +649,7 @@
           </ac:spMkLst>
         </pc:spChg>
         <pc:spChg chg="add mod">
-          <ac:chgData name="Navesh Kumar" userId="3ebf9d26fca90b3a" providerId="LiveId" clId="{4C3D355F-0E91-4912-A721-AAA505D0F553}" dt="2022-04-17T14:18:43.903" v="2800" actId="20577"/>
+          <ac:chgData name="Navesh Kumar" userId="3ebf9d26fca90b3a" providerId="LiveId" clId="{4C3D355F-0E91-4912-A721-AAA505D0F553}" dt="2022-04-18T13:56:37.796" v="3299" actId="20577"/>
           <ac:spMkLst>
             <pc:docMk/>
             <pc:sldMk cId="3922567028" sldId="261"/>
@@ -641,7 +657,15 @@
           </ac:spMkLst>
         </pc:spChg>
         <pc:spChg chg="add mod">
-          <ac:chgData name="Navesh Kumar" userId="3ebf9d26fca90b3a" providerId="LiveId" clId="{4C3D355F-0E91-4912-A721-AAA505D0F553}" dt="2022-04-17T14:18:33.758" v="2795" actId="20577"/>
+          <ac:chgData name="Navesh Kumar" userId="3ebf9d26fca90b3a" providerId="LiveId" clId="{4C3D355F-0E91-4912-A721-AAA505D0F553}" dt="2022-04-18T14:56:25.563" v="4992" actId="20577"/>
+          <ac:spMkLst>
+            <pc:docMk/>
+            <pc:sldMk cId="3922567028" sldId="261"/>
+            <ac:spMk id="6" creationId="{82FD9D8B-7172-4988-BD0C-C14B1212B9FF}"/>
+          </ac:spMkLst>
+        </pc:spChg>
+        <pc:spChg chg="add mod">
+          <ac:chgData name="Navesh Kumar" userId="3ebf9d26fca90b3a" providerId="LiveId" clId="{4C3D355F-0E91-4912-A721-AAA505D0F553}" dt="2022-04-18T13:56:35.094" v="3298" actId="20577"/>
           <ac:spMkLst>
             <pc:docMk/>
             <pc:sldMk cId="3922567028" sldId="261"/>
@@ -649,7 +673,7 @@
           </ac:spMkLst>
         </pc:spChg>
         <pc:spChg chg="add mod">
-          <ac:chgData name="Navesh Kumar" userId="3ebf9d26fca90b3a" providerId="LiveId" clId="{4C3D355F-0E91-4912-A721-AAA505D0F553}" dt="2022-04-17T14:20:13.808" v="2861" actId="20577"/>
+          <ac:chgData name="Navesh Kumar" userId="3ebf9d26fca90b3a" providerId="LiveId" clId="{4C3D355F-0E91-4912-A721-AAA505D0F553}" dt="2022-04-18T14:47:01.008" v="4563" actId="1076"/>
           <ac:spMkLst>
             <pc:docMk/>
             <pc:sldMk cId="3922567028" sldId="261"/>
@@ -657,7 +681,7 @@
           </ac:spMkLst>
         </pc:spChg>
         <pc:spChg chg="add mod">
-          <ac:chgData name="Navesh Kumar" userId="3ebf9d26fca90b3a" providerId="LiveId" clId="{4C3D355F-0E91-4912-A721-AAA505D0F553}" dt="2022-04-17T14:19:30.585" v="2832" actId="20577"/>
+          <ac:chgData name="Navesh Kumar" userId="3ebf9d26fca90b3a" providerId="LiveId" clId="{4C3D355F-0E91-4912-A721-AAA505D0F553}" dt="2022-04-18T13:56:47.638" v="3302" actId="20577"/>
           <ac:spMkLst>
             <pc:docMk/>
             <pc:sldMk cId="3922567028" sldId="261"/>
@@ -665,7 +689,7 @@
           </ac:spMkLst>
         </pc:spChg>
         <pc:spChg chg="add mod">
-          <ac:chgData name="Navesh Kumar" userId="3ebf9d26fca90b3a" providerId="LiveId" clId="{4C3D355F-0E91-4912-A721-AAA505D0F553}" dt="2022-04-17T14:20:05.276" v="2860" actId="20577"/>
+          <ac:chgData name="Navesh Kumar" userId="3ebf9d26fca90b3a" providerId="LiveId" clId="{4C3D355F-0E91-4912-A721-AAA505D0F553}" dt="2022-04-18T14:47:09.046" v="4565" actId="1076"/>
           <ac:spMkLst>
             <pc:docMk/>
             <pc:sldMk cId="3922567028" sldId="261"/>
@@ -673,7 +697,7 @@
           </ac:spMkLst>
         </pc:spChg>
         <pc:spChg chg="add mod">
-          <ac:chgData name="Navesh Kumar" userId="3ebf9d26fca90b3a" providerId="LiveId" clId="{4C3D355F-0E91-4912-A721-AAA505D0F553}" dt="2022-04-17T14:19:56.602" v="2852" actId="20577"/>
+          <ac:chgData name="Navesh Kumar" userId="3ebf9d26fca90b3a" providerId="LiveId" clId="{4C3D355F-0E91-4912-A721-AAA505D0F553}" dt="2022-04-18T13:56:52.960" v="3304" actId="20577"/>
           <ac:spMkLst>
             <pc:docMk/>
             <pc:sldMk cId="3922567028" sldId="261"/>
@@ -681,7 +705,7 @@
           </ac:spMkLst>
         </pc:spChg>
         <pc:spChg chg="add mod">
-          <ac:chgData name="Navesh Kumar" userId="3ebf9d26fca90b3a" providerId="LiveId" clId="{4C3D355F-0E91-4912-A721-AAA505D0F553}" dt="2022-04-17T14:19:46.045" v="2844" actId="20577"/>
+          <ac:chgData name="Navesh Kumar" userId="3ebf9d26fca90b3a" providerId="LiveId" clId="{4C3D355F-0E91-4912-A721-AAA505D0F553}" dt="2022-04-18T13:56:55.564" v="3305" actId="20577"/>
           <ac:spMkLst>
             <pc:docMk/>
             <pc:sldMk cId="3922567028" sldId="261"/>
@@ -689,15 +713,15 @@
           </ac:spMkLst>
         </pc:spChg>
         <pc:spChg chg="add mod">
-          <ac:chgData name="Navesh Kumar" userId="3ebf9d26fca90b3a" providerId="LiveId" clId="{4C3D355F-0E91-4912-A721-AAA505D0F553}" dt="2022-04-17T14:19:27.721" v="2829" actId="20577"/>
+          <ac:chgData name="Navesh Kumar" userId="3ebf9d26fca90b3a" providerId="LiveId" clId="{4C3D355F-0E91-4912-A721-AAA505D0F553}" dt="2022-04-18T13:56:44.926" v="3301" actId="20577"/>
           <ac:spMkLst>
             <pc:docMk/>
             <pc:sldMk cId="3922567028" sldId="261"/>
             <ac:spMk id="36" creationId="{BF3194E7-DD45-41E7-845D-613A4586D51A}"/>
           </ac:spMkLst>
         </pc:spChg>
-        <pc:cxnChg chg="add">
-          <ac:chgData name="Navesh Kumar" userId="3ebf9d26fca90b3a" providerId="LiveId" clId="{4C3D355F-0E91-4912-A721-AAA505D0F553}" dt="2022-04-16T17:39:52.826" v="2250" actId="11529"/>
+        <pc:cxnChg chg="add mod">
+          <ac:chgData name="Navesh Kumar" userId="3ebf9d26fca90b3a" providerId="LiveId" clId="{4C3D355F-0E91-4912-A721-AAA505D0F553}" dt="2022-04-18T13:52:55.747" v="3083" actId="1076"/>
           <ac:cxnSpMkLst>
             <pc:docMk/>
             <pc:sldMk cId="3922567028" sldId="261"/>
@@ -705,7 +729,7 @@
           </ac:cxnSpMkLst>
         </pc:cxnChg>
         <pc:cxnChg chg="add mod">
-          <ac:chgData name="Navesh Kumar" userId="3ebf9d26fca90b3a" providerId="LiveId" clId="{4C3D355F-0E91-4912-A721-AAA505D0F553}" dt="2022-04-16T17:42:19.126" v="2294" actId="14100"/>
+          <ac:chgData name="Navesh Kumar" userId="3ebf9d26fca90b3a" providerId="LiveId" clId="{4C3D355F-0E91-4912-A721-AAA505D0F553}" dt="2022-04-18T13:52:55.747" v="3083" actId="1076"/>
           <ac:cxnSpMkLst>
             <pc:docMk/>
             <pc:sldMk cId="3922567028" sldId="261"/>
@@ -713,7 +737,7 @@
           </ac:cxnSpMkLst>
         </pc:cxnChg>
         <pc:cxnChg chg="add mod">
-          <ac:chgData name="Navesh Kumar" userId="3ebf9d26fca90b3a" providerId="LiveId" clId="{4C3D355F-0E91-4912-A721-AAA505D0F553}" dt="2022-04-16T17:42:15.645" v="2293" actId="14100"/>
+          <ac:chgData name="Navesh Kumar" userId="3ebf9d26fca90b3a" providerId="LiveId" clId="{4C3D355F-0E91-4912-A721-AAA505D0F553}" dt="2022-04-18T14:47:01.008" v="4563" actId="1076"/>
           <ac:cxnSpMkLst>
             <pc:docMk/>
             <pc:sldMk cId="3922567028" sldId="261"/>
@@ -721,7 +745,7 @@
           </ac:cxnSpMkLst>
         </pc:cxnChg>
         <pc:cxnChg chg="add mod">
-          <ac:chgData name="Navesh Kumar" userId="3ebf9d26fca90b3a" providerId="LiveId" clId="{4C3D355F-0E91-4912-A721-AAA505D0F553}" dt="2022-04-16T17:40:43.948" v="2270" actId="14100"/>
+          <ac:chgData name="Navesh Kumar" userId="3ebf9d26fca90b3a" providerId="LiveId" clId="{4C3D355F-0E91-4912-A721-AAA505D0F553}" dt="2022-04-18T13:52:55.747" v="3083" actId="1076"/>
           <ac:cxnSpMkLst>
             <pc:docMk/>
             <pc:sldMk cId="3922567028" sldId="261"/>
@@ -729,7 +753,7 @@
           </ac:cxnSpMkLst>
         </pc:cxnChg>
         <pc:cxnChg chg="add mod">
-          <ac:chgData name="Navesh Kumar" userId="3ebf9d26fca90b3a" providerId="LiveId" clId="{4C3D355F-0E91-4912-A721-AAA505D0F553}" dt="2022-04-16T17:42:12.414" v="2292" actId="14100"/>
+          <ac:chgData name="Navesh Kumar" userId="3ebf9d26fca90b3a" providerId="LiveId" clId="{4C3D355F-0E91-4912-A721-AAA505D0F553}" dt="2022-04-18T14:47:09.046" v="4565" actId="1076"/>
           <ac:cxnSpMkLst>
             <pc:docMk/>
             <pc:sldMk cId="3922567028" sldId="261"/>
@@ -737,7 +761,7 @@
           </ac:cxnSpMkLst>
         </pc:cxnChg>
         <pc:cxnChg chg="add mod">
-          <ac:chgData name="Navesh Kumar" userId="3ebf9d26fca90b3a" providerId="LiveId" clId="{4C3D355F-0E91-4912-A721-AAA505D0F553}" dt="2022-04-16T17:41:38.390" v="2282" actId="14100"/>
+          <ac:chgData name="Navesh Kumar" userId="3ebf9d26fca90b3a" providerId="LiveId" clId="{4C3D355F-0E91-4912-A721-AAA505D0F553}" dt="2022-04-18T13:52:55.747" v="3083" actId="1076"/>
           <ac:cxnSpMkLst>
             <pc:docMk/>
             <pc:sldMk cId="3922567028" sldId="261"/>
@@ -745,7 +769,7 @@
           </ac:cxnSpMkLst>
         </pc:cxnChg>
         <pc:cxnChg chg="add mod">
-          <ac:chgData name="Navesh Kumar" userId="3ebf9d26fca90b3a" providerId="LiveId" clId="{4C3D355F-0E91-4912-A721-AAA505D0F553}" dt="2022-04-16T17:42:07.347" v="2291" actId="14100"/>
+          <ac:chgData name="Navesh Kumar" userId="3ebf9d26fca90b3a" providerId="LiveId" clId="{4C3D355F-0E91-4912-A721-AAA505D0F553}" dt="2022-04-18T13:52:55.747" v="3083" actId="1076"/>
           <ac:cxnSpMkLst>
             <pc:docMk/>
             <pc:sldMk cId="3922567028" sldId="261"/>
@@ -753,7 +777,7 @@
           </ac:cxnSpMkLst>
         </pc:cxnChg>
         <pc:cxnChg chg="add mod">
-          <ac:chgData name="Navesh Kumar" userId="3ebf9d26fca90b3a" providerId="LiveId" clId="{4C3D355F-0E91-4912-A721-AAA505D0F553}" dt="2022-04-16T17:42:52.740" v="2303" actId="14100"/>
+          <ac:chgData name="Navesh Kumar" userId="3ebf9d26fca90b3a" providerId="LiveId" clId="{4C3D355F-0E91-4912-A721-AAA505D0F553}" dt="2022-04-18T13:52:55.747" v="3083" actId="1076"/>
           <ac:cxnSpMkLst>
             <pc:docMk/>
             <pc:sldMk cId="3922567028" sldId="261"/>
@@ -762,7 +786,7 @@
         </pc:cxnChg>
       </pc:sldChg>
       <pc:sldChg chg="addSp delSp modSp new mod modClrScheme chgLayout">
-        <pc:chgData name="Navesh Kumar" userId="3ebf9d26fca90b3a" providerId="LiveId" clId="{4C3D355F-0E91-4912-A721-AAA505D0F553}" dt="2022-04-16T20:53:23.739" v="2456" actId="1076"/>
+        <pc:chgData name="Navesh Kumar" userId="3ebf9d26fca90b3a" providerId="LiveId" clId="{4C3D355F-0E91-4912-A721-AAA505D0F553}" dt="2022-04-18T14:52:44.106" v="4741" actId="20577"/>
         <pc:sldMkLst>
           <pc:docMk/>
           <pc:sldMk cId="3919972698" sldId="262"/>
@@ -792,7 +816,7 @@
           </ac:spMkLst>
         </pc:spChg>
         <pc:spChg chg="add mod ord">
-          <ac:chgData name="Navesh Kumar" userId="3ebf9d26fca90b3a" providerId="LiveId" clId="{4C3D355F-0E91-4912-A721-AAA505D0F553}" dt="2022-04-16T20:53:23.739" v="2456" actId="1076"/>
+          <ac:chgData name="Navesh Kumar" userId="3ebf9d26fca90b3a" providerId="LiveId" clId="{4C3D355F-0E91-4912-A721-AAA505D0F553}" dt="2022-04-18T14:52:44.106" v="4741" actId="20577"/>
           <ac:spMkLst>
             <pc:docMk/>
             <pc:sldMk cId="3919972698" sldId="262"/>
@@ -808,14 +832,14 @@
           </ac:spMkLst>
         </pc:spChg>
       </pc:sldChg>
-      <pc:sldChg chg="addSp delSp modSp new mod">
-        <pc:chgData name="Navesh Kumar" userId="3ebf9d26fca90b3a" providerId="LiveId" clId="{4C3D355F-0E91-4912-A721-AAA505D0F553}" dt="2022-04-17T14:13:58.945" v="2783" actId="1076"/>
+      <pc:sldChg chg="addSp delSp modSp new del mod">
+        <pc:chgData name="Navesh Kumar" userId="3ebf9d26fca90b3a" providerId="LiveId" clId="{4C3D355F-0E91-4912-A721-AAA505D0F553}" dt="2022-04-18T14:44:56.297" v="4561" actId="47"/>
         <pc:sldMkLst>
           <pc:docMk/>
           <pc:sldMk cId="4228077550" sldId="263"/>
         </pc:sldMkLst>
         <pc:spChg chg="mod">
-          <ac:chgData name="Navesh Kumar" userId="3ebf9d26fca90b3a" providerId="LiveId" clId="{4C3D355F-0E91-4912-A721-AAA505D0F553}" dt="2022-04-17T13:56:23.057" v="2478" actId="20577"/>
+          <ac:chgData name="Navesh Kumar" userId="3ebf9d26fca90b3a" providerId="LiveId" clId="{4C3D355F-0E91-4912-A721-AAA505D0F553}" dt="2022-04-18T14:16:32.142" v="3661" actId="20577"/>
           <ac:spMkLst>
             <pc:docMk/>
             <pc:sldMk cId="4228077550" sldId="263"/>
@@ -831,7 +855,7 @@
           </ac:spMkLst>
         </pc:spChg>
         <pc:spChg chg="add mod">
-          <ac:chgData name="Navesh Kumar" userId="3ebf9d26fca90b3a" providerId="LiveId" clId="{4C3D355F-0E91-4912-A721-AAA505D0F553}" dt="2022-04-17T14:11:43.677" v="2778" actId="20577"/>
+          <ac:chgData name="Navesh Kumar" userId="3ebf9d26fca90b3a" providerId="LiveId" clId="{4C3D355F-0E91-4912-A721-AAA505D0F553}" dt="2022-04-18T14:36:32.219" v="4475" actId="20577"/>
           <ac:spMkLst>
             <pc:docMk/>
             <pc:sldMk cId="4228077550" sldId="263"/>
@@ -846,6 +870,597 @@
             <ac:picMk id="5" creationId="{269A8F8A-88F0-48D1-BECD-7AD1304242BE}"/>
           </ac:picMkLst>
         </pc:picChg>
+      </pc:sldChg>
+      <pc:sldChg chg="addSp delSp modSp add mod ord">
+        <pc:chgData name="Navesh Kumar" userId="3ebf9d26fca90b3a" providerId="LiveId" clId="{4C3D355F-0E91-4912-A721-AAA505D0F553}" dt="2022-04-18T14:56:55.544" v="4995" actId="6549"/>
+        <pc:sldMkLst>
+          <pc:docMk/>
+          <pc:sldMk cId="1732228547" sldId="264"/>
+        </pc:sldMkLst>
+        <pc:spChg chg="add mod">
+          <ac:chgData name="Navesh Kumar" userId="3ebf9d26fca90b3a" providerId="LiveId" clId="{4C3D355F-0E91-4912-A721-AAA505D0F553}" dt="2022-04-18T14:33:25.737" v="4398" actId="1076"/>
+          <ac:spMkLst>
+            <pc:docMk/>
+            <pc:sldMk cId="1732228547" sldId="264"/>
+            <ac:spMk id="3" creationId="{62314B34-1E31-40BC-BFC2-91DC936D1B89}"/>
+          </ac:spMkLst>
+        </pc:spChg>
+        <pc:spChg chg="del">
+          <ac:chgData name="Navesh Kumar" userId="3ebf9d26fca90b3a" providerId="LiveId" clId="{4C3D355F-0E91-4912-A721-AAA505D0F553}" dt="2022-04-18T14:26:18.631" v="4147" actId="478"/>
+          <ac:spMkLst>
+            <pc:docMk/>
+            <pc:sldMk cId="1732228547" sldId="264"/>
+            <ac:spMk id="4" creationId="{D9B58530-7349-4913-9D30-588E4EDD425E}"/>
+          </ac:spMkLst>
+        </pc:spChg>
+        <pc:spChg chg="del">
+          <ac:chgData name="Navesh Kumar" userId="3ebf9d26fca90b3a" providerId="LiveId" clId="{4C3D355F-0E91-4912-A721-AAA505D0F553}" dt="2022-04-18T14:26:18.631" v="4147" actId="478"/>
+          <ac:spMkLst>
+            <pc:docMk/>
+            <pc:sldMk cId="1732228547" sldId="264"/>
+            <ac:spMk id="5" creationId="{12C858AA-4178-4154-8D4D-6B8D969F0D8F}"/>
+          </ac:spMkLst>
+        </pc:spChg>
+        <pc:spChg chg="del mod">
+          <ac:chgData name="Navesh Kumar" userId="3ebf9d26fca90b3a" providerId="LiveId" clId="{4C3D355F-0E91-4912-A721-AAA505D0F553}" dt="2022-04-18T14:45:12.731" v="4562" actId="478"/>
+          <ac:spMkLst>
+            <pc:docMk/>
+            <pc:sldMk cId="1732228547" sldId="264"/>
+            <ac:spMk id="6" creationId="{82FD9D8B-7172-4988-BD0C-C14B1212B9FF}"/>
+          </ac:spMkLst>
+        </pc:spChg>
+        <pc:spChg chg="del">
+          <ac:chgData name="Navesh Kumar" userId="3ebf9d26fca90b3a" providerId="LiveId" clId="{4C3D355F-0E91-4912-A721-AAA505D0F553}" dt="2022-04-18T14:26:18.631" v="4147" actId="478"/>
+          <ac:spMkLst>
+            <pc:docMk/>
+            <pc:sldMk cId="1732228547" sldId="264"/>
+            <ac:spMk id="8" creationId="{1B06A8FD-8AC9-4847-91BA-B16C615992CC}"/>
+          </ac:spMkLst>
+        </pc:spChg>
+        <pc:spChg chg="add mod">
+          <ac:chgData name="Navesh Kumar" userId="3ebf9d26fca90b3a" providerId="LiveId" clId="{4C3D355F-0E91-4912-A721-AAA505D0F553}" dt="2022-04-18T14:27:51.426" v="4267" actId="14100"/>
+          <ac:spMkLst>
+            <pc:docMk/>
+            <pc:sldMk cId="1732228547" sldId="264"/>
+            <ac:spMk id="12" creationId="{1FEEFE11-08F2-4FCA-9DE8-266733525016}"/>
+          </ac:spMkLst>
+        </pc:spChg>
+        <pc:spChg chg="del">
+          <ac:chgData name="Navesh Kumar" userId="3ebf9d26fca90b3a" providerId="LiveId" clId="{4C3D355F-0E91-4912-A721-AAA505D0F553}" dt="2022-04-18T14:26:18.631" v="4147" actId="478"/>
+          <ac:spMkLst>
+            <pc:docMk/>
+            <pc:sldMk cId="1732228547" sldId="264"/>
+            <ac:spMk id="13" creationId="{474B2057-36AB-474A-9F69-9BC5297F992A}"/>
+          </ac:spMkLst>
+        </pc:spChg>
+        <pc:spChg chg="del">
+          <ac:chgData name="Navesh Kumar" userId="3ebf9d26fca90b3a" providerId="LiveId" clId="{4C3D355F-0E91-4912-A721-AAA505D0F553}" dt="2022-04-18T14:26:18.631" v="4147" actId="478"/>
+          <ac:spMkLst>
+            <pc:docMk/>
+            <pc:sldMk cId="1732228547" sldId="264"/>
+            <ac:spMk id="17" creationId="{6920D814-68BD-48B2-84F4-4A4FFE6C2311}"/>
+          </ac:spMkLst>
+        </pc:spChg>
+        <pc:spChg chg="add del mod">
+          <ac:chgData name="Navesh Kumar" userId="3ebf9d26fca90b3a" providerId="LiveId" clId="{4C3D355F-0E91-4912-A721-AAA505D0F553}" dt="2022-04-18T14:31:24.989" v="4347" actId="478"/>
+          <ac:spMkLst>
+            <pc:docMk/>
+            <pc:sldMk cId="1732228547" sldId="264"/>
+            <ac:spMk id="19" creationId="{5F4B4E52-525E-436D-A962-D3EB4F7B0F98}"/>
+          </ac:spMkLst>
+        </pc:spChg>
+        <pc:spChg chg="add mod">
+          <ac:chgData name="Navesh Kumar" userId="3ebf9d26fca90b3a" providerId="LiveId" clId="{4C3D355F-0E91-4912-A721-AAA505D0F553}" dt="2022-04-18T14:30:01.750" v="4310" actId="207"/>
+          <ac:spMkLst>
+            <pc:docMk/>
+            <pc:sldMk cId="1732228547" sldId="264"/>
+            <ac:spMk id="20" creationId="{469F81AD-B39D-42C4-A6E4-F3E3C519118E}"/>
+          </ac:spMkLst>
+        </pc:spChg>
+        <pc:spChg chg="del">
+          <ac:chgData name="Navesh Kumar" userId="3ebf9d26fca90b3a" providerId="LiveId" clId="{4C3D355F-0E91-4912-A721-AAA505D0F553}" dt="2022-04-18T14:26:18.631" v="4147" actId="478"/>
+          <ac:spMkLst>
+            <pc:docMk/>
+            <pc:sldMk cId="1732228547" sldId="264"/>
+            <ac:spMk id="21" creationId="{76643E2A-2F9F-4F25-852B-60BD4647D040}"/>
+          </ac:spMkLst>
+        </pc:spChg>
+        <pc:spChg chg="del">
+          <ac:chgData name="Navesh Kumar" userId="3ebf9d26fca90b3a" providerId="LiveId" clId="{4C3D355F-0E91-4912-A721-AAA505D0F553}" dt="2022-04-18T14:26:18.631" v="4147" actId="478"/>
+          <ac:spMkLst>
+            <pc:docMk/>
+            <pc:sldMk cId="1732228547" sldId="264"/>
+            <ac:spMk id="25" creationId="{2234779C-2229-4F16-8644-9CA5B6F9504A}"/>
+          </ac:spMkLst>
+        </pc:spChg>
+        <pc:spChg chg="add mod">
+          <ac:chgData name="Navesh Kumar" userId="3ebf9d26fca90b3a" providerId="LiveId" clId="{4C3D355F-0E91-4912-A721-AAA505D0F553}" dt="2022-04-18T14:27:58.091" v="4271" actId="20577"/>
+          <ac:spMkLst>
+            <pc:docMk/>
+            <pc:sldMk cId="1732228547" sldId="264"/>
+            <ac:spMk id="27" creationId="{15FBC188-3C6C-45A5-9B0A-5102F3B18141}"/>
+          </ac:spMkLst>
+        </pc:spChg>
+        <pc:spChg chg="add mod">
+          <ac:chgData name="Navesh Kumar" userId="3ebf9d26fca90b3a" providerId="LiveId" clId="{4C3D355F-0E91-4912-A721-AAA505D0F553}" dt="2022-04-18T14:28:11.975" v="4276" actId="14100"/>
+          <ac:spMkLst>
+            <pc:docMk/>
+            <pc:sldMk cId="1732228547" sldId="264"/>
+            <ac:spMk id="28" creationId="{9DFC0A65-DAF1-4BB7-9465-40A0F3E9B343}"/>
+          </ac:spMkLst>
+        </pc:spChg>
+        <pc:spChg chg="del">
+          <ac:chgData name="Navesh Kumar" userId="3ebf9d26fca90b3a" providerId="LiveId" clId="{4C3D355F-0E91-4912-A721-AAA505D0F553}" dt="2022-04-18T14:26:18.631" v="4147" actId="478"/>
+          <ac:spMkLst>
+            <pc:docMk/>
+            <pc:sldMk cId="1732228547" sldId="264"/>
+            <ac:spMk id="29" creationId="{D9B21280-C177-4F5F-A630-1B3977FCE1BA}"/>
+          </ac:spMkLst>
+        </pc:spChg>
+        <pc:spChg chg="add mod">
+          <ac:chgData name="Navesh Kumar" userId="3ebf9d26fca90b3a" providerId="LiveId" clId="{4C3D355F-0E91-4912-A721-AAA505D0F553}" dt="2022-04-18T14:33:17.706" v="4392" actId="1076"/>
+          <ac:spMkLst>
+            <pc:docMk/>
+            <pc:sldMk cId="1732228547" sldId="264"/>
+            <ac:spMk id="31" creationId="{130FA05D-366F-4426-A7CE-D8BA660A8AAE}"/>
+          </ac:spMkLst>
+        </pc:spChg>
+        <pc:spChg chg="add mod">
+          <ac:chgData name="Navesh Kumar" userId="3ebf9d26fca90b3a" providerId="LiveId" clId="{4C3D355F-0E91-4912-A721-AAA505D0F553}" dt="2022-04-18T14:33:32.284" v="4399" actId="1076"/>
+          <ac:spMkLst>
+            <pc:docMk/>
+            <pc:sldMk cId="1732228547" sldId="264"/>
+            <ac:spMk id="32" creationId="{6B2402D3-6AC5-404F-8C44-3B1E498AFD28}"/>
+          </ac:spMkLst>
+        </pc:spChg>
+        <pc:spChg chg="add del mod">
+          <ac:chgData name="Navesh Kumar" userId="3ebf9d26fca90b3a" providerId="LiveId" clId="{4C3D355F-0E91-4912-A721-AAA505D0F553}" dt="2022-04-18T14:28:54.862" v="4297" actId="478"/>
+          <ac:spMkLst>
+            <pc:docMk/>
+            <pc:sldMk cId="1732228547" sldId="264"/>
+            <ac:spMk id="33" creationId="{71820308-CB64-45BC-B151-3F4867EEE2B3}"/>
+          </ac:spMkLst>
+        </pc:spChg>
+        <pc:spChg chg="add del mod">
+          <ac:chgData name="Navesh Kumar" userId="3ebf9d26fca90b3a" providerId="LiveId" clId="{4C3D355F-0E91-4912-A721-AAA505D0F553}" dt="2022-04-18T14:31:30.445" v="4348" actId="478"/>
+          <ac:spMkLst>
+            <pc:docMk/>
+            <pc:sldMk cId="1732228547" sldId="264"/>
+            <ac:spMk id="34" creationId="{CE54293D-9184-48EC-B65D-F54F7EBD350D}"/>
+          </ac:spMkLst>
+        </pc:spChg>
+        <pc:spChg chg="del">
+          <ac:chgData name="Navesh Kumar" userId="3ebf9d26fca90b3a" providerId="LiveId" clId="{4C3D355F-0E91-4912-A721-AAA505D0F553}" dt="2022-04-18T14:26:18.631" v="4147" actId="478"/>
+          <ac:spMkLst>
+            <pc:docMk/>
+            <pc:sldMk cId="1732228547" sldId="264"/>
+            <ac:spMk id="36" creationId="{BF3194E7-DD45-41E7-845D-613A4586D51A}"/>
+          </ac:spMkLst>
+        </pc:spChg>
+        <pc:spChg chg="add del mod">
+          <ac:chgData name="Navesh Kumar" userId="3ebf9d26fca90b3a" providerId="LiveId" clId="{4C3D355F-0E91-4912-A721-AAA505D0F553}" dt="2022-04-18T14:31:32.826" v="4351" actId="478"/>
+          <ac:spMkLst>
+            <pc:docMk/>
+            <pc:sldMk cId="1732228547" sldId="264"/>
+            <ac:spMk id="38" creationId="{06862581-8C96-4968-9B79-52D721256A00}"/>
+          </ac:spMkLst>
+        </pc:spChg>
+        <pc:spChg chg="add del mod">
+          <ac:chgData name="Navesh Kumar" userId="3ebf9d26fca90b3a" providerId="LiveId" clId="{4C3D355F-0E91-4912-A721-AAA505D0F553}" dt="2022-04-18T14:31:34.231" v="4352" actId="478"/>
+          <ac:spMkLst>
+            <pc:docMk/>
+            <pc:sldMk cId="1732228547" sldId="264"/>
+            <ac:spMk id="39" creationId="{F821FDB0-6754-4D0C-91E9-0D442E79BF8B}"/>
+          </ac:spMkLst>
+        </pc:spChg>
+        <pc:spChg chg="add del mod">
+          <ac:chgData name="Navesh Kumar" userId="3ebf9d26fca90b3a" providerId="LiveId" clId="{4C3D355F-0E91-4912-A721-AAA505D0F553}" dt="2022-04-18T14:31:38.030" v="4355" actId="478"/>
+          <ac:spMkLst>
+            <pc:docMk/>
+            <pc:sldMk cId="1732228547" sldId="264"/>
+            <ac:spMk id="40" creationId="{BFC944B9-2600-467B-AF59-10FD26524F24}"/>
+          </ac:spMkLst>
+        </pc:spChg>
+        <pc:spChg chg="add del mod">
+          <ac:chgData name="Navesh Kumar" userId="3ebf9d26fca90b3a" providerId="LiveId" clId="{4C3D355F-0E91-4912-A721-AAA505D0F553}" dt="2022-04-18T14:31:36.700" v="4354" actId="478"/>
+          <ac:spMkLst>
+            <pc:docMk/>
+            <pc:sldMk cId="1732228547" sldId="264"/>
+            <ac:spMk id="41" creationId="{E3236822-2B69-4B68-8E75-E24FBB1A0B59}"/>
+          </ac:spMkLst>
+        </pc:spChg>
+        <pc:spChg chg="add del mod">
+          <ac:chgData name="Navesh Kumar" userId="3ebf9d26fca90b3a" providerId="LiveId" clId="{4C3D355F-0E91-4912-A721-AAA505D0F553}" dt="2022-04-18T14:31:35.412" v="4353" actId="478"/>
+          <ac:spMkLst>
+            <pc:docMk/>
+            <pc:sldMk cId="1732228547" sldId="264"/>
+            <ac:spMk id="42" creationId="{F75A0D36-CB2F-4F0C-999A-754EED2E4D76}"/>
+          </ac:spMkLst>
+        </pc:spChg>
+        <pc:spChg chg="add mod">
+          <ac:chgData name="Navesh Kumar" userId="3ebf9d26fca90b3a" providerId="LiveId" clId="{4C3D355F-0E91-4912-A721-AAA505D0F553}" dt="2022-04-18T14:32:51.375" v="4379" actId="1076"/>
+          <ac:spMkLst>
+            <pc:docMk/>
+            <pc:sldMk cId="1732228547" sldId="264"/>
+            <ac:spMk id="43" creationId="{3AA42D9F-FBAF-44D6-BC01-59F5F2C16DA1}"/>
+          </ac:spMkLst>
+        </pc:spChg>
+        <pc:spChg chg="add mod">
+          <ac:chgData name="Navesh Kumar" userId="3ebf9d26fca90b3a" providerId="LiveId" clId="{4C3D355F-0E91-4912-A721-AAA505D0F553}" dt="2022-04-18T14:30:11.302" v="4314" actId="1076"/>
+          <ac:spMkLst>
+            <pc:docMk/>
+            <pc:sldMk cId="1732228547" sldId="264"/>
+            <ac:spMk id="44" creationId="{F4119E3F-36F4-4BE8-98A1-5A78C0D759CF}"/>
+          </ac:spMkLst>
+        </pc:spChg>
+        <pc:spChg chg="add mod">
+          <ac:chgData name="Navesh Kumar" userId="3ebf9d26fca90b3a" providerId="LiveId" clId="{4C3D355F-0E91-4912-A721-AAA505D0F553}" dt="2022-04-18T14:32:53.565" v="4380" actId="1076"/>
+          <ac:spMkLst>
+            <pc:docMk/>
+            <pc:sldMk cId="1732228547" sldId="264"/>
+            <ac:spMk id="45" creationId="{7D73D353-3B37-4ED2-846A-51C0D3F506C3}"/>
+          </ac:spMkLst>
+        </pc:spChg>
+        <pc:spChg chg="add mod">
+          <ac:chgData name="Navesh Kumar" userId="3ebf9d26fca90b3a" providerId="LiveId" clId="{4C3D355F-0E91-4912-A721-AAA505D0F553}" dt="2022-04-18T14:30:25.553" v="4321" actId="1076"/>
+          <ac:spMkLst>
+            <pc:docMk/>
+            <pc:sldMk cId="1732228547" sldId="264"/>
+            <ac:spMk id="46" creationId="{7DBD5D9A-62EE-47CD-9DAB-4D783FFC2C70}"/>
+          </ac:spMkLst>
+        </pc:spChg>
+        <pc:spChg chg="add mod">
+          <ac:chgData name="Navesh Kumar" userId="3ebf9d26fca90b3a" providerId="LiveId" clId="{4C3D355F-0E91-4912-A721-AAA505D0F553}" dt="2022-04-18T14:30:29.183" v="4323" actId="1076"/>
+          <ac:spMkLst>
+            <pc:docMk/>
+            <pc:sldMk cId="1732228547" sldId="264"/>
+            <ac:spMk id="47" creationId="{FAAB1059-A7EF-4124-A3C1-9C96F2595FE0}"/>
+          </ac:spMkLst>
+        </pc:spChg>
+        <pc:spChg chg="add mod">
+          <ac:chgData name="Navesh Kumar" userId="3ebf9d26fca90b3a" providerId="LiveId" clId="{4C3D355F-0E91-4912-A721-AAA505D0F553}" dt="2022-04-18T14:32:26.145" v="4377" actId="1076"/>
+          <ac:spMkLst>
+            <pc:docMk/>
+            <pc:sldMk cId="1732228547" sldId="264"/>
+            <ac:spMk id="61" creationId="{2861806E-0330-4943-B840-1D0B6BF9156C}"/>
+          </ac:spMkLst>
+        </pc:spChg>
+        <pc:spChg chg="add mod">
+          <ac:chgData name="Navesh Kumar" userId="3ebf9d26fca90b3a" providerId="LiveId" clId="{4C3D355F-0E91-4912-A721-AAA505D0F553}" dt="2022-04-18T14:33:57.519" v="4401" actId="1076"/>
+          <ac:spMkLst>
+            <pc:docMk/>
+            <pc:sldMk cId="1732228547" sldId="264"/>
+            <ac:spMk id="65" creationId="{54CB59C6-31F9-42D8-A93F-F74C6F9CB997}"/>
+          </ac:spMkLst>
+        </pc:spChg>
+        <pc:spChg chg="add mod">
+          <ac:chgData name="Navesh Kumar" userId="3ebf9d26fca90b3a" providerId="LiveId" clId="{4C3D355F-0E91-4912-A721-AAA505D0F553}" dt="2022-04-18T14:33:57.519" v="4401" actId="1076"/>
+          <ac:spMkLst>
+            <pc:docMk/>
+            <pc:sldMk cId="1732228547" sldId="264"/>
+            <ac:spMk id="66" creationId="{95BD26B3-9C33-470C-ACD9-A00A93B3D372}"/>
+          </ac:spMkLst>
+        </pc:spChg>
+        <pc:spChg chg="add mod">
+          <ac:chgData name="Navesh Kumar" userId="3ebf9d26fca90b3a" providerId="LiveId" clId="{4C3D355F-0E91-4912-A721-AAA505D0F553}" dt="2022-04-18T14:33:57.519" v="4401" actId="1076"/>
+          <ac:spMkLst>
+            <pc:docMk/>
+            <pc:sldMk cId="1732228547" sldId="264"/>
+            <ac:spMk id="67" creationId="{2432D34D-D751-4B45-ABE4-6C98866E7089}"/>
+          </ac:spMkLst>
+        </pc:spChg>
+        <pc:spChg chg="add mod">
+          <ac:chgData name="Navesh Kumar" userId="3ebf9d26fca90b3a" providerId="LiveId" clId="{4C3D355F-0E91-4912-A721-AAA505D0F553}" dt="2022-04-18T14:33:57.519" v="4401" actId="1076"/>
+          <ac:spMkLst>
+            <pc:docMk/>
+            <pc:sldMk cId="1732228547" sldId="264"/>
+            <ac:spMk id="68" creationId="{5FC48972-0882-494F-B04E-807BBED1A642}"/>
+          </ac:spMkLst>
+        </pc:spChg>
+        <pc:spChg chg="add mod">
+          <ac:chgData name="Navesh Kumar" userId="3ebf9d26fca90b3a" providerId="LiveId" clId="{4C3D355F-0E91-4912-A721-AAA505D0F553}" dt="2022-04-18T14:33:57.519" v="4401" actId="1076"/>
+          <ac:spMkLst>
+            <pc:docMk/>
+            <pc:sldMk cId="1732228547" sldId="264"/>
+            <ac:spMk id="69" creationId="{4E3DB8B3-C3B4-4AEB-BEC7-61697603D8F8}"/>
+          </ac:spMkLst>
+        </pc:spChg>
+        <pc:spChg chg="add mod">
+          <ac:chgData name="Navesh Kumar" userId="3ebf9d26fca90b3a" providerId="LiveId" clId="{4C3D355F-0E91-4912-A721-AAA505D0F553}" dt="2022-04-18T14:33:57.519" v="4401" actId="1076"/>
+          <ac:spMkLst>
+            <pc:docMk/>
+            <pc:sldMk cId="1732228547" sldId="264"/>
+            <ac:spMk id="70" creationId="{4C6AA278-C576-4E05-943B-9B77E28EDB16}"/>
+          </ac:spMkLst>
+        </pc:spChg>
+        <pc:spChg chg="add mod">
+          <ac:chgData name="Navesh Kumar" userId="3ebf9d26fca90b3a" providerId="LiveId" clId="{4C3D355F-0E91-4912-A721-AAA505D0F553}" dt="2022-04-18T14:33:57.519" v="4401" actId="1076"/>
+          <ac:spMkLst>
+            <pc:docMk/>
+            <pc:sldMk cId="1732228547" sldId="264"/>
+            <ac:spMk id="71" creationId="{1732EF3E-E31E-4632-B61A-A766E2AC78B7}"/>
+          </ac:spMkLst>
+        </pc:spChg>
+        <pc:spChg chg="add mod">
+          <ac:chgData name="Navesh Kumar" userId="3ebf9d26fca90b3a" providerId="LiveId" clId="{4C3D355F-0E91-4912-A721-AAA505D0F553}" dt="2022-04-18T14:33:57.519" v="4401" actId="1076"/>
+          <ac:spMkLst>
+            <pc:docMk/>
+            <pc:sldMk cId="1732228547" sldId="264"/>
+            <ac:spMk id="72" creationId="{37C7FB07-9400-4BF9-84CC-CD60BCF42E3C}"/>
+          </ac:spMkLst>
+        </pc:spChg>
+        <pc:spChg chg="add mod">
+          <ac:chgData name="Navesh Kumar" userId="3ebf9d26fca90b3a" providerId="LiveId" clId="{4C3D355F-0E91-4912-A721-AAA505D0F553}" dt="2022-04-18T14:33:57.519" v="4401" actId="1076"/>
+          <ac:spMkLst>
+            <pc:docMk/>
+            <pc:sldMk cId="1732228547" sldId="264"/>
+            <ac:spMk id="73" creationId="{F2C178EE-E9A4-45A0-86E1-39998978BB78}"/>
+          </ac:spMkLst>
+        </pc:spChg>
+        <pc:spChg chg="add mod">
+          <ac:chgData name="Navesh Kumar" userId="3ebf9d26fca90b3a" providerId="LiveId" clId="{4C3D355F-0E91-4912-A721-AAA505D0F553}" dt="2022-04-18T14:33:57.519" v="4401" actId="1076"/>
+          <ac:spMkLst>
+            <pc:docMk/>
+            <pc:sldMk cId="1732228547" sldId="264"/>
+            <ac:spMk id="74" creationId="{98476FBA-1E91-43BE-BCBA-62C7A68F1CA0}"/>
+          </ac:spMkLst>
+        </pc:spChg>
+        <pc:spChg chg="add mod">
+          <ac:chgData name="Navesh Kumar" userId="3ebf9d26fca90b3a" providerId="LiveId" clId="{4C3D355F-0E91-4912-A721-AAA505D0F553}" dt="2022-04-18T14:33:57.519" v="4401" actId="1076"/>
+          <ac:spMkLst>
+            <pc:docMk/>
+            <pc:sldMk cId="1732228547" sldId="264"/>
+            <ac:spMk id="75" creationId="{0F67C3B1-5A62-4E06-8DCA-BD8E0C0DF279}"/>
+          </ac:spMkLst>
+        </pc:spChg>
+        <pc:spChg chg="add mod">
+          <ac:chgData name="Navesh Kumar" userId="3ebf9d26fca90b3a" providerId="LiveId" clId="{4C3D355F-0E91-4912-A721-AAA505D0F553}" dt="2022-04-18T14:33:57.519" v="4401" actId="1076"/>
+          <ac:spMkLst>
+            <pc:docMk/>
+            <pc:sldMk cId="1732228547" sldId="264"/>
+            <ac:spMk id="76" creationId="{B000CD2A-63BC-4CF9-B783-518CEE43E648}"/>
+          </ac:spMkLst>
+        </pc:spChg>
+        <pc:spChg chg="add mod">
+          <ac:chgData name="Navesh Kumar" userId="3ebf9d26fca90b3a" providerId="LiveId" clId="{4C3D355F-0E91-4912-A721-AAA505D0F553}" dt="2022-04-18T14:34:40.451" v="4421" actId="1076"/>
+          <ac:spMkLst>
+            <pc:docMk/>
+            <pc:sldMk cId="1732228547" sldId="264"/>
+            <ac:spMk id="85" creationId="{0745DBEF-8187-49F4-836B-0A13FEEB83A3}"/>
+          </ac:spMkLst>
+        </pc:spChg>
+        <pc:spChg chg="add mod">
+          <ac:chgData name="Navesh Kumar" userId="3ebf9d26fca90b3a" providerId="LiveId" clId="{4C3D355F-0E91-4912-A721-AAA505D0F553}" dt="2022-04-18T14:35:06.851" v="4428" actId="1076"/>
+          <ac:spMkLst>
+            <pc:docMk/>
+            <pc:sldMk cId="1732228547" sldId="264"/>
+            <ac:spMk id="86" creationId="{F9B77974-CE97-4640-ACE7-89185D910872}"/>
+          </ac:spMkLst>
+        </pc:spChg>
+        <pc:spChg chg="add del mod">
+          <ac:chgData name="Navesh Kumar" userId="3ebf9d26fca90b3a" providerId="LiveId" clId="{4C3D355F-0E91-4912-A721-AAA505D0F553}" dt="2022-04-18T14:37:08.833" v="4476" actId="478"/>
+          <ac:spMkLst>
+            <pc:docMk/>
+            <pc:sldMk cId="1732228547" sldId="264"/>
+            <ac:spMk id="87" creationId="{DC7D33F5-C1FF-466E-BD6D-97EB14E9A6E4}"/>
+          </ac:spMkLst>
+        </pc:spChg>
+        <pc:spChg chg="add mod">
+          <ac:chgData name="Navesh Kumar" userId="3ebf9d26fca90b3a" providerId="LiveId" clId="{4C3D355F-0E91-4912-A721-AAA505D0F553}" dt="2022-04-18T14:56:55.544" v="4995" actId="6549"/>
+          <ac:spMkLst>
+            <pc:docMk/>
+            <pc:sldMk cId="1732228547" sldId="264"/>
+            <ac:spMk id="88" creationId="{9D2B719F-9961-4DC0-9CE8-881CC010E4FB}"/>
+          </ac:spMkLst>
+        </pc:spChg>
+        <pc:cxnChg chg="del mod">
+          <ac:chgData name="Navesh Kumar" userId="3ebf9d26fca90b3a" providerId="LiveId" clId="{4C3D355F-0E91-4912-A721-AAA505D0F553}" dt="2022-04-18T14:26:18.631" v="4147" actId="478"/>
+          <ac:cxnSpMkLst>
+            <pc:docMk/>
+            <pc:sldMk cId="1732228547" sldId="264"/>
+            <ac:cxnSpMk id="7" creationId="{8951A075-07C3-42AA-8CD6-23E3C855DF04}"/>
+          </ac:cxnSpMkLst>
+        </pc:cxnChg>
+        <pc:cxnChg chg="del mod">
+          <ac:chgData name="Navesh Kumar" userId="3ebf9d26fca90b3a" providerId="LiveId" clId="{4C3D355F-0E91-4912-A721-AAA505D0F553}" dt="2022-04-18T14:26:18.631" v="4147" actId="478"/>
+          <ac:cxnSpMkLst>
+            <pc:docMk/>
+            <pc:sldMk cId="1732228547" sldId="264"/>
+            <ac:cxnSpMk id="9" creationId="{018CA556-0AB4-4318-8B03-EB8226A99328}"/>
+          </ac:cxnSpMkLst>
+        </pc:cxnChg>
+        <pc:cxnChg chg="add del mod">
+          <ac:chgData name="Navesh Kumar" userId="3ebf9d26fca90b3a" providerId="LiveId" clId="{4C3D355F-0E91-4912-A721-AAA505D0F553}" dt="2022-04-18T14:33:03.908" v="4385" actId="478"/>
+          <ac:cxnSpMkLst>
+            <pc:docMk/>
+            <pc:sldMk cId="1732228547" sldId="264"/>
+            <ac:cxnSpMk id="11" creationId="{C78C79EC-C4AB-4ED2-9276-8001C811ADAE}"/>
+          </ac:cxnSpMkLst>
+        </pc:cxnChg>
+        <pc:cxnChg chg="del mod">
+          <ac:chgData name="Navesh Kumar" userId="3ebf9d26fca90b3a" providerId="LiveId" clId="{4C3D355F-0E91-4912-A721-AAA505D0F553}" dt="2022-04-18T14:26:18.631" v="4147" actId="478"/>
+          <ac:cxnSpMkLst>
+            <pc:docMk/>
+            <pc:sldMk cId="1732228547" sldId="264"/>
+            <ac:cxnSpMk id="14" creationId="{958D88A5-EB26-45EA-9C00-FC956C41F673}"/>
+          </ac:cxnSpMkLst>
+        </pc:cxnChg>
+        <pc:cxnChg chg="del mod">
+          <ac:chgData name="Navesh Kumar" userId="3ebf9d26fca90b3a" providerId="LiveId" clId="{4C3D355F-0E91-4912-A721-AAA505D0F553}" dt="2022-04-18T14:26:18.631" v="4147" actId="478"/>
+          <ac:cxnSpMkLst>
+            <pc:docMk/>
+            <pc:sldMk cId="1732228547" sldId="264"/>
+            <ac:cxnSpMk id="18" creationId="{C1582CBA-D208-4FFF-A30C-9664C36CD1FC}"/>
+          </ac:cxnSpMkLst>
+        </pc:cxnChg>
+        <pc:cxnChg chg="del mod">
+          <ac:chgData name="Navesh Kumar" userId="3ebf9d26fca90b3a" providerId="LiveId" clId="{4C3D355F-0E91-4912-A721-AAA505D0F553}" dt="2022-04-18T14:26:18.631" v="4147" actId="478"/>
+          <ac:cxnSpMkLst>
+            <pc:docMk/>
+            <pc:sldMk cId="1732228547" sldId="264"/>
+            <ac:cxnSpMk id="22" creationId="{D279F5AA-8D37-4F63-8D65-D7116D2A6BC0}"/>
+          </ac:cxnSpMkLst>
+        </pc:cxnChg>
+        <pc:cxnChg chg="del mod">
+          <ac:chgData name="Navesh Kumar" userId="3ebf9d26fca90b3a" providerId="LiveId" clId="{4C3D355F-0E91-4912-A721-AAA505D0F553}" dt="2022-04-18T14:26:18.631" v="4147" actId="478"/>
+          <ac:cxnSpMkLst>
+            <pc:docMk/>
+            <pc:sldMk cId="1732228547" sldId="264"/>
+            <ac:cxnSpMk id="26" creationId="{D91809D4-40F9-4FBB-ADFB-FF27660AC951}"/>
+          </ac:cxnSpMkLst>
+        </pc:cxnChg>
+        <pc:cxnChg chg="del mod">
+          <ac:chgData name="Navesh Kumar" userId="3ebf9d26fca90b3a" providerId="LiveId" clId="{4C3D355F-0E91-4912-A721-AAA505D0F553}" dt="2022-04-18T14:26:18.631" v="4147" actId="478"/>
+          <ac:cxnSpMkLst>
+            <pc:docMk/>
+            <pc:sldMk cId="1732228547" sldId="264"/>
+            <ac:cxnSpMk id="30" creationId="{945F515D-8A24-40EB-BA12-ADE7C1400F24}"/>
+          </ac:cxnSpMkLst>
+        </pc:cxnChg>
+        <pc:cxnChg chg="add del mod">
+          <ac:chgData name="Navesh Kumar" userId="3ebf9d26fca90b3a" providerId="LiveId" clId="{4C3D355F-0E91-4912-A721-AAA505D0F553}" dt="2022-04-18T14:31:31.448" v="4349" actId="478"/>
+          <ac:cxnSpMkLst>
+            <pc:docMk/>
+            <pc:sldMk cId="1732228547" sldId="264"/>
+            <ac:cxnSpMk id="35" creationId="{93CC980E-F263-4E6D-9599-06AA01DDB47E}"/>
+          </ac:cxnSpMkLst>
+        </pc:cxnChg>
+        <pc:cxnChg chg="del mod">
+          <ac:chgData name="Navesh Kumar" userId="3ebf9d26fca90b3a" providerId="LiveId" clId="{4C3D355F-0E91-4912-A721-AAA505D0F553}" dt="2022-04-18T14:26:18.631" v="4147" actId="478"/>
+          <ac:cxnSpMkLst>
+            <pc:docMk/>
+            <pc:sldMk cId="1732228547" sldId="264"/>
+            <ac:cxnSpMk id="37" creationId="{027D3093-CF6B-4930-B266-B2D09B56906C}"/>
+          </ac:cxnSpMkLst>
+        </pc:cxnChg>
+        <pc:cxnChg chg="add mod">
+          <ac:chgData name="Navesh Kumar" userId="3ebf9d26fca90b3a" providerId="LiveId" clId="{4C3D355F-0E91-4912-A721-AAA505D0F553}" dt="2022-04-18T14:33:12.789" v="4389" actId="1076"/>
+          <ac:cxnSpMkLst>
+            <pc:docMk/>
+            <pc:sldMk cId="1732228547" sldId="264"/>
+            <ac:cxnSpMk id="50" creationId="{3767DC4F-99F7-48FF-95FD-81E70E1B0230}"/>
+          </ac:cxnSpMkLst>
+        </pc:cxnChg>
+        <pc:cxnChg chg="add mod">
+          <ac:chgData name="Navesh Kumar" userId="3ebf9d26fca90b3a" providerId="LiveId" clId="{4C3D355F-0E91-4912-A721-AAA505D0F553}" dt="2022-04-18T14:30:58.294" v="4334" actId="14100"/>
+          <ac:cxnSpMkLst>
+            <pc:docMk/>
+            <pc:sldMk cId="1732228547" sldId="264"/>
+            <ac:cxnSpMk id="51" creationId="{550F17BF-1F49-4EF9-8F11-FBCD7FAD8B15}"/>
+          </ac:cxnSpMkLst>
+        </pc:cxnChg>
+        <pc:cxnChg chg="add mod">
+          <ac:chgData name="Navesh Kumar" userId="3ebf9d26fca90b3a" providerId="LiveId" clId="{4C3D355F-0E91-4912-A721-AAA505D0F553}" dt="2022-04-18T14:31:04.848" v="4336" actId="1076"/>
+          <ac:cxnSpMkLst>
+            <pc:docMk/>
+            <pc:sldMk cId="1732228547" sldId="264"/>
+            <ac:cxnSpMk id="55" creationId="{11AB5563-B721-4CFC-B01D-90A76EDF99AB}"/>
+          </ac:cxnSpMkLst>
+        </pc:cxnChg>
+        <pc:cxnChg chg="add mod">
+          <ac:chgData name="Navesh Kumar" userId="3ebf9d26fca90b3a" providerId="LiveId" clId="{4C3D355F-0E91-4912-A721-AAA505D0F553}" dt="2022-04-18T14:31:12.756" v="4340" actId="1076"/>
+          <ac:cxnSpMkLst>
+            <pc:docMk/>
+            <pc:sldMk cId="1732228547" sldId="264"/>
+            <ac:cxnSpMk id="56" creationId="{05BEB4A5-6C1B-4DE1-88D5-4446395F5271}"/>
+          </ac:cxnSpMkLst>
+        </pc:cxnChg>
+        <pc:cxnChg chg="add mod">
+          <ac:chgData name="Navesh Kumar" userId="3ebf9d26fca90b3a" providerId="LiveId" clId="{4C3D355F-0E91-4912-A721-AAA505D0F553}" dt="2022-04-18T14:31:16.098" v="4342" actId="1076"/>
+          <ac:cxnSpMkLst>
+            <pc:docMk/>
+            <pc:sldMk cId="1732228547" sldId="264"/>
+            <ac:cxnSpMk id="58" creationId="{5166CA8F-69D3-4EFB-ABAF-0F7FC8EC41A9}"/>
+          </ac:cxnSpMkLst>
+        </pc:cxnChg>
+        <pc:cxnChg chg="add mod">
+          <ac:chgData name="Navesh Kumar" userId="3ebf9d26fca90b3a" providerId="LiveId" clId="{4C3D355F-0E91-4912-A721-AAA505D0F553}" dt="2022-04-18T14:31:19.305" v="4344" actId="1076"/>
+          <ac:cxnSpMkLst>
+            <pc:docMk/>
+            <pc:sldMk cId="1732228547" sldId="264"/>
+            <ac:cxnSpMk id="59" creationId="{2D1D0B79-829F-4FA5-9749-6F167BAA67EA}"/>
+          </ac:cxnSpMkLst>
+        </pc:cxnChg>
+        <pc:cxnChg chg="add mod">
+          <ac:chgData name="Navesh Kumar" userId="3ebf9d26fca90b3a" providerId="LiveId" clId="{4C3D355F-0E91-4912-A721-AAA505D0F553}" dt="2022-04-18T14:31:22.501" v="4346" actId="1076"/>
+          <ac:cxnSpMkLst>
+            <pc:docMk/>
+            <pc:sldMk cId="1732228547" sldId="264"/>
+            <ac:cxnSpMk id="60" creationId="{890E3D07-D145-4E93-B29A-DE16CE21C647}"/>
+          </ac:cxnSpMkLst>
+        </pc:cxnChg>
+        <pc:cxnChg chg="add mod">
+          <ac:chgData name="Navesh Kumar" userId="3ebf9d26fca90b3a" providerId="LiveId" clId="{4C3D355F-0E91-4912-A721-AAA505D0F553}" dt="2022-04-18T14:33:10.626" v="4388" actId="1076"/>
+          <ac:cxnSpMkLst>
+            <pc:docMk/>
+            <pc:sldMk cId="1732228547" sldId="264"/>
+            <ac:cxnSpMk id="64" creationId="{D469F512-350F-4715-A210-7DF94FEAD130}"/>
+          </ac:cxnSpMkLst>
+        </pc:cxnChg>
+        <pc:cxnChg chg="add mod">
+          <ac:chgData name="Navesh Kumar" userId="3ebf9d26fca90b3a" providerId="LiveId" clId="{4C3D355F-0E91-4912-A721-AAA505D0F553}" dt="2022-04-18T14:33:57.519" v="4401" actId="1076"/>
+          <ac:cxnSpMkLst>
+            <pc:docMk/>
+            <pc:sldMk cId="1732228547" sldId="264"/>
+            <ac:cxnSpMk id="77" creationId="{C173548F-DA6E-4D7B-90AD-379358E44596}"/>
+          </ac:cxnSpMkLst>
+        </pc:cxnChg>
+        <pc:cxnChg chg="add mod">
+          <ac:chgData name="Navesh Kumar" userId="3ebf9d26fca90b3a" providerId="LiveId" clId="{4C3D355F-0E91-4912-A721-AAA505D0F553}" dt="2022-04-18T14:33:57.519" v="4401" actId="1076"/>
+          <ac:cxnSpMkLst>
+            <pc:docMk/>
+            <pc:sldMk cId="1732228547" sldId="264"/>
+            <ac:cxnSpMk id="78" creationId="{3CF7D172-75E3-44DF-B757-F6D88B621FE1}"/>
+          </ac:cxnSpMkLst>
+        </pc:cxnChg>
+        <pc:cxnChg chg="add mod">
+          <ac:chgData name="Navesh Kumar" userId="3ebf9d26fca90b3a" providerId="LiveId" clId="{4C3D355F-0E91-4912-A721-AAA505D0F553}" dt="2022-04-18T14:33:57.519" v="4401" actId="1076"/>
+          <ac:cxnSpMkLst>
+            <pc:docMk/>
+            <pc:sldMk cId="1732228547" sldId="264"/>
+            <ac:cxnSpMk id="79" creationId="{42A91A3A-B918-45CB-A5CE-51ADA5087176}"/>
+          </ac:cxnSpMkLst>
+        </pc:cxnChg>
+        <pc:cxnChg chg="add mod">
+          <ac:chgData name="Navesh Kumar" userId="3ebf9d26fca90b3a" providerId="LiveId" clId="{4C3D355F-0E91-4912-A721-AAA505D0F553}" dt="2022-04-18T14:33:57.519" v="4401" actId="1076"/>
+          <ac:cxnSpMkLst>
+            <pc:docMk/>
+            <pc:sldMk cId="1732228547" sldId="264"/>
+            <ac:cxnSpMk id="80" creationId="{EA9625A7-22BB-4CB7-9CF9-A4A71EC30E26}"/>
+          </ac:cxnSpMkLst>
+        </pc:cxnChg>
+        <pc:cxnChg chg="add mod">
+          <ac:chgData name="Navesh Kumar" userId="3ebf9d26fca90b3a" providerId="LiveId" clId="{4C3D355F-0E91-4912-A721-AAA505D0F553}" dt="2022-04-18T14:33:57.519" v="4401" actId="1076"/>
+          <ac:cxnSpMkLst>
+            <pc:docMk/>
+            <pc:sldMk cId="1732228547" sldId="264"/>
+            <ac:cxnSpMk id="81" creationId="{B1622CB6-47F7-4636-9760-A0BC0C518CD2}"/>
+          </ac:cxnSpMkLst>
+        </pc:cxnChg>
+        <pc:cxnChg chg="add mod">
+          <ac:chgData name="Navesh Kumar" userId="3ebf9d26fca90b3a" providerId="LiveId" clId="{4C3D355F-0E91-4912-A721-AAA505D0F553}" dt="2022-04-18T14:33:57.519" v="4401" actId="1076"/>
+          <ac:cxnSpMkLst>
+            <pc:docMk/>
+            <pc:sldMk cId="1732228547" sldId="264"/>
+            <ac:cxnSpMk id="82" creationId="{3A709BDF-6534-446C-B1B0-3405544A41E1}"/>
+          </ac:cxnSpMkLst>
+        </pc:cxnChg>
+        <pc:cxnChg chg="add mod">
+          <ac:chgData name="Navesh Kumar" userId="3ebf9d26fca90b3a" providerId="LiveId" clId="{4C3D355F-0E91-4912-A721-AAA505D0F553}" dt="2022-04-18T14:33:57.519" v="4401" actId="1076"/>
+          <ac:cxnSpMkLst>
+            <pc:docMk/>
+            <pc:sldMk cId="1732228547" sldId="264"/>
+            <ac:cxnSpMk id="83" creationId="{2B3E2BB7-3EE3-4B78-8C0D-3159822F606E}"/>
+          </ac:cxnSpMkLst>
+        </pc:cxnChg>
+        <pc:cxnChg chg="add mod">
+          <ac:chgData name="Navesh Kumar" userId="3ebf9d26fca90b3a" providerId="LiveId" clId="{4C3D355F-0E91-4912-A721-AAA505D0F553}" dt="2022-04-18T14:33:57.519" v="4401" actId="1076"/>
+          <ac:cxnSpMkLst>
+            <pc:docMk/>
+            <pc:sldMk cId="1732228547" sldId="264"/>
+            <ac:cxnSpMk id="84" creationId="{EBBE0B6D-ACDC-4A98-98B1-10608B321496}"/>
+          </ac:cxnSpMkLst>
+        </pc:cxnChg>
       </pc:sldChg>
       <pc:sldMasterChg chg="modSp mod delSldLayout modSldLayout">
         <pc:chgData name="Navesh Kumar" userId="3ebf9d26fca90b3a" providerId="LiveId" clId="{4C3D355F-0E91-4912-A721-AAA505D0F553}" dt="2022-04-16T17:31:38.774" v="1818" actId="20577"/>
@@ -4168,7 +4783,14 @@
           <a:pPr algn="ctr"/>
           <a:r>
             <a:rPr lang="en-IN" dirty="0"/>
-            <a:t>CX : Command Line Operated “intermediate” tool</a:t>
+            <a:t>Customer Experience: </a:t>
+          </a:r>
+          <a:br>
+            <a:rPr lang="en-IN" dirty="0"/>
+          </a:br>
+          <a:r>
+            <a:rPr lang="en-IN" dirty="0"/>
+            <a:t>Command Line Operated tool</a:t>
           </a:r>
           <a:endParaRPr lang="en-US" dirty="0"/>
         </a:p>
@@ -4572,7 +5194,7 @@
 <dgm:dataModel xmlns:dgm="http://schemas.openxmlformats.org/drawingml/2006/diagram" xmlns:a="http://schemas.openxmlformats.org/drawingml/2006/main">
   <dgm:ptLst>
     <dgm:pt modelId="{5602EF9A-97D2-479B-9362-9F886357BFF0}" type="doc">
-      <dgm:prSet loTypeId="urn:microsoft.com/office/officeart/2005/8/layout/vList2" loCatId="list" qsTypeId="urn:microsoft.com/office/officeart/2005/8/quickstyle/simple1" qsCatId="simple" csTypeId="urn:microsoft.com/office/officeart/2005/8/colors/colorful2" csCatId="colorful"/>
+      <dgm:prSet loTypeId="urn:microsoft.com/office/officeart/2005/8/layout/vList2" loCatId="list" qsTypeId="urn:microsoft.com/office/officeart/2005/8/quickstyle/simple1" qsCatId="simple" csTypeId="urn:microsoft.com/office/officeart/2005/8/colors/colorful2" csCatId="colorful" phldr="1"/>
       <dgm:spPr/>
       <dgm:t>
         <a:bodyPr/>
@@ -4712,6 +5334,44 @@
         </a:p>
       </dgm:t>
     </dgm:pt>
+    <dgm:pt modelId="{6BE9A775-542B-4B36-9860-E11A6FA730B6}">
+      <dgm:prSet/>
+      <dgm:spPr/>
+      <dgm:t>
+        <a:bodyPr/>
+        <a:lstStyle/>
+        <a:p>
+          <a:pPr algn="ctr"/>
+          <a:r>
+            <a:rPr lang="en-IN" dirty="0"/>
+            <a:t>Client is ready for one-time installing activity as given in stepbystepreadme.txt. Client has a system that can install and run Python 3.10 and above</a:t>
+          </a:r>
+          <a:endParaRPr lang="en-US" dirty="0"/>
+        </a:p>
+      </dgm:t>
+    </dgm:pt>
+    <dgm:pt modelId="{65202D5A-C734-441B-8B8D-AEF4F5687D11}" type="parTrans" cxnId="{5F496C11-0180-403F-9623-57ED2A0E1E26}">
+      <dgm:prSet/>
+      <dgm:spPr/>
+      <dgm:t>
+        <a:bodyPr/>
+        <a:lstStyle/>
+        <a:p>
+          <a:endParaRPr lang="en-IN"/>
+        </a:p>
+      </dgm:t>
+    </dgm:pt>
+    <dgm:pt modelId="{8E62BF5D-F39C-4A23-84E5-B0DA3EA6D4FE}" type="sibTrans" cxnId="{5F496C11-0180-403F-9623-57ED2A0E1E26}">
+      <dgm:prSet/>
+      <dgm:spPr/>
+      <dgm:t>
+        <a:bodyPr/>
+        <a:lstStyle/>
+        <a:p>
+          <a:endParaRPr lang="en-IN"/>
+        </a:p>
+      </dgm:t>
+    </dgm:pt>
     <dgm:pt modelId="{2A5C716F-EFB7-4AE1-A019-7F1BAE2177FA}" type="pres">
       <dgm:prSet presAssocID="{5602EF9A-97D2-479B-9362-9F886357BFF0}" presName="linear" presStyleCnt="0">
         <dgm:presLayoutVars>
@@ -4722,7 +5382,7 @@
       <dgm:spPr/>
     </dgm:pt>
     <dgm:pt modelId="{F96C5F28-353E-4148-A356-DDA9AFAA383E}" type="pres">
-      <dgm:prSet presAssocID="{1C1C8B06-B69E-45E3-8DE7-D52FE75861B0}" presName="parentText" presStyleLbl="node1" presStyleIdx="0" presStyleCnt="3">
+      <dgm:prSet presAssocID="{1C1C8B06-B69E-45E3-8DE7-D52FE75861B0}" presName="parentText" presStyleLbl="node1" presStyleIdx="0" presStyleCnt="4">
         <dgm:presLayoutVars>
           <dgm:chMax val="0"/>
           <dgm:bulletEnabled val="1"/>
@@ -4735,7 +5395,7 @@
       <dgm:spPr/>
     </dgm:pt>
     <dgm:pt modelId="{B3292F03-7E70-41CB-B12E-41C999846F62}" type="pres">
-      <dgm:prSet presAssocID="{E35E606D-43F8-41B7-B9D0-4A6269401EF0}" presName="parentText" presStyleLbl="node1" presStyleIdx="1" presStyleCnt="3">
+      <dgm:prSet presAssocID="{E35E606D-43F8-41B7-B9D0-4A6269401EF0}" presName="parentText" presStyleLbl="node1" presStyleIdx="1" presStyleCnt="4">
         <dgm:presLayoutVars>
           <dgm:chMax val="0"/>
           <dgm:bulletEnabled val="1"/>
@@ -4748,7 +5408,20 @@
       <dgm:spPr/>
     </dgm:pt>
     <dgm:pt modelId="{3CC909D0-D0B0-4A98-B26A-101555C5AC6B}" type="pres">
-      <dgm:prSet presAssocID="{0D0AA629-4F0B-4D41-9B78-1EB6667FD7D5}" presName="parentText" presStyleLbl="node1" presStyleIdx="2" presStyleCnt="3">
+      <dgm:prSet presAssocID="{0D0AA629-4F0B-4D41-9B78-1EB6667FD7D5}" presName="parentText" presStyleLbl="node1" presStyleIdx="2" presStyleCnt="4">
+        <dgm:presLayoutVars>
+          <dgm:chMax val="0"/>
+          <dgm:bulletEnabled val="1"/>
+        </dgm:presLayoutVars>
+      </dgm:prSet>
+      <dgm:spPr/>
+    </dgm:pt>
+    <dgm:pt modelId="{52423BCF-AAE7-4482-AFF4-D357996FC968}" type="pres">
+      <dgm:prSet presAssocID="{D47DE858-1FE8-46B7-B121-3BF5C4FE1C8E}" presName="spacer" presStyleCnt="0"/>
+      <dgm:spPr/>
+    </dgm:pt>
+    <dgm:pt modelId="{90FA768E-FEA6-4568-A359-01CE17D22AE8}" type="pres">
+      <dgm:prSet presAssocID="{6BE9A775-542B-4B36-9860-E11A6FA730B6}" presName="parentText" presStyleLbl="node1" presStyleIdx="3" presStyleCnt="4">
         <dgm:presLayoutVars>
           <dgm:chMax val="0"/>
           <dgm:bulletEnabled val="1"/>
@@ -4759,6 +5432,8 @@
   </dgm:ptLst>
   <dgm:cxnLst>
     <dgm:cxn modelId="{BED63011-23C0-487B-B237-453BB543668C}" type="presOf" srcId="{0D0AA629-4F0B-4D41-9B78-1EB6667FD7D5}" destId="{3CC909D0-D0B0-4A98-B26A-101555C5AC6B}" srcOrd="0" destOrd="0" presId="urn:microsoft.com/office/officeart/2005/8/layout/vList2"/>
+    <dgm:cxn modelId="{5F496C11-0180-403F-9623-57ED2A0E1E26}" srcId="{5602EF9A-97D2-479B-9362-9F886357BFF0}" destId="{6BE9A775-542B-4B36-9860-E11A6FA730B6}" srcOrd="3" destOrd="0" parTransId="{65202D5A-C734-441B-8B8D-AEF4F5687D11}" sibTransId="{8E62BF5D-F39C-4A23-84E5-B0DA3EA6D4FE}"/>
+    <dgm:cxn modelId="{0DAB7B3A-D6DD-4597-93F0-C9A466372A28}" type="presOf" srcId="{6BE9A775-542B-4B36-9860-E11A6FA730B6}" destId="{90FA768E-FEA6-4568-A359-01CE17D22AE8}" srcOrd="0" destOrd="0" presId="urn:microsoft.com/office/officeart/2005/8/layout/vList2"/>
     <dgm:cxn modelId="{8DF91243-4321-4DB8-9797-B7CA4B26D818}" srcId="{5602EF9A-97D2-479B-9362-9F886357BFF0}" destId="{E35E606D-43F8-41B7-B9D0-4A6269401EF0}" srcOrd="1" destOrd="0" parTransId="{ABEBBAE2-8F12-4877-9AC8-4923B2814EFB}" sibTransId="{65437DE4-5EFF-4F6A-A4AC-DED0BDD72986}"/>
     <dgm:cxn modelId="{4A87C95A-6801-40CC-B38C-67762B6F767E}" type="presOf" srcId="{E35E606D-43F8-41B7-B9D0-4A6269401EF0}" destId="{B3292F03-7E70-41CB-B12E-41C999846F62}" srcOrd="0" destOrd="0" presId="urn:microsoft.com/office/officeart/2005/8/layout/vList2"/>
     <dgm:cxn modelId="{FA068AB7-9FAB-45D0-9240-3EA794664159}" srcId="{5602EF9A-97D2-479B-9362-9F886357BFF0}" destId="{0D0AA629-4F0B-4D41-9B78-1EB6667FD7D5}" srcOrd="2" destOrd="0" parTransId="{BE5CCA54-BC9F-46DC-B516-2CAB39412E01}" sibTransId="{D47DE858-1FE8-46B7-B121-3BF5C4FE1C8E}"/>
@@ -4770,6 +5445,8 @@
     <dgm:cxn modelId="{F3DBB13D-079C-45F1-91D8-FFA7B453A3AC}" type="presParOf" srcId="{2A5C716F-EFB7-4AE1-A019-7F1BAE2177FA}" destId="{B3292F03-7E70-41CB-B12E-41C999846F62}" srcOrd="2" destOrd="0" presId="urn:microsoft.com/office/officeart/2005/8/layout/vList2"/>
     <dgm:cxn modelId="{F34BD9FA-009C-48ED-B32B-2CF89993AF7D}" type="presParOf" srcId="{2A5C716F-EFB7-4AE1-A019-7F1BAE2177FA}" destId="{A599805B-5E3C-408D-874A-475E86FC42AB}" srcOrd="3" destOrd="0" presId="urn:microsoft.com/office/officeart/2005/8/layout/vList2"/>
     <dgm:cxn modelId="{81528E8A-97F8-4AC6-A55F-C05BB3CFA3B3}" type="presParOf" srcId="{2A5C716F-EFB7-4AE1-A019-7F1BAE2177FA}" destId="{3CC909D0-D0B0-4A98-B26A-101555C5AC6B}" srcOrd="4" destOrd="0" presId="urn:microsoft.com/office/officeart/2005/8/layout/vList2"/>
+    <dgm:cxn modelId="{84ABA1EC-D14C-4475-9C09-473296F21FD0}" type="presParOf" srcId="{2A5C716F-EFB7-4AE1-A019-7F1BAE2177FA}" destId="{52423BCF-AAE7-4482-AFF4-D357996FC968}" srcOrd="5" destOrd="0" presId="urn:microsoft.com/office/officeart/2005/8/layout/vList2"/>
+    <dgm:cxn modelId="{725CAA81-1E19-4EDA-91B5-256DACFED741}" type="presParOf" srcId="{2A5C716F-EFB7-4AE1-A019-7F1BAE2177FA}" destId="{90FA768E-FEA6-4568-A359-01CE17D22AE8}" srcOrd="6" destOrd="0" presId="urn:microsoft.com/office/officeart/2005/8/layout/vList2"/>
   </dgm:cxnLst>
   <dgm:bg/>
   <dgm:whole/>
@@ -4804,7 +5481,7 @@
         <a:p>
           <a:r>
             <a:rPr lang="en-IN" dirty="0"/>
-            <a:t>Find Rooms</a:t>
+            <a:t>Find Rooms. Mark the room as “visited”</a:t>
           </a:r>
         </a:p>
       </dgm:t>
@@ -4840,8 +5517,17 @@
         <a:p>
           <a:r>
             <a:rPr lang="en-IN" dirty="0"/>
-            <a:t>Find Which Room</a:t>
+            <a:t>Find </a:t>
           </a:r>
+          <a:r>
+            <a:rPr lang="en-IN" b="1" dirty="0"/>
+            <a:t>this </a:t>
+          </a:r>
+          <a:r>
+            <a:rPr lang="en-IN" b="0" dirty="0"/>
+            <a:t>“visited” room’s name</a:t>
+          </a:r>
+          <a:endParaRPr lang="en-IN" b="1" dirty="0"/>
         </a:p>
       </dgm:t>
     </dgm:pt>
@@ -4876,7 +5562,7 @@
         <a:p>
           <a:r>
             <a:rPr lang="en-IN" dirty="0"/>
-            <a:t>Find Chairs in room</a:t>
+            <a:t>Find Chairs in room in this room</a:t>
           </a:r>
         </a:p>
       </dgm:t>
@@ -4903,6 +5589,42 @@
         </a:p>
       </dgm:t>
     </dgm:pt>
+    <dgm:pt modelId="{6EC11D65-8774-4899-AA60-0631C92BF8AE}">
+      <dgm:prSet phldrT="[Text]"/>
+      <dgm:spPr/>
+      <dgm:t>
+        <a:bodyPr/>
+        <a:lstStyle/>
+        <a:p>
+          <a:r>
+            <a:rPr lang="en-IN" dirty="0"/>
+            <a:t>Start Search for “not visited” room or if finished then output</a:t>
+          </a:r>
+        </a:p>
+      </dgm:t>
+    </dgm:pt>
+    <dgm:pt modelId="{223BB4DE-0CC6-4CB5-9107-FCC5E8D66085}" type="parTrans" cxnId="{866ABE8D-B696-43CB-AB15-F0559F488961}">
+      <dgm:prSet/>
+      <dgm:spPr/>
+      <dgm:t>
+        <a:bodyPr/>
+        <a:lstStyle/>
+        <a:p>
+          <a:endParaRPr lang="en-IN"/>
+        </a:p>
+      </dgm:t>
+    </dgm:pt>
+    <dgm:pt modelId="{DDE2BDEB-7BCC-4300-A205-0A812DE5F87D}" type="sibTrans" cxnId="{866ABE8D-B696-43CB-AB15-F0559F488961}">
+      <dgm:prSet/>
+      <dgm:spPr/>
+      <dgm:t>
+        <a:bodyPr/>
+        <a:lstStyle/>
+        <a:p>
+          <a:endParaRPr lang="en-IN"/>
+        </a:p>
+      </dgm:t>
+    </dgm:pt>
     <dgm:pt modelId="{115AA572-EB1D-4BC7-B714-C392B70F639D}" type="pres">
       <dgm:prSet presAssocID="{C080C5F2-28C5-4FAB-9FAF-95563D5FD9E2}" presName="rootnode" presStyleCnt="0">
         <dgm:presLayoutVars>
@@ -4919,11 +5641,11 @@
       <dgm:spPr/>
     </dgm:pt>
     <dgm:pt modelId="{FB7B22EC-3635-4BE0-83D1-1CF47E7103F2}" type="pres">
-      <dgm:prSet presAssocID="{4995598B-4EA7-49BD-A877-7D3D9B7C156B}" presName="bentUpArrow1" presStyleLbl="alignImgPlace1" presStyleIdx="0" presStyleCnt="2"/>
+      <dgm:prSet presAssocID="{4995598B-4EA7-49BD-A877-7D3D9B7C156B}" presName="bentUpArrow1" presStyleLbl="alignImgPlace1" presStyleIdx="0" presStyleCnt="3"/>
       <dgm:spPr/>
     </dgm:pt>
     <dgm:pt modelId="{26482B45-4E51-4B16-B495-25CA77D96B36}" type="pres">
-      <dgm:prSet presAssocID="{4995598B-4EA7-49BD-A877-7D3D9B7C156B}" presName="ParentText" presStyleLbl="node1" presStyleIdx="0" presStyleCnt="3">
+      <dgm:prSet presAssocID="{4995598B-4EA7-49BD-A877-7D3D9B7C156B}" presName="ParentText" presStyleLbl="node1" presStyleIdx="0" presStyleCnt="4">
         <dgm:presLayoutVars>
           <dgm:chMax val="1"/>
           <dgm:chPref val="1"/>
@@ -4933,7 +5655,7 @@
       <dgm:spPr/>
     </dgm:pt>
     <dgm:pt modelId="{6270500A-EBD1-41EC-A61C-FB757945AEDF}" type="pres">
-      <dgm:prSet presAssocID="{4995598B-4EA7-49BD-A877-7D3D9B7C156B}" presName="ChildText" presStyleLbl="revTx" presStyleIdx="0" presStyleCnt="2">
+      <dgm:prSet presAssocID="{4995598B-4EA7-49BD-A877-7D3D9B7C156B}" presName="ChildText" presStyleLbl="revTx" presStyleIdx="0" presStyleCnt="3">
         <dgm:presLayoutVars>
           <dgm:chMax val="0"/>
           <dgm:chPref val="0"/>
@@ -4951,11 +5673,11 @@
       <dgm:spPr/>
     </dgm:pt>
     <dgm:pt modelId="{A731E7C0-47DA-4E55-B99D-A996BC494F84}" type="pres">
-      <dgm:prSet presAssocID="{1255E18A-3142-41C3-B515-5107D50DA9A5}" presName="bentUpArrow1" presStyleLbl="alignImgPlace1" presStyleIdx="1" presStyleCnt="2"/>
+      <dgm:prSet presAssocID="{1255E18A-3142-41C3-B515-5107D50DA9A5}" presName="bentUpArrow1" presStyleLbl="alignImgPlace1" presStyleIdx="1" presStyleCnt="3"/>
       <dgm:spPr/>
     </dgm:pt>
     <dgm:pt modelId="{4FC98C2D-5FCF-40E9-B95A-E075C66C769C}" type="pres">
-      <dgm:prSet presAssocID="{1255E18A-3142-41C3-B515-5107D50DA9A5}" presName="ParentText" presStyleLbl="node1" presStyleIdx="1" presStyleCnt="3">
+      <dgm:prSet presAssocID="{1255E18A-3142-41C3-B515-5107D50DA9A5}" presName="ParentText" presStyleLbl="node1" presStyleIdx="1" presStyleCnt="4">
         <dgm:presLayoutVars>
           <dgm:chMax val="1"/>
           <dgm:chPref val="1"/>
@@ -4965,7 +5687,7 @@
       <dgm:spPr/>
     </dgm:pt>
     <dgm:pt modelId="{A149042B-C0DC-43B3-9B51-C61F64230D6E}" type="pres">
-      <dgm:prSet presAssocID="{1255E18A-3142-41C3-B515-5107D50DA9A5}" presName="ChildText" presStyleLbl="revTx" presStyleIdx="1" presStyleCnt="2">
+      <dgm:prSet presAssocID="{1255E18A-3142-41C3-B515-5107D50DA9A5}" presName="ChildText" presStyleLbl="revTx" presStyleIdx="1" presStyleCnt="3">
         <dgm:presLayoutVars>
           <dgm:chMax val="0"/>
           <dgm:chPref val="0"/>
@@ -4982,8 +5704,40 @@
       <dgm:prSet presAssocID="{9FE794B8-E022-450A-BCFA-A7BA7D603802}" presName="composite" presStyleCnt="0"/>
       <dgm:spPr/>
     </dgm:pt>
+    <dgm:pt modelId="{0F5DC1C8-89AA-43EF-BEFA-4ADC28B51BAE}" type="pres">
+      <dgm:prSet presAssocID="{9FE794B8-E022-450A-BCFA-A7BA7D603802}" presName="bentUpArrow1" presStyleLbl="alignImgPlace1" presStyleIdx="2" presStyleCnt="3"/>
+      <dgm:spPr/>
+    </dgm:pt>
     <dgm:pt modelId="{8729E7CC-8A21-4EF8-91E3-54EB794B5F11}" type="pres">
-      <dgm:prSet presAssocID="{9FE794B8-E022-450A-BCFA-A7BA7D603802}" presName="ParentText" presStyleLbl="node1" presStyleIdx="2" presStyleCnt="3">
+      <dgm:prSet presAssocID="{9FE794B8-E022-450A-BCFA-A7BA7D603802}" presName="ParentText" presStyleLbl="node1" presStyleIdx="2" presStyleCnt="4">
+        <dgm:presLayoutVars>
+          <dgm:chMax val="1"/>
+          <dgm:chPref val="1"/>
+          <dgm:bulletEnabled val="1"/>
+        </dgm:presLayoutVars>
+      </dgm:prSet>
+      <dgm:spPr/>
+    </dgm:pt>
+    <dgm:pt modelId="{1DCFEECA-1BF8-4E51-8F89-C52DE9CEFCAC}" type="pres">
+      <dgm:prSet presAssocID="{9FE794B8-E022-450A-BCFA-A7BA7D603802}" presName="ChildText" presStyleLbl="revTx" presStyleIdx="2" presStyleCnt="3">
+        <dgm:presLayoutVars>
+          <dgm:chMax val="0"/>
+          <dgm:chPref val="0"/>
+          <dgm:bulletEnabled val="1"/>
+        </dgm:presLayoutVars>
+      </dgm:prSet>
+      <dgm:spPr/>
+    </dgm:pt>
+    <dgm:pt modelId="{ACBE9FAB-7AE4-4F35-87F3-47B202209C04}" type="pres">
+      <dgm:prSet presAssocID="{14639777-CA65-4F06-8DF8-C0F85D3010BD}" presName="sibTrans" presStyleCnt="0"/>
+      <dgm:spPr/>
+    </dgm:pt>
+    <dgm:pt modelId="{F774B4D3-E802-4214-BB69-B9CDC12F6F99}" type="pres">
+      <dgm:prSet presAssocID="{6EC11D65-8774-4899-AA60-0631C92BF8AE}" presName="composite" presStyleCnt="0"/>
+      <dgm:spPr/>
+    </dgm:pt>
+    <dgm:pt modelId="{9A4C068C-1AB6-4961-9FE4-49438D7567D6}" type="pres">
+      <dgm:prSet presAssocID="{6EC11D65-8774-4899-AA60-0631C92BF8AE}" presName="ParentText" presStyleLbl="node1" presStyleIdx="3" presStyleCnt="4">
         <dgm:presLayoutVars>
           <dgm:chMax val="1"/>
           <dgm:chPref val="1"/>
@@ -4998,6 +5752,8 @@
     <dgm:cxn modelId="{F5595B5E-ADDA-4F88-B65B-674028E66655}" srcId="{C080C5F2-28C5-4FAB-9FAF-95563D5FD9E2}" destId="{4995598B-4EA7-49BD-A877-7D3D9B7C156B}" srcOrd="0" destOrd="0" parTransId="{D0C929A0-3DF9-4A42-9CD7-EE471C9CEC52}" sibTransId="{A45B9E2B-BC3D-4917-A336-B2960F898B86}"/>
     <dgm:cxn modelId="{0BC5D780-29A2-4CBD-AE35-2896F93F46E1}" type="presOf" srcId="{C080C5F2-28C5-4FAB-9FAF-95563D5FD9E2}" destId="{115AA572-EB1D-4BC7-B714-C392B70F639D}" srcOrd="0" destOrd="0" presId="urn:microsoft.com/office/officeart/2005/8/layout/StepDownProcess"/>
     <dgm:cxn modelId="{AE255986-2FB6-4719-8287-4B4FA52C1D24}" type="presOf" srcId="{4995598B-4EA7-49BD-A877-7D3D9B7C156B}" destId="{26482B45-4E51-4B16-B495-25CA77D96B36}" srcOrd="0" destOrd="0" presId="urn:microsoft.com/office/officeart/2005/8/layout/StepDownProcess"/>
+    <dgm:cxn modelId="{866ABE8D-B696-43CB-AB15-F0559F488961}" srcId="{C080C5F2-28C5-4FAB-9FAF-95563D5FD9E2}" destId="{6EC11D65-8774-4899-AA60-0631C92BF8AE}" srcOrd="3" destOrd="0" parTransId="{223BB4DE-0CC6-4CB5-9107-FCC5E8D66085}" sibTransId="{DDE2BDEB-7BCC-4300-A205-0A812DE5F87D}"/>
+    <dgm:cxn modelId="{32E4E1C3-DA50-46B4-8DE2-8B3247506054}" type="presOf" srcId="{6EC11D65-8774-4899-AA60-0631C92BF8AE}" destId="{9A4C068C-1AB6-4961-9FE4-49438D7567D6}" srcOrd="0" destOrd="0" presId="urn:microsoft.com/office/officeart/2005/8/layout/StepDownProcess"/>
     <dgm:cxn modelId="{38122AD2-D272-45B7-A03C-BA327BE7EF04}" srcId="{C080C5F2-28C5-4FAB-9FAF-95563D5FD9E2}" destId="{1255E18A-3142-41C3-B515-5107D50DA9A5}" srcOrd="1" destOrd="0" parTransId="{B1A30BDE-98EF-4721-B753-14B8E4FD3DED}" sibTransId="{35A2ABC0-0126-4112-B65D-F8CCB27CB11C}"/>
     <dgm:cxn modelId="{161E27F5-F7E4-4CA2-816C-13C4CB0AE9C4}" type="presOf" srcId="{1255E18A-3142-41C3-B515-5107D50DA9A5}" destId="{4FC98C2D-5FCF-40E9-B95A-E075C66C769C}" srcOrd="0" destOrd="0" presId="urn:microsoft.com/office/officeart/2005/8/layout/StepDownProcess"/>
     <dgm:cxn modelId="{D36F1BFE-5E97-400A-AE7B-91BE8A34E2C1}" srcId="{C080C5F2-28C5-4FAB-9FAF-95563D5FD9E2}" destId="{9FE794B8-E022-450A-BCFA-A7BA7D603802}" srcOrd="2" destOrd="0" parTransId="{84DFF8F8-EED6-49B7-9FDF-4015E0BCED5F}" sibTransId="{14639777-CA65-4F06-8DF8-C0F85D3010BD}"/>
@@ -5012,7 +5768,12 @@
     <dgm:cxn modelId="{742724B9-51D5-49D3-9074-16364354991F}" type="presParOf" srcId="{DF717A4E-532E-4D36-8BD7-AECD21E6E069}" destId="{A149042B-C0DC-43B3-9B51-C61F64230D6E}" srcOrd="2" destOrd="0" presId="urn:microsoft.com/office/officeart/2005/8/layout/StepDownProcess"/>
     <dgm:cxn modelId="{100F31F8-B382-4F1E-BC34-EC498D2ABBAE}" type="presParOf" srcId="{115AA572-EB1D-4BC7-B714-C392B70F639D}" destId="{2337B40F-46CE-4622-ACEB-9934C062015B}" srcOrd="3" destOrd="0" presId="urn:microsoft.com/office/officeart/2005/8/layout/StepDownProcess"/>
     <dgm:cxn modelId="{4A58B4B6-3745-4267-AFBE-C53EC5E392A2}" type="presParOf" srcId="{115AA572-EB1D-4BC7-B714-C392B70F639D}" destId="{F5A607E4-1E92-459B-9278-C439C1228F75}" srcOrd="4" destOrd="0" presId="urn:microsoft.com/office/officeart/2005/8/layout/StepDownProcess"/>
-    <dgm:cxn modelId="{1797C41D-8BD1-4A7E-9B51-ADF9710FC94A}" type="presParOf" srcId="{F5A607E4-1E92-459B-9278-C439C1228F75}" destId="{8729E7CC-8A21-4EF8-91E3-54EB794B5F11}" srcOrd="0" destOrd="0" presId="urn:microsoft.com/office/officeart/2005/8/layout/StepDownProcess"/>
+    <dgm:cxn modelId="{CE7ACEB5-ADAD-46F5-B7B2-DF19F3BF0A3E}" type="presParOf" srcId="{F5A607E4-1E92-459B-9278-C439C1228F75}" destId="{0F5DC1C8-89AA-43EF-BEFA-4ADC28B51BAE}" srcOrd="0" destOrd="0" presId="urn:microsoft.com/office/officeart/2005/8/layout/StepDownProcess"/>
+    <dgm:cxn modelId="{1797C41D-8BD1-4A7E-9B51-ADF9710FC94A}" type="presParOf" srcId="{F5A607E4-1E92-459B-9278-C439C1228F75}" destId="{8729E7CC-8A21-4EF8-91E3-54EB794B5F11}" srcOrd="1" destOrd="0" presId="urn:microsoft.com/office/officeart/2005/8/layout/StepDownProcess"/>
+    <dgm:cxn modelId="{4A5DEB30-A289-4BA1-BCBF-A196E134078E}" type="presParOf" srcId="{F5A607E4-1E92-459B-9278-C439C1228F75}" destId="{1DCFEECA-1BF8-4E51-8F89-C52DE9CEFCAC}" srcOrd="2" destOrd="0" presId="urn:microsoft.com/office/officeart/2005/8/layout/StepDownProcess"/>
+    <dgm:cxn modelId="{D2F3A555-FB0A-400B-8D9C-A51756E77C63}" type="presParOf" srcId="{115AA572-EB1D-4BC7-B714-C392B70F639D}" destId="{ACBE9FAB-7AE4-4F35-87F3-47B202209C04}" srcOrd="5" destOrd="0" presId="urn:microsoft.com/office/officeart/2005/8/layout/StepDownProcess"/>
+    <dgm:cxn modelId="{D33474E7-A39A-4AB1-B784-26E545021AD8}" type="presParOf" srcId="{115AA572-EB1D-4BC7-B714-C392B70F639D}" destId="{F774B4D3-E802-4214-BB69-B9CDC12F6F99}" srcOrd="6" destOrd="0" presId="urn:microsoft.com/office/officeart/2005/8/layout/StepDownProcess"/>
+    <dgm:cxn modelId="{49D346D3-A67C-44E1-AD63-E80B16A27D32}" type="presParOf" srcId="{F774B4D3-E802-4214-BB69-B9CDC12F6F99}" destId="{9A4C068C-1AB6-4961-9FE4-49438D7567D6}" srcOrd="0" destOrd="0" presId="urn:microsoft.com/office/officeart/2005/8/layout/StepDownProcess"/>
   </dgm:cxnLst>
   <dgm:bg/>
   <dgm:whole/>
@@ -5357,7 +6118,14 @@
           </a:pPr>
           <a:r>
             <a:rPr lang="en-IN" sz="2300" kern="1200" dirty="0"/>
-            <a:t>CX : Command Line Operated “intermediate” tool</a:t>
+            <a:t>Customer Experience: </a:t>
+          </a:r>
+          <a:br>
+            <a:rPr lang="en-IN" sz="2300" kern="1200" dirty="0"/>
+          </a:br>
+          <a:r>
+            <a:rPr lang="en-IN" sz="2300" kern="1200" dirty="0"/>
+            <a:t>Command Line Operated tool</a:t>
           </a:r>
           <a:endParaRPr lang="en-US" sz="2300" kern="1200" dirty="0"/>
         </a:p>
@@ -5443,7 +6211,7 @@
       </dsp:nvSpPr>
       <dsp:spPr>
         <a:xfrm>
-          <a:off x="3606" y="2289465"/>
+          <a:off x="3606" y="318676"/>
           <a:ext cx="2099340" cy="839736"/>
         </a:xfrm>
         <a:prstGeom prst="chevron">
@@ -5509,7 +6277,7 @@
         </a:p>
       </dsp:txBody>
       <dsp:txXfrm>
-        <a:off x="423474" y="2289465"/>
+        <a:off x="423474" y="318676"/>
         <a:ext cx="1259604" cy="839736"/>
       </dsp:txXfrm>
     </dsp:sp>
@@ -5520,7 +6288,7 @@
       </dsp:nvSpPr>
       <dsp:spPr>
         <a:xfrm>
-          <a:off x="1893012" y="2289465"/>
+          <a:off x="1893012" y="318676"/>
           <a:ext cx="2099340" cy="839736"/>
         </a:xfrm>
         <a:prstGeom prst="chevron">
@@ -5586,7 +6354,7 @@
         </a:p>
       </dsp:txBody>
       <dsp:txXfrm>
-        <a:off x="2312880" y="2289465"/>
+        <a:off x="2312880" y="318676"/>
         <a:ext cx="1259604" cy="839736"/>
       </dsp:txXfrm>
     </dsp:sp>
@@ -5597,7 +6365,7 @@
       </dsp:nvSpPr>
       <dsp:spPr>
         <a:xfrm>
-          <a:off x="3782418" y="2289465"/>
+          <a:off x="3782418" y="318676"/>
           <a:ext cx="2099340" cy="839736"/>
         </a:xfrm>
         <a:prstGeom prst="chevron">
@@ -5663,7 +6431,7 @@
         </a:p>
       </dsp:txBody>
       <dsp:txXfrm>
-        <a:off x="4202286" y="2289465"/>
+        <a:off x="4202286" y="318676"/>
         <a:ext cx="1259604" cy="839736"/>
       </dsp:txXfrm>
     </dsp:sp>
@@ -5674,7 +6442,7 @@
       </dsp:nvSpPr>
       <dsp:spPr>
         <a:xfrm>
-          <a:off x="5671825" y="2289465"/>
+          <a:off x="5671825" y="318676"/>
           <a:ext cx="2099340" cy="839736"/>
         </a:xfrm>
         <a:prstGeom prst="chevron">
@@ -5740,7 +6508,7 @@
         </a:p>
       </dsp:txBody>
       <dsp:txXfrm>
-        <a:off x="6091693" y="2289465"/>
+        <a:off x="6091693" y="318676"/>
         <a:ext cx="1259604" cy="839736"/>
       </dsp:txXfrm>
     </dsp:sp>
@@ -5763,330 +6531,14 @@
       </dsp:nvSpPr>
       <dsp:spPr>
         <a:xfrm>
-          <a:off x="0" y="47645"/>
-          <a:ext cx="6797675" cy="1790100"/>
+          <a:off x="0" y="39827"/>
+          <a:ext cx="6797675" cy="1340724"/>
         </a:xfrm>
         <a:prstGeom prst="roundRect">
           <a:avLst/>
         </a:prstGeom>
         <a:solidFill>
           <a:schemeClr val="accent2">
-            <a:hueOff val="0"/>
-            <a:satOff val="0"/>
-            <a:lumOff val="0"/>
-            <a:alphaOff val="0"/>
-          </a:schemeClr>
-        </a:solidFill>
-        <a:ln w="15875" cap="flat" cmpd="sng" algn="ctr">
-          <a:solidFill>
-            <a:schemeClr val="lt1">
-              <a:hueOff val="0"/>
-              <a:satOff val="0"/>
-              <a:lumOff val="0"/>
-              <a:alphaOff val="0"/>
-            </a:schemeClr>
-          </a:solidFill>
-          <a:prstDash val="solid"/>
-        </a:ln>
-        <a:effectLst/>
-      </dsp:spPr>
-      <dsp:style>
-        <a:lnRef idx="2">
-          <a:scrgbClr r="0" g="0" b="0"/>
-        </a:lnRef>
-        <a:fillRef idx="1">
-          <a:scrgbClr r="0" g="0" b="0"/>
-        </a:fillRef>
-        <a:effectRef idx="0">
-          <a:scrgbClr r="0" g="0" b="0"/>
-        </a:effectRef>
-        <a:fontRef idx="minor">
-          <a:schemeClr val="lt1"/>
-        </a:fontRef>
-      </dsp:style>
-      <dsp:txBody>
-        <a:bodyPr spcFirstLastPara="0" vert="horz" wrap="square" lIns="121920" tIns="121920" rIns="121920" bIns="121920" numCol="1" spcCol="1270" anchor="ctr" anchorCtr="0">
-          <a:noAutofit/>
-        </a:bodyPr>
-        <a:lstStyle/>
-        <a:p>
-          <a:pPr marL="0" lvl="0" indent="0" algn="ctr" defTabSz="1422400">
-            <a:lnSpc>
-              <a:spcPct val="90000"/>
-            </a:lnSpc>
-            <a:spcBef>
-              <a:spcPct val="0"/>
-            </a:spcBef>
-            <a:spcAft>
-              <a:spcPct val="35000"/>
-            </a:spcAft>
-            <a:buNone/>
-          </a:pPr>
-          <a:r>
-            <a:rPr lang="en-IN" sz="3200" kern="1200" dirty="0"/>
-            <a:t>The input file will always be called “floorplan01.txt”</a:t>
-          </a:r>
-          <a:endParaRPr lang="en-US" sz="3200" kern="1200" dirty="0"/>
-        </a:p>
-      </dsp:txBody>
-      <dsp:txXfrm>
-        <a:off x="87385" y="135030"/>
-        <a:ext cx="6622905" cy="1615330"/>
-      </dsp:txXfrm>
-    </dsp:sp>
-    <dsp:sp modelId="{B3292F03-7E70-41CB-B12E-41C999846F62}">
-      <dsp:nvSpPr>
-        <dsp:cNvPr id="0" name=""/>
-        <dsp:cNvSpPr/>
-      </dsp:nvSpPr>
-      <dsp:spPr>
-        <a:xfrm>
-          <a:off x="0" y="1929906"/>
-          <a:ext cx="6797675" cy="1790100"/>
-        </a:xfrm>
-        <a:prstGeom prst="roundRect">
-          <a:avLst/>
-        </a:prstGeom>
-        <a:solidFill>
-          <a:schemeClr val="accent2">
-            <a:hueOff val="19519"/>
-            <a:satOff val="-13438"/>
-            <a:lumOff val="-3431"/>
-            <a:alphaOff val="0"/>
-          </a:schemeClr>
-        </a:solidFill>
-        <a:ln w="15875" cap="flat" cmpd="sng" algn="ctr">
-          <a:solidFill>
-            <a:schemeClr val="lt1">
-              <a:hueOff val="0"/>
-              <a:satOff val="0"/>
-              <a:lumOff val="0"/>
-              <a:alphaOff val="0"/>
-            </a:schemeClr>
-          </a:solidFill>
-          <a:prstDash val="solid"/>
-        </a:ln>
-        <a:effectLst/>
-      </dsp:spPr>
-      <dsp:style>
-        <a:lnRef idx="2">
-          <a:scrgbClr r="0" g="0" b="0"/>
-        </a:lnRef>
-        <a:fillRef idx="1">
-          <a:scrgbClr r="0" g="0" b="0"/>
-        </a:fillRef>
-        <a:effectRef idx="0">
-          <a:scrgbClr r="0" g="0" b="0"/>
-        </a:effectRef>
-        <a:fontRef idx="minor">
-          <a:schemeClr val="lt1"/>
-        </a:fontRef>
-      </dsp:style>
-      <dsp:txBody>
-        <a:bodyPr spcFirstLastPara="0" vert="horz" wrap="square" lIns="121920" tIns="121920" rIns="121920" bIns="121920" numCol="1" spcCol="1270" anchor="ctr" anchorCtr="0">
-          <a:noAutofit/>
-        </a:bodyPr>
-        <a:lstStyle/>
-        <a:p>
-          <a:pPr marL="0" lvl="0" indent="0" algn="ctr" defTabSz="1422400">
-            <a:lnSpc>
-              <a:spcPct val="90000"/>
-            </a:lnSpc>
-            <a:spcBef>
-              <a:spcPct val="0"/>
-            </a:spcBef>
-            <a:spcAft>
-              <a:spcPct val="35000"/>
-            </a:spcAft>
-            <a:buNone/>
-          </a:pPr>
-          <a:r>
-            <a:rPr lang="en-IN" sz="3200" kern="1200" dirty="0"/>
-            <a:t>The separators that define the “rooms” in the “floor plan” will always be  ‘+’ or ‘-’ or ‘|’ or ‘/’ or ‘\’</a:t>
-          </a:r>
-          <a:endParaRPr lang="en-US" sz="3200" kern="1200" dirty="0"/>
-        </a:p>
-      </dsp:txBody>
-      <dsp:txXfrm>
-        <a:off x="87385" y="2017291"/>
-        <a:ext cx="6622905" cy="1615330"/>
-      </dsp:txXfrm>
-    </dsp:sp>
-    <dsp:sp modelId="{3CC909D0-D0B0-4A98-B26A-101555C5AC6B}">
-      <dsp:nvSpPr>
-        <dsp:cNvPr id="0" name=""/>
-        <dsp:cNvSpPr/>
-      </dsp:nvSpPr>
-      <dsp:spPr>
-        <a:xfrm>
-          <a:off x="0" y="3812166"/>
-          <a:ext cx="6797675" cy="1790100"/>
-        </a:xfrm>
-        <a:prstGeom prst="roundRect">
-          <a:avLst/>
-        </a:prstGeom>
-        <a:solidFill>
-          <a:schemeClr val="accent2">
-            <a:hueOff val="39038"/>
-            <a:satOff val="-26876"/>
-            <a:lumOff val="-6863"/>
-            <a:alphaOff val="0"/>
-          </a:schemeClr>
-        </a:solidFill>
-        <a:ln w="15875" cap="flat" cmpd="sng" algn="ctr">
-          <a:solidFill>
-            <a:schemeClr val="lt1">
-              <a:hueOff val="0"/>
-              <a:satOff val="0"/>
-              <a:lumOff val="0"/>
-              <a:alphaOff val="0"/>
-            </a:schemeClr>
-          </a:solidFill>
-          <a:prstDash val="solid"/>
-        </a:ln>
-        <a:effectLst/>
-      </dsp:spPr>
-      <dsp:style>
-        <a:lnRef idx="2">
-          <a:scrgbClr r="0" g="0" b="0"/>
-        </a:lnRef>
-        <a:fillRef idx="1">
-          <a:scrgbClr r="0" g="0" b="0"/>
-        </a:fillRef>
-        <a:effectRef idx="0">
-          <a:scrgbClr r="0" g="0" b="0"/>
-        </a:effectRef>
-        <a:fontRef idx="minor">
-          <a:schemeClr val="lt1"/>
-        </a:fontRef>
-      </dsp:style>
-      <dsp:txBody>
-        <a:bodyPr spcFirstLastPara="0" vert="horz" wrap="square" lIns="121920" tIns="121920" rIns="121920" bIns="121920" numCol="1" spcCol="1270" anchor="ctr" anchorCtr="0">
-          <a:noAutofit/>
-        </a:bodyPr>
-        <a:lstStyle/>
-        <a:p>
-          <a:pPr marL="0" lvl="0" indent="0" algn="ctr" defTabSz="1422400">
-            <a:lnSpc>
-              <a:spcPct val="90000"/>
-            </a:lnSpc>
-            <a:spcBef>
-              <a:spcPct val="0"/>
-            </a:spcBef>
-            <a:spcAft>
-              <a:spcPct val="35000"/>
-            </a:spcAft>
-            <a:buNone/>
-          </a:pPr>
-          <a:r>
-            <a:rPr lang="en-IN" sz="3200" kern="1200" dirty="0"/>
-            <a:t>This </a:t>
-          </a:r>
-          <a:r>
-            <a:rPr lang="en-IN" sz="3200" b="1" kern="1200" dirty="0"/>
-            <a:t>product</a:t>
-          </a:r>
-          <a:r>
-            <a:rPr lang="en-IN" sz="3200" kern="1200" dirty="0"/>
-            <a:t> in the current stage will </a:t>
-          </a:r>
-          <a:r>
-            <a:rPr lang="en-IN" sz="3200" b="1" i="1" u="sng" kern="1200" dirty="0"/>
-            <a:t>not</a:t>
-          </a:r>
-          <a:r>
-            <a:rPr lang="en-IN" sz="3200" kern="1200" dirty="0"/>
-            <a:t> be delivered continuously</a:t>
-          </a:r>
-          <a:endParaRPr lang="en-US" sz="3200" kern="1200" dirty="0"/>
-        </a:p>
-      </dsp:txBody>
-      <dsp:txXfrm>
-        <a:off x="87385" y="3899551"/>
-        <a:ext cx="6622905" cy="1615330"/>
-      </dsp:txXfrm>
-    </dsp:sp>
-  </dsp:spTree>
-</dsp:drawing>
-</file>
-
-<file path=ppt/diagrams/drawing4.xml><?xml version="1.0" encoding="utf-8"?>
-<dsp:drawing xmlns:dgm="http://schemas.openxmlformats.org/drawingml/2006/diagram" xmlns:dsp="http://schemas.microsoft.com/office/drawing/2008/diagram" xmlns:a="http://schemas.openxmlformats.org/drawingml/2006/main">
-  <dsp:spTree>
-    <dsp:nvGrpSpPr>
-      <dsp:cNvPr id="0" name=""/>
-      <dsp:cNvGrpSpPr/>
-    </dsp:nvGrpSpPr>
-    <dsp:grpSpPr/>
-    <dsp:sp modelId="{FB7B22EC-3635-4BE0-83D1-1CF47E7103F2}">
-      <dsp:nvSpPr>
-        <dsp:cNvPr id="0" name=""/>
-        <dsp:cNvSpPr/>
-      </dsp:nvSpPr>
-      <dsp:spPr>
-        <a:xfrm rot="5400000">
-          <a:off x="2042961" y="1158519"/>
-          <a:ext cx="1024611" cy="1166483"/>
-        </a:xfrm>
-        <a:prstGeom prst="bentUpArrow">
-          <a:avLst>
-            <a:gd name="adj1" fmla="val 32840"/>
-            <a:gd name="adj2" fmla="val 25000"/>
-            <a:gd name="adj3" fmla="val 35780"/>
-          </a:avLst>
-        </a:prstGeom>
-        <a:solidFill>
-          <a:schemeClr val="accent1">
-            <a:tint val="50000"/>
-            <a:hueOff val="0"/>
-            <a:satOff val="0"/>
-            <a:lumOff val="0"/>
-            <a:alphaOff val="0"/>
-          </a:schemeClr>
-        </a:solidFill>
-        <a:ln w="15875" cap="flat" cmpd="sng" algn="ctr">
-          <a:solidFill>
-            <a:schemeClr val="lt1">
-              <a:hueOff val="0"/>
-              <a:satOff val="0"/>
-              <a:lumOff val="0"/>
-              <a:alphaOff val="0"/>
-            </a:schemeClr>
-          </a:solidFill>
-          <a:prstDash val="solid"/>
-        </a:ln>
-        <a:effectLst/>
-      </dsp:spPr>
-      <dsp:style>
-        <a:lnRef idx="2">
-          <a:scrgbClr r="0" g="0" b="0"/>
-        </a:lnRef>
-        <a:fillRef idx="1">
-          <a:scrgbClr r="0" g="0" b="0"/>
-        </a:fillRef>
-        <a:effectRef idx="0">
-          <a:scrgbClr r="0" g="0" b="0"/>
-        </a:effectRef>
-        <a:fontRef idx="minor"/>
-      </dsp:style>
-    </dsp:sp>
-    <dsp:sp modelId="{26482B45-4E51-4B16-B495-25CA77D96B36}">
-      <dsp:nvSpPr>
-        <dsp:cNvPr id="0" name=""/>
-        <dsp:cNvSpPr/>
-      </dsp:nvSpPr>
-      <dsp:spPr>
-        <a:xfrm>
-          <a:off x="1771501" y="22718"/>
-          <a:ext cx="1724841" cy="1207333"/>
-        </a:xfrm>
-        <a:prstGeom prst="roundRect">
-          <a:avLst>
-            <a:gd name="adj" fmla="val 16670"/>
-          </a:avLst>
-        </a:prstGeom>
-        <a:solidFill>
-          <a:schemeClr val="accent1">
             <a:hueOff val="0"/>
             <a:satOff val="0"/>
             <a:lumOff val="0"/>
@@ -6140,13 +6592,407 @@
           </a:pPr>
           <a:r>
             <a:rPr lang="en-IN" sz="2400" kern="1200" dirty="0"/>
-            <a:t>Find Rooms</a:t>
+            <a:t>The input file will always be called “floorplan01.txt”</a:t>
+          </a:r>
+          <a:endParaRPr lang="en-US" sz="2400" kern="1200" dirty="0"/>
+        </a:p>
+      </dsp:txBody>
+      <dsp:txXfrm>
+        <a:off x="65449" y="105276"/>
+        <a:ext cx="6666777" cy="1209826"/>
+      </dsp:txXfrm>
+    </dsp:sp>
+    <dsp:sp modelId="{B3292F03-7E70-41CB-B12E-41C999846F62}">
+      <dsp:nvSpPr>
+        <dsp:cNvPr id="0" name=""/>
+        <dsp:cNvSpPr/>
+      </dsp:nvSpPr>
+      <dsp:spPr>
+        <a:xfrm>
+          <a:off x="0" y="1449671"/>
+          <a:ext cx="6797675" cy="1340724"/>
+        </a:xfrm>
+        <a:prstGeom prst="roundRect">
+          <a:avLst/>
+        </a:prstGeom>
+        <a:solidFill>
+          <a:schemeClr val="accent2">
+            <a:hueOff val="13013"/>
+            <a:satOff val="-8959"/>
+            <a:lumOff val="-2288"/>
+            <a:alphaOff val="0"/>
+          </a:schemeClr>
+        </a:solidFill>
+        <a:ln w="15875" cap="flat" cmpd="sng" algn="ctr">
+          <a:solidFill>
+            <a:schemeClr val="lt1">
+              <a:hueOff val="0"/>
+              <a:satOff val="0"/>
+              <a:lumOff val="0"/>
+              <a:alphaOff val="0"/>
+            </a:schemeClr>
+          </a:solidFill>
+          <a:prstDash val="solid"/>
+        </a:ln>
+        <a:effectLst/>
+      </dsp:spPr>
+      <dsp:style>
+        <a:lnRef idx="2">
+          <a:scrgbClr r="0" g="0" b="0"/>
+        </a:lnRef>
+        <a:fillRef idx="1">
+          <a:scrgbClr r="0" g="0" b="0"/>
+        </a:fillRef>
+        <a:effectRef idx="0">
+          <a:scrgbClr r="0" g="0" b="0"/>
+        </a:effectRef>
+        <a:fontRef idx="minor">
+          <a:schemeClr val="lt1"/>
+        </a:fontRef>
+      </dsp:style>
+      <dsp:txBody>
+        <a:bodyPr spcFirstLastPara="0" vert="horz" wrap="square" lIns="91440" tIns="91440" rIns="91440" bIns="91440" numCol="1" spcCol="1270" anchor="ctr" anchorCtr="0">
+          <a:noAutofit/>
+        </a:bodyPr>
+        <a:lstStyle/>
+        <a:p>
+          <a:pPr marL="0" lvl="0" indent="0" algn="ctr" defTabSz="1066800">
+            <a:lnSpc>
+              <a:spcPct val="90000"/>
+            </a:lnSpc>
+            <a:spcBef>
+              <a:spcPct val="0"/>
+            </a:spcBef>
+            <a:spcAft>
+              <a:spcPct val="35000"/>
+            </a:spcAft>
+            <a:buNone/>
+          </a:pPr>
+          <a:r>
+            <a:rPr lang="en-IN" sz="2400" kern="1200" dirty="0"/>
+            <a:t>The separators that define the “rooms” in the “floor plan” will always be  ‘+’ or ‘-’ or ‘|’ or ‘/’ or ‘\’</a:t>
+          </a:r>
+          <a:endParaRPr lang="en-US" sz="2400" kern="1200" dirty="0"/>
+        </a:p>
+      </dsp:txBody>
+      <dsp:txXfrm>
+        <a:off x="65449" y="1515120"/>
+        <a:ext cx="6666777" cy="1209826"/>
+      </dsp:txXfrm>
+    </dsp:sp>
+    <dsp:sp modelId="{3CC909D0-D0B0-4A98-B26A-101555C5AC6B}">
+      <dsp:nvSpPr>
+        <dsp:cNvPr id="0" name=""/>
+        <dsp:cNvSpPr/>
+      </dsp:nvSpPr>
+      <dsp:spPr>
+        <a:xfrm>
+          <a:off x="0" y="2859516"/>
+          <a:ext cx="6797675" cy="1340724"/>
+        </a:xfrm>
+        <a:prstGeom prst="roundRect">
+          <a:avLst/>
+        </a:prstGeom>
+        <a:solidFill>
+          <a:schemeClr val="accent2">
+            <a:hueOff val="26025"/>
+            <a:satOff val="-17917"/>
+            <a:lumOff val="-4575"/>
+            <a:alphaOff val="0"/>
+          </a:schemeClr>
+        </a:solidFill>
+        <a:ln w="15875" cap="flat" cmpd="sng" algn="ctr">
+          <a:solidFill>
+            <a:schemeClr val="lt1">
+              <a:hueOff val="0"/>
+              <a:satOff val="0"/>
+              <a:lumOff val="0"/>
+              <a:alphaOff val="0"/>
+            </a:schemeClr>
+          </a:solidFill>
+          <a:prstDash val="solid"/>
+        </a:ln>
+        <a:effectLst/>
+      </dsp:spPr>
+      <dsp:style>
+        <a:lnRef idx="2">
+          <a:scrgbClr r="0" g="0" b="0"/>
+        </a:lnRef>
+        <a:fillRef idx="1">
+          <a:scrgbClr r="0" g="0" b="0"/>
+        </a:fillRef>
+        <a:effectRef idx="0">
+          <a:scrgbClr r="0" g="0" b="0"/>
+        </a:effectRef>
+        <a:fontRef idx="minor">
+          <a:schemeClr val="lt1"/>
+        </a:fontRef>
+      </dsp:style>
+      <dsp:txBody>
+        <a:bodyPr spcFirstLastPara="0" vert="horz" wrap="square" lIns="91440" tIns="91440" rIns="91440" bIns="91440" numCol="1" spcCol="1270" anchor="ctr" anchorCtr="0">
+          <a:noAutofit/>
+        </a:bodyPr>
+        <a:lstStyle/>
+        <a:p>
+          <a:pPr marL="0" lvl="0" indent="0" algn="ctr" defTabSz="1066800">
+            <a:lnSpc>
+              <a:spcPct val="90000"/>
+            </a:lnSpc>
+            <a:spcBef>
+              <a:spcPct val="0"/>
+            </a:spcBef>
+            <a:spcAft>
+              <a:spcPct val="35000"/>
+            </a:spcAft>
+            <a:buNone/>
+          </a:pPr>
+          <a:r>
+            <a:rPr lang="en-IN" sz="2400" kern="1200" dirty="0"/>
+            <a:t>This </a:t>
+          </a:r>
+          <a:r>
+            <a:rPr lang="en-IN" sz="2400" b="1" kern="1200" dirty="0"/>
+            <a:t>product</a:t>
+          </a:r>
+          <a:r>
+            <a:rPr lang="en-IN" sz="2400" kern="1200" dirty="0"/>
+            <a:t> in the current stage will </a:t>
+          </a:r>
+          <a:r>
+            <a:rPr lang="en-IN" sz="2400" b="1" i="1" u="sng" kern="1200" dirty="0"/>
+            <a:t>not</a:t>
+          </a:r>
+          <a:r>
+            <a:rPr lang="en-IN" sz="2400" kern="1200" dirty="0"/>
+            <a:t> be delivered continuously</a:t>
+          </a:r>
+          <a:endParaRPr lang="en-US" sz="2400" kern="1200" dirty="0"/>
+        </a:p>
+      </dsp:txBody>
+      <dsp:txXfrm>
+        <a:off x="65449" y="2924965"/>
+        <a:ext cx="6666777" cy="1209826"/>
+      </dsp:txXfrm>
+    </dsp:sp>
+    <dsp:sp modelId="{90FA768E-FEA6-4568-A359-01CE17D22AE8}">
+      <dsp:nvSpPr>
+        <dsp:cNvPr id="0" name=""/>
+        <dsp:cNvSpPr/>
+      </dsp:nvSpPr>
+      <dsp:spPr>
+        <a:xfrm>
+          <a:off x="0" y="4269360"/>
+          <a:ext cx="6797675" cy="1340724"/>
+        </a:xfrm>
+        <a:prstGeom prst="roundRect">
+          <a:avLst/>
+        </a:prstGeom>
+        <a:solidFill>
+          <a:schemeClr val="accent2">
+            <a:hueOff val="39038"/>
+            <a:satOff val="-26876"/>
+            <a:lumOff val="-6863"/>
+            <a:alphaOff val="0"/>
+          </a:schemeClr>
+        </a:solidFill>
+        <a:ln w="15875" cap="flat" cmpd="sng" algn="ctr">
+          <a:solidFill>
+            <a:schemeClr val="lt1">
+              <a:hueOff val="0"/>
+              <a:satOff val="0"/>
+              <a:lumOff val="0"/>
+              <a:alphaOff val="0"/>
+            </a:schemeClr>
+          </a:solidFill>
+          <a:prstDash val="solid"/>
+        </a:ln>
+        <a:effectLst/>
+      </dsp:spPr>
+      <dsp:style>
+        <a:lnRef idx="2">
+          <a:scrgbClr r="0" g="0" b="0"/>
+        </a:lnRef>
+        <a:fillRef idx="1">
+          <a:scrgbClr r="0" g="0" b="0"/>
+        </a:fillRef>
+        <a:effectRef idx="0">
+          <a:scrgbClr r="0" g="0" b="0"/>
+        </a:effectRef>
+        <a:fontRef idx="minor">
+          <a:schemeClr val="lt1"/>
+        </a:fontRef>
+      </dsp:style>
+      <dsp:txBody>
+        <a:bodyPr spcFirstLastPara="0" vert="horz" wrap="square" lIns="91440" tIns="91440" rIns="91440" bIns="91440" numCol="1" spcCol="1270" anchor="ctr" anchorCtr="0">
+          <a:noAutofit/>
+        </a:bodyPr>
+        <a:lstStyle/>
+        <a:p>
+          <a:pPr marL="0" lvl="0" indent="0" algn="ctr" defTabSz="1066800">
+            <a:lnSpc>
+              <a:spcPct val="90000"/>
+            </a:lnSpc>
+            <a:spcBef>
+              <a:spcPct val="0"/>
+            </a:spcBef>
+            <a:spcAft>
+              <a:spcPct val="35000"/>
+            </a:spcAft>
+            <a:buNone/>
+          </a:pPr>
+          <a:r>
+            <a:rPr lang="en-IN" sz="2400" kern="1200" dirty="0"/>
+            <a:t>Client is ready for one-time installing activity as given in stepbystepreadme.txt. Client has a system that can install and run Python 3.10 and above</a:t>
+          </a:r>
+          <a:endParaRPr lang="en-US" sz="2400" kern="1200" dirty="0"/>
+        </a:p>
+      </dsp:txBody>
+      <dsp:txXfrm>
+        <a:off x="65449" y="4334809"/>
+        <a:ext cx="6666777" cy="1209826"/>
+      </dsp:txXfrm>
+    </dsp:sp>
+  </dsp:spTree>
+</dsp:drawing>
+</file>
+
+<file path=ppt/diagrams/drawing4.xml><?xml version="1.0" encoding="utf-8"?>
+<dsp:drawing xmlns:dgm="http://schemas.openxmlformats.org/drawingml/2006/diagram" xmlns:dsp="http://schemas.microsoft.com/office/drawing/2008/diagram" xmlns:a="http://schemas.openxmlformats.org/drawingml/2006/main">
+  <dsp:spTree>
+    <dsp:nvGrpSpPr>
+      <dsp:cNvPr id="0" name=""/>
+      <dsp:cNvGrpSpPr/>
+    </dsp:nvGrpSpPr>
+    <dsp:grpSpPr/>
+    <dsp:sp modelId="{FB7B22EC-3635-4BE0-83D1-1CF47E7103F2}">
+      <dsp:nvSpPr>
+        <dsp:cNvPr id="0" name=""/>
+        <dsp:cNvSpPr/>
+      </dsp:nvSpPr>
+      <dsp:spPr>
+        <a:xfrm rot="5400000">
+          <a:off x="2031485" y="866687"/>
+          <a:ext cx="761139" cy="866530"/>
+        </a:xfrm>
+        <a:prstGeom prst="bentUpArrow">
+          <a:avLst>
+            <a:gd name="adj1" fmla="val 32840"/>
+            <a:gd name="adj2" fmla="val 25000"/>
+            <a:gd name="adj3" fmla="val 35780"/>
+          </a:avLst>
+        </a:prstGeom>
+        <a:solidFill>
+          <a:schemeClr val="accent1">
+            <a:tint val="50000"/>
+            <a:hueOff val="0"/>
+            <a:satOff val="0"/>
+            <a:lumOff val="0"/>
+            <a:alphaOff val="0"/>
+          </a:schemeClr>
+        </a:solidFill>
+        <a:ln w="15875" cap="flat" cmpd="sng" algn="ctr">
+          <a:solidFill>
+            <a:schemeClr val="lt1">
+              <a:hueOff val="0"/>
+              <a:satOff val="0"/>
+              <a:lumOff val="0"/>
+              <a:alphaOff val="0"/>
+            </a:schemeClr>
+          </a:solidFill>
+          <a:prstDash val="solid"/>
+        </a:ln>
+        <a:effectLst/>
+      </dsp:spPr>
+      <dsp:style>
+        <a:lnRef idx="2">
+          <a:scrgbClr r="0" g="0" b="0"/>
+        </a:lnRef>
+        <a:fillRef idx="1">
+          <a:scrgbClr r="0" g="0" b="0"/>
+        </a:fillRef>
+        <a:effectRef idx="0">
+          <a:scrgbClr r="0" g="0" b="0"/>
+        </a:effectRef>
+        <a:fontRef idx="minor"/>
+      </dsp:style>
+    </dsp:sp>
+    <dsp:sp modelId="{26482B45-4E51-4B16-B495-25CA77D96B36}">
+      <dsp:nvSpPr>
+        <dsp:cNvPr id="0" name=""/>
+        <dsp:cNvSpPr/>
+      </dsp:nvSpPr>
+      <dsp:spPr>
+        <a:xfrm>
+          <a:off x="1829829" y="22948"/>
+          <a:ext cx="1281311" cy="896876"/>
+        </a:xfrm>
+        <a:prstGeom prst="roundRect">
+          <a:avLst>
+            <a:gd name="adj" fmla="val 16670"/>
+          </a:avLst>
+        </a:prstGeom>
+        <a:solidFill>
+          <a:schemeClr val="accent1">
+            <a:hueOff val="0"/>
+            <a:satOff val="0"/>
+            <a:lumOff val="0"/>
+            <a:alphaOff val="0"/>
+          </a:schemeClr>
+        </a:solidFill>
+        <a:ln w="15875" cap="flat" cmpd="sng" algn="ctr">
+          <a:solidFill>
+            <a:schemeClr val="lt1">
+              <a:hueOff val="0"/>
+              <a:satOff val="0"/>
+              <a:lumOff val="0"/>
+              <a:alphaOff val="0"/>
+            </a:schemeClr>
+          </a:solidFill>
+          <a:prstDash val="solid"/>
+        </a:ln>
+        <a:effectLst/>
+      </dsp:spPr>
+      <dsp:style>
+        <a:lnRef idx="2">
+          <a:scrgbClr r="0" g="0" b="0"/>
+        </a:lnRef>
+        <a:fillRef idx="1">
+          <a:scrgbClr r="0" g="0" b="0"/>
+        </a:fillRef>
+        <a:effectRef idx="0">
+          <a:scrgbClr r="0" g="0" b="0"/>
+        </a:effectRef>
+        <a:fontRef idx="minor">
+          <a:schemeClr val="lt1"/>
+        </a:fontRef>
+      </dsp:style>
+      <dsp:txBody>
+        <a:bodyPr spcFirstLastPara="0" vert="horz" wrap="square" lIns="41910" tIns="41910" rIns="41910" bIns="41910" numCol="1" spcCol="1270" anchor="ctr" anchorCtr="0">
+          <a:noAutofit/>
+        </a:bodyPr>
+        <a:lstStyle/>
+        <a:p>
+          <a:pPr marL="0" lvl="0" indent="0" algn="ctr" defTabSz="488950">
+            <a:lnSpc>
+              <a:spcPct val="90000"/>
+            </a:lnSpc>
+            <a:spcBef>
+              <a:spcPct val="0"/>
+            </a:spcBef>
+            <a:spcAft>
+              <a:spcPct val="35000"/>
+            </a:spcAft>
+            <a:buNone/>
+          </a:pPr>
+          <a:r>
+            <a:rPr lang="en-IN" sz="1100" kern="1200" dirty="0"/>
+            <a:t>Find Rooms. Mark the room as “visited”</a:t>
           </a:r>
         </a:p>
       </dsp:txBody>
       <dsp:txXfrm>
-        <a:off x="1830449" y="81666"/>
-        <a:ext cx="1606945" cy="1089437"/>
+        <a:off x="1873619" y="66738"/>
+        <a:ext cx="1193731" cy="809296"/>
       </dsp:txXfrm>
     </dsp:sp>
     <dsp:sp modelId="{6270500A-EBD1-41EC-A61C-FB757945AEDF}">
@@ -6156,8 +7002,8 @@
       </dsp:nvSpPr>
       <dsp:spPr>
         <a:xfrm>
-          <a:off x="3496343" y="137864"/>
-          <a:ext cx="1254485" cy="975820"/>
+          <a:off x="3111140" y="108486"/>
+          <a:ext cx="931903" cy="724894"/>
         </a:xfrm>
         <a:prstGeom prst="rect">
           <a:avLst/>
@@ -6188,8 +7034,8 @@
       </dsp:nvSpPr>
       <dsp:spPr>
         <a:xfrm rot="5400000">
-          <a:off x="3473038" y="2514753"/>
-          <a:ext cx="1024611" cy="1166483"/>
+          <a:off x="3093828" y="1874174"/>
+          <a:ext cx="761139" cy="866530"/>
         </a:xfrm>
         <a:prstGeom prst="bentUpArrow">
           <a:avLst>
@@ -6240,8 +7086,8 @@
       </dsp:nvSpPr>
       <dsp:spPr>
         <a:xfrm>
-          <a:off x="3201579" y="1378951"/>
-          <a:ext cx="1724841" cy="1207333"/>
+          <a:off x="2892172" y="1030436"/>
+          <a:ext cx="1281311" cy="896876"/>
         </a:xfrm>
         <a:prstGeom prst="roundRect">
           <a:avLst>
@@ -6284,12 +7130,12 @@
         </a:fontRef>
       </dsp:style>
       <dsp:txBody>
-        <a:bodyPr spcFirstLastPara="0" vert="horz" wrap="square" lIns="91440" tIns="91440" rIns="91440" bIns="91440" numCol="1" spcCol="1270" anchor="ctr" anchorCtr="0">
+        <a:bodyPr spcFirstLastPara="0" vert="horz" wrap="square" lIns="41910" tIns="41910" rIns="41910" bIns="41910" numCol="1" spcCol="1270" anchor="ctr" anchorCtr="0">
           <a:noAutofit/>
         </a:bodyPr>
         <a:lstStyle/>
         <a:p>
-          <a:pPr marL="0" lvl="0" indent="0" algn="ctr" defTabSz="1066800">
+          <a:pPr marL="0" lvl="0" indent="0" algn="ctr" defTabSz="488950">
             <a:lnSpc>
               <a:spcPct val="90000"/>
             </a:lnSpc>
@@ -6302,14 +7148,23 @@
             <a:buNone/>
           </a:pPr>
           <a:r>
-            <a:rPr lang="en-IN" sz="2400" kern="1200" dirty="0"/>
-            <a:t>Find Which Room</a:t>
+            <a:rPr lang="en-IN" sz="1100" kern="1200" dirty="0"/>
+            <a:t>Find </a:t>
           </a:r>
+          <a:r>
+            <a:rPr lang="en-IN" sz="1100" b="1" kern="1200" dirty="0"/>
+            <a:t>this </a:t>
+          </a:r>
+          <a:r>
+            <a:rPr lang="en-IN" sz="1100" b="0" kern="1200" dirty="0"/>
+            <a:t>“visited” room’s name</a:t>
+          </a:r>
+          <a:endParaRPr lang="en-IN" sz="1100" b="1" kern="1200" dirty="0"/>
         </a:p>
       </dsp:txBody>
       <dsp:txXfrm>
-        <a:off x="3260527" y="1437899"/>
-        <a:ext cx="1606945" cy="1089437"/>
+        <a:off x="2935962" y="1074226"/>
+        <a:ext cx="1193731" cy="809296"/>
       </dsp:txXfrm>
     </dsp:sp>
     <dsp:sp modelId="{A149042B-C0DC-43B3-9B51-C61F64230D6E}">
@@ -6319,8 +7174,8 @@
       </dsp:nvSpPr>
       <dsp:spPr>
         <a:xfrm>
-          <a:off x="4926420" y="1494098"/>
-          <a:ext cx="1254485" cy="975820"/>
+          <a:off x="4173484" y="1115974"/>
+          <a:ext cx="931903" cy="724894"/>
         </a:xfrm>
         <a:prstGeom prst="rect">
           <a:avLst/>
@@ -6344,6 +7199,58 @@
         <a:fontRef idx="minor"/>
       </dsp:style>
     </dsp:sp>
+    <dsp:sp modelId="{0F5DC1C8-89AA-43EF-BEFA-4ADC28B51BAE}">
+      <dsp:nvSpPr>
+        <dsp:cNvPr id="0" name=""/>
+        <dsp:cNvSpPr/>
+      </dsp:nvSpPr>
+      <dsp:spPr>
+        <a:xfrm rot="5400000">
+          <a:off x="4156171" y="2881662"/>
+          <a:ext cx="761139" cy="866530"/>
+        </a:xfrm>
+        <a:prstGeom prst="bentUpArrow">
+          <a:avLst>
+            <a:gd name="adj1" fmla="val 32840"/>
+            <a:gd name="adj2" fmla="val 25000"/>
+            <a:gd name="adj3" fmla="val 35780"/>
+          </a:avLst>
+        </a:prstGeom>
+        <a:solidFill>
+          <a:schemeClr val="accent1">
+            <a:tint val="50000"/>
+            <a:hueOff val="0"/>
+            <a:satOff val="0"/>
+            <a:lumOff val="0"/>
+            <a:alphaOff val="0"/>
+          </a:schemeClr>
+        </a:solidFill>
+        <a:ln w="15875" cap="flat" cmpd="sng" algn="ctr">
+          <a:solidFill>
+            <a:schemeClr val="lt1">
+              <a:hueOff val="0"/>
+              <a:satOff val="0"/>
+              <a:lumOff val="0"/>
+              <a:alphaOff val="0"/>
+            </a:schemeClr>
+          </a:solidFill>
+          <a:prstDash val="solid"/>
+        </a:ln>
+        <a:effectLst/>
+      </dsp:spPr>
+      <dsp:style>
+        <a:lnRef idx="2">
+          <a:scrgbClr r="0" g="0" b="0"/>
+        </a:lnRef>
+        <a:fillRef idx="1">
+          <a:scrgbClr r="0" g="0" b="0"/>
+        </a:fillRef>
+        <a:effectRef idx="0">
+          <a:scrgbClr r="0" g="0" b="0"/>
+        </a:effectRef>
+        <a:fontRef idx="minor"/>
+      </dsp:style>
+    </dsp:sp>
     <dsp:sp modelId="{8729E7CC-8A21-4EF8-91E3-54EB794B5F11}">
       <dsp:nvSpPr>
         <dsp:cNvPr id="0" name=""/>
@@ -6351,8 +7258,8 @@
       </dsp:nvSpPr>
       <dsp:spPr>
         <a:xfrm>
-          <a:off x="4631656" y="2735185"/>
-          <a:ext cx="1724841" cy="1207333"/>
+          <a:off x="3954515" y="2037924"/>
+          <a:ext cx="1281311" cy="896876"/>
         </a:xfrm>
         <a:prstGeom prst="roundRect">
           <a:avLst>
@@ -6395,12 +7302,12 @@
         </a:fontRef>
       </dsp:style>
       <dsp:txBody>
-        <a:bodyPr spcFirstLastPara="0" vert="horz" wrap="square" lIns="91440" tIns="91440" rIns="91440" bIns="91440" numCol="1" spcCol="1270" anchor="ctr" anchorCtr="0">
+        <a:bodyPr spcFirstLastPara="0" vert="horz" wrap="square" lIns="41910" tIns="41910" rIns="41910" bIns="41910" numCol="1" spcCol="1270" anchor="ctr" anchorCtr="0">
           <a:noAutofit/>
         </a:bodyPr>
         <a:lstStyle/>
         <a:p>
-          <a:pPr marL="0" lvl="0" indent="0" algn="ctr" defTabSz="1066800">
+          <a:pPr marL="0" lvl="0" indent="0" algn="ctr" defTabSz="488950">
             <a:lnSpc>
               <a:spcPct val="90000"/>
             </a:lnSpc>
@@ -6413,14 +7320,125 @@
             <a:buNone/>
           </a:pPr>
           <a:r>
-            <a:rPr lang="en-IN" sz="2400" kern="1200" dirty="0"/>
-            <a:t>Find Chairs in room</a:t>
+            <a:rPr lang="en-IN" sz="1100" kern="1200" dirty="0"/>
+            <a:t>Find Chairs in room in this room</a:t>
           </a:r>
         </a:p>
       </dsp:txBody>
       <dsp:txXfrm>
-        <a:off x="4690604" y="2794133"/>
-        <a:ext cx="1606945" cy="1089437"/>
+        <a:off x="3998305" y="2081714"/>
+        <a:ext cx="1193731" cy="809296"/>
+      </dsp:txXfrm>
+    </dsp:sp>
+    <dsp:sp modelId="{1DCFEECA-1BF8-4E51-8F89-C52DE9CEFCAC}">
+      <dsp:nvSpPr>
+        <dsp:cNvPr id="0" name=""/>
+        <dsp:cNvSpPr/>
+      </dsp:nvSpPr>
+      <dsp:spPr>
+        <a:xfrm>
+          <a:off x="5235827" y="2123461"/>
+          <a:ext cx="931903" cy="724894"/>
+        </a:xfrm>
+        <a:prstGeom prst="rect">
+          <a:avLst/>
+        </a:prstGeom>
+        <a:noFill/>
+        <a:ln>
+          <a:noFill/>
+        </a:ln>
+        <a:effectLst/>
+      </dsp:spPr>
+      <dsp:style>
+        <a:lnRef idx="0">
+          <a:scrgbClr r="0" g="0" b="0"/>
+        </a:lnRef>
+        <a:fillRef idx="0">
+          <a:scrgbClr r="0" g="0" b="0"/>
+        </a:fillRef>
+        <a:effectRef idx="0">
+          <a:scrgbClr r="0" g="0" b="0"/>
+        </a:effectRef>
+        <a:fontRef idx="minor"/>
+      </dsp:style>
+    </dsp:sp>
+    <dsp:sp modelId="{9A4C068C-1AB6-4961-9FE4-49438D7567D6}">
+      <dsp:nvSpPr>
+        <dsp:cNvPr id="0" name=""/>
+        <dsp:cNvSpPr/>
+      </dsp:nvSpPr>
+      <dsp:spPr>
+        <a:xfrm>
+          <a:off x="5016859" y="3045412"/>
+          <a:ext cx="1281311" cy="896876"/>
+        </a:xfrm>
+        <a:prstGeom prst="roundRect">
+          <a:avLst>
+            <a:gd name="adj" fmla="val 16670"/>
+          </a:avLst>
+        </a:prstGeom>
+        <a:solidFill>
+          <a:schemeClr val="accent1">
+            <a:hueOff val="0"/>
+            <a:satOff val="0"/>
+            <a:lumOff val="0"/>
+            <a:alphaOff val="0"/>
+          </a:schemeClr>
+        </a:solidFill>
+        <a:ln w="15875" cap="flat" cmpd="sng" algn="ctr">
+          <a:solidFill>
+            <a:schemeClr val="lt1">
+              <a:hueOff val="0"/>
+              <a:satOff val="0"/>
+              <a:lumOff val="0"/>
+              <a:alphaOff val="0"/>
+            </a:schemeClr>
+          </a:solidFill>
+          <a:prstDash val="solid"/>
+        </a:ln>
+        <a:effectLst/>
+      </dsp:spPr>
+      <dsp:style>
+        <a:lnRef idx="2">
+          <a:scrgbClr r="0" g="0" b="0"/>
+        </a:lnRef>
+        <a:fillRef idx="1">
+          <a:scrgbClr r="0" g="0" b="0"/>
+        </a:fillRef>
+        <a:effectRef idx="0">
+          <a:scrgbClr r="0" g="0" b="0"/>
+        </a:effectRef>
+        <a:fontRef idx="minor">
+          <a:schemeClr val="lt1"/>
+        </a:fontRef>
+      </dsp:style>
+      <dsp:txBody>
+        <a:bodyPr spcFirstLastPara="0" vert="horz" wrap="square" lIns="41910" tIns="41910" rIns="41910" bIns="41910" numCol="1" spcCol="1270" anchor="ctr" anchorCtr="0">
+          <a:noAutofit/>
+        </a:bodyPr>
+        <a:lstStyle/>
+        <a:p>
+          <a:pPr marL="0" lvl="0" indent="0" algn="ctr" defTabSz="488950">
+            <a:lnSpc>
+              <a:spcPct val="90000"/>
+            </a:lnSpc>
+            <a:spcBef>
+              <a:spcPct val="0"/>
+            </a:spcBef>
+            <a:spcAft>
+              <a:spcPct val="35000"/>
+            </a:spcAft>
+            <a:buNone/>
+          </a:pPr>
+          <a:r>
+            <a:rPr lang="en-IN" sz="1100" kern="1200" dirty="0"/>
+            <a:t>Start Search for “not visited” room or if finished then output</a:t>
+          </a:r>
+        </a:p>
+      </dsp:txBody>
+      <dsp:txXfrm>
+        <a:off x="5060649" y="3089202"/>
+        <a:ext cx="1193731" cy="809296"/>
       </dsp:txXfrm>
     </dsp:sp>
   </dsp:spTree>
@@ -11724,7 +12742,7 @@
           <a:p>
             <a:fld id="{CCD7522B-91C7-43D4-98E9-E2A058F494DE}" type="datetimeFigureOut">
               <a:rPr lang="en-IN" smtClean="0"/>
-              <a:t>17-04-2022</a:t>
+              <a:t>18-04-2022</a:t>
             </a:fld>
             <a:endParaRPr lang="en-IN" dirty="0"/>
           </a:p>
@@ -11939,7 +12957,7 @@
           <a:p>
             <a:fld id="{CCD7522B-91C7-43D4-98E9-E2A058F494DE}" type="datetimeFigureOut">
               <a:rPr lang="en-IN" smtClean="0"/>
-              <a:t>17-04-2022</a:t>
+              <a:t>18-04-2022</a:t>
             </a:fld>
             <a:endParaRPr lang="en-IN"/>
           </a:p>
@@ -12293,7 +13311,7 @@
           <a:p>
             <a:fld id="{CCD7522B-91C7-43D4-98E9-E2A058F494DE}" type="datetimeFigureOut">
               <a:rPr lang="en-IN" smtClean="0"/>
-              <a:t>17-04-2022</a:t>
+              <a:t>18-04-2022</a:t>
             </a:fld>
             <a:endParaRPr lang="en-IN"/>
           </a:p>
@@ -12502,7 +13520,7 @@
           <a:p>
             <a:fld id="{CCD7522B-91C7-43D4-98E9-E2A058F494DE}" type="datetimeFigureOut">
               <a:rPr lang="en-IN" smtClean="0"/>
-              <a:t>17-04-2022</a:t>
+              <a:t>18-04-2022</a:t>
             </a:fld>
             <a:endParaRPr lang="en-IN"/>
           </a:p>
@@ -12856,7 +13874,7 @@
           <a:p>
             <a:fld id="{CCD7522B-91C7-43D4-98E9-E2A058F494DE}" type="datetimeFigureOut">
               <a:rPr lang="en-IN" smtClean="0"/>
-              <a:t>17-04-2022</a:t>
+              <a:t>18-04-2022</a:t>
             </a:fld>
             <a:endParaRPr lang="en-IN"/>
           </a:p>
@@ -13164,7 +14182,7 @@
           <a:p>
             <a:fld id="{CCD7522B-91C7-43D4-98E9-E2A058F494DE}" type="datetimeFigureOut">
               <a:rPr lang="en-IN" smtClean="0"/>
-              <a:t>17-04-2022</a:t>
+              <a:t>18-04-2022</a:t>
             </a:fld>
             <a:endParaRPr lang="en-IN"/>
           </a:p>
@@ -13844,14 +14862,22 @@
           <a:p>
             <a:r>
               <a:rPr lang="en-IN" dirty="0"/>
-              <a:t>1. Solution Architecture Presentation</a:t>
+              <a:t>1. Product Demo</a:t>
             </a:r>
+            <a:br>
+              <a:rPr lang="en-IN" dirty="0"/>
+            </a:br>
+            <a:endParaRPr lang="en-IN" dirty="0"/>
           </a:p>
           <a:p>
             <a:r>
               <a:rPr lang="en-IN" dirty="0"/>
-              <a:t>2. Product Demo</a:t>
+              <a:t>2. Solution Architecture Presentation </a:t>
             </a:r>
+            <a:br>
+              <a:rPr lang="en-IN" dirty="0"/>
+            </a:br>
+            <a:endParaRPr lang="en-IN" dirty="0"/>
           </a:p>
           <a:p>
             <a:r>
@@ -14124,7 +15150,7 @@
             <p:ph idx="1"/>
             <p:extLst>
               <p:ext uri="{D42A27DB-BD31-4B8C-83A1-F6EECF244321}">
-                <p14:modId xmlns:p14="http://schemas.microsoft.com/office/powerpoint/2010/main" val="2068732810"/>
+                <p14:modId xmlns:p14="http://schemas.microsoft.com/office/powerpoint/2010/main" val="2217300143"/>
               </p:ext>
             </p:extLst>
           </p:nvPr>
@@ -14170,7 +15196,7 @@
         </p:blipFill>
         <p:spPr>
           <a:xfrm>
-            <a:off x="5075418" y="4599513"/>
+            <a:off x="4853761" y="4593999"/>
             <a:ext cx="914400" cy="914400"/>
           </a:xfrm>
           <a:prstGeom prst="rect">
@@ -14209,7 +15235,7 @@
         </p:blipFill>
         <p:spPr>
           <a:xfrm>
-            <a:off x="6794458" y="4599513"/>
+            <a:off x="6683991" y="4599513"/>
             <a:ext cx="914400" cy="914400"/>
           </a:xfrm>
           <a:prstGeom prst="rect">
@@ -14248,8 +15274,8 @@
         </p:blipFill>
         <p:spPr>
           <a:xfrm>
-            <a:off x="8454305" y="4599513"/>
-            <a:ext cx="914400" cy="914400"/>
+            <a:off x="8586397" y="4593999"/>
+            <a:ext cx="827730" cy="827730"/>
           </a:xfrm>
           <a:prstGeom prst="rect">
             <a:avLst/>
@@ -14287,7 +15313,7 @@
         </p:blipFill>
         <p:spPr>
           <a:xfrm>
-            <a:off x="10281009" y="4599513"/>
+            <a:off x="10343021" y="4599513"/>
             <a:ext cx="914400" cy="914400"/>
           </a:xfrm>
           <a:prstGeom prst="rect">
@@ -14308,14 +15334,14 @@
           <p:nvPr>
             <p:extLst>
               <p:ext uri="{D42A27DB-BD31-4B8C-83A1-F6EECF244321}">
-                <p14:modId xmlns:p14="http://schemas.microsoft.com/office/powerpoint/2010/main" val="1353120774"/>
+                <p14:modId xmlns:p14="http://schemas.microsoft.com/office/powerpoint/2010/main" val="372472453"/>
               </p:ext>
             </p:extLst>
           </p:nvPr>
         </p:nvGraphicFramePr>
         <p:xfrm>
-          <a:off x="4257811" y="3403255"/>
-          <a:ext cx="7774772" cy="5418667"/>
+          <a:off x="4253314" y="5216055"/>
+          <a:ext cx="7774772" cy="1477089"/>
         </p:xfrm>
         <a:graphic>
           <a:graphicData uri="http://schemas.openxmlformats.org/drawingml/2006/diagram">
@@ -14586,7 +15612,7 @@
             <p:ph idx="1"/>
             <p:extLst>
               <p:ext uri="{D42A27DB-BD31-4B8C-83A1-F6EECF244321}">
-                <p14:modId xmlns:p14="http://schemas.microsoft.com/office/powerpoint/2010/main" val="1870663849"/>
+                <p14:modId xmlns:p14="http://schemas.microsoft.com/office/powerpoint/2010/main" val="4114455271"/>
               </p:ext>
             </p:extLst>
           </p:nvPr>
@@ -15028,7 +16054,7 @@
           <p:nvPr>
             <p:extLst>
               <p:ext uri="{D42A27DB-BD31-4B8C-83A1-F6EECF244321}">
-                <p14:modId xmlns:p14="http://schemas.microsoft.com/office/powerpoint/2010/main" val="363687349"/>
+                <p14:modId xmlns:p14="http://schemas.microsoft.com/office/powerpoint/2010/main" val="3466500397"/>
               </p:ext>
             </p:extLst>
           </p:nvPr>
@@ -15204,7 +16230,7 @@
         </p:nvSpPr>
         <p:spPr>
           <a:xfrm>
-            <a:off x="8657204" y="4900497"/>
+            <a:off x="8657204" y="5042231"/>
             <a:ext cx="1264257" cy="787177"/>
           </a:xfrm>
           <a:prstGeom prst="rightArrow">
@@ -15232,7 +16258,10 @@
           <a:lstStyle/>
           <a:p>
             <a:pPr algn="ctr"/>
-            <a:endParaRPr lang="en-IN"/>
+            <a:r>
+              <a:rPr lang="en-IN" sz="800" dirty="0"/>
+              <a:t>Write compliant file</a:t>
+            </a:r>
           </a:p>
         </p:txBody>
       </p:sp>
@@ -15289,7 +16318,1941 @@
           <a:p>
             <a:r>
               <a:rPr lang="en-IN" dirty="0"/>
-              <a:t>Breadth First Search</a:t>
+              <a:t>Algorithm : Breadth First Search (</a:t>
+            </a:r>
+            <a:r>
+              <a:rPr lang="en-IN" dirty="0" err="1"/>
+              <a:t>bfs</a:t>
+            </a:r>
+            <a:r>
+              <a:rPr lang="en-IN" dirty="0"/>
+              <a:t>)</a:t>
+            </a:r>
+          </a:p>
+        </p:txBody>
+      </p:sp>
+      <p:sp>
+        <p:nvSpPr>
+          <p:cNvPr id="3" name="Rectangle: Rounded Corners 2">
+            <a:extLst>
+              <a:ext uri="{FF2B5EF4-FFF2-40B4-BE49-F238E27FC236}">
+                <a16:creationId xmlns:a16="http://schemas.microsoft.com/office/drawing/2014/main" id="{62314B34-1E31-40BC-BFC2-91DC936D1B89}"/>
+              </a:ext>
+            </a:extLst>
+          </p:cNvPr>
+          <p:cNvSpPr/>
+          <p:nvPr/>
+        </p:nvSpPr>
+        <p:spPr>
+          <a:xfrm>
+            <a:off x="1184744" y="1956021"/>
+            <a:ext cx="4405023" cy="1725433"/>
+          </a:xfrm>
+          <a:prstGeom prst="roundRect">
+            <a:avLst/>
+          </a:prstGeom>
+        </p:spPr>
+        <p:style>
+          <a:lnRef idx="2">
+            <a:schemeClr val="accent1">
+              <a:shade val="50000"/>
+            </a:schemeClr>
+          </a:lnRef>
+          <a:fillRef idx="1">
+            <a:schemeClr val="accent1"/>
+          </a:fillRef>
+          <a:effectRef idx="0">
+            <a:schemeClr val="accent1"/>
+          </a:effectRef>
+          <a:fontRef idx="minor">
+            <a:schemeClr val="lt1"/>
+          </a:fontRef>
+        </p:style>
+        <p:txBody>
+          <a:bodyPr rtlCol="0" anchor="ctr"/>
+          <a:lstStyle/>
+          <a:p>
+            <a:pPr algn="ctr"/>
+            <a:endParaRPr lang="en-IN"/>
+          </a:p>
+        </p:txBody>
+      </p:sp>
+      <p:sp>
+        <p:nvSpPr>
+          <p:cNvPr id="12" name="TextBox 11">
+            <a:extLst>
+              <a:ext uri="{FF2B5EF4-FFF2-40B4-BE49-F238E27FC236}">
+                <a16:creationId xmlns:a16="http://schemas.microsoft.com/office/drawing/2014/main" id="{1FEEFE11-08F2-4FCA-9DE8-266733525016}"/>
+              </a:ext>
+            </a:extLst>
+          </p:cNvPr>
+          <p:cNvSpPr txBox="1"/>
+          <p:nvPr/>
+        </p:nvSpPr>
+        <p:spPr>
+          <a:xfrm>
+            <a:off x="1757238" y="2266122"/>
+            <a:ext cx="1025718" cy="369332"/>
+          </a:xfrm>
+          <a:prstGeom prst="rect">
+            <a:avLst/>
+          </a:prstGeom>
+          <a:noFill/>
+        </p:spPr>
+        <p:txBody>
+          <a:bodyPr wrap="square" rtlCol="0">
+            <a:spAutoFit/>
+          </a:bodyPr>
+          <a:lstStyle/>
+          <a:p>
+            <a:r>
+              <a:rPr lang="en-IN" dirty="0"/>
+              <a:t>(Room1)</a:t>
+            </a:r>
+          </a:p>
+        </p:txBody>
+      </p:sp>
+      <p:sp>
+        <p:nvSpPr>
+          <p:cNvPr id="27" name="TextBox 26">
+            <a:extLst>
+              <a:ext uri="{FF2B5EF4-FFF2-40B4-BE49-F238E27FC236}">
+                <a16:creationId xmlns:a16="http://schemas.microsoft.com/office/drawing/2014/main" id="{15FBC188-3C6C-45A5-9B0A-5102F3B18141}"/>
+              </a:ext>
+            </a:extLst>
+          </p:cNvPr>
+          <p:cNvSpPr txBox="1"/>
+          <p:nvPr/>
+        </p:nvSpPr>
+        <p:spPr>
+          <a:xfrm>
+            <a:off x="3849756" y="2266122"/>
+            <a:ext cx="1025718" cy="369332"/>
+          </a:xfrm>
+          <a:prstGeom prst="rect">
+            <a:avLst/>
+          </a:prstGeom>
+          <a:noFill/>
+        </p:spPr>
+        <p:txBody>
+          <a:bodyPr wrap="square" rtlCol="0">
+            <a:spAutoFit/>
+          </a:bodyPr>
+          <a:lstStyle/>
+          <a:p>
+            <a:r>
+              <a:rPr lang="en-IN" dirty="0"/>
+              <a:t>(Room2)</a:t>
+            </a:r>
+          </a:p>
+        </p:txBody>
+      </p:sp>
+      <p:sp>
+        <p:nvSpPr>
+          <p:cNvPr id="28" name="TextBox 27">
+            <a:extLst>
+              <a:ext uri="{FF2B5EF4-FFF2-40B4-BE49-F238E27FC236}">
+                <a16:creationId xmlns:a16="http://schemas.microsoft.com/office/drawing/2014/main" id="{9DFC0A65-DAF1-4BB7-9465-40A0F3E9B343}"/>
+              </a:ext>
+            </a:extLst>
+          </p:cNvPr>
+          <p:cNvSpPr txBox="1"/>
+          <p:nvPr/>
+        </p:nvSpPr>
+        <p:spPr>
+          <a:xfrm>
+            <a:off x="1734709" y="2945555"/>
+            <a:ext cx="467800" cy="369332"/>
+          </a:xfrm>
+          <a:prstGeom prst="rect">
+            <a:avLst/>
+          </a:prstGeom>
+          <a:noFill/>
+        </p:spPr>
+        <p:txBody>
+          <a:bodyPr wrap="square" rtlCol="0">
+            <a:spAutoFit/>
+          </a:bodyPr>
+          <a:lstStyle/>
+          <a:p>
+            <a:r>
+              <a:rPr lang="en-IN" dirty="0"/>
+              <a:t>C1</a:t>
+            </a:r>
+          </a:p>
+        </p:txBody>
+      </p:sp>
+      <p:sp>
+        <p:nvSpPr>
+          <p:cNvPr id="31" name="TextBox 30">
+            <a:extLst>
+              <a:ext uri="{FF2B5EF4-FFF2-40B4-BE49-F238E27FC236}">
+                <a16:creationId xmlns:a16="http://schemas.microsoft.com/office/drawing/2014/main" id="{130FA05D-366F-4426-A7CE-D8BA660A8AAE}"/>
+              </a:ext>
+            </a:extLst>
+          </p:cNvPr>
+          <p:cNvSpPr txBox="1"/>
+          <p:nvPr/>
+        </p:nvSpPr>
+        <p:spPr>
+          <a:xfrm>
+            <a:off x="3070194" y="3089485"/>
+            <a:ext cx="467800" cy="369332"/>
+          </a:xfrm>
+          <a:prstGeom prst="rect">
+            <a:avLst/>
+          </a:prstGeom>
+          <a:noFill/>
+        </p:spPr>
+        <p:txBody>
+          <a:bodyPr wrap="square" rtlCol="0">
+            <a:spAutoFit/>
+          </a:bodyPr>
+          <a:lstStyle/>
+          <a:p>
+            <a:r>
+              <a:rPr lang="en-IN" dirty="0"/>
+              <a:t>C2</a:t>
+            </a:r>
+          </a:p>
+        </p:txBody>
+      </p:sp>
+      <p:sp>
+        <p:nvSpPr>
+          <p:cNvPr id="32" name="TextBox 31">
+            <a:extLst>
+              <a:ext uri="{FF2B5EF4-FFF2-40B4-BE49-F238E27FC236}">
+                <a16:creationId xmlns:a16="http://schemas.microsoft.com/office/drawing/2014/main" id="{6B2402D3-6AC5-404F-8C44-3B1E498AFD28}"/>
+              </a:ext>
+            </a:extLst>
+          </p:cNvPr>
+          <p:cNvSpPr txBox="1"/>
+          <p:nvPr/>
+        </p:nvSpPr>
+        <p:spPr>
+          <a:xfrm>
+            <a:off x="3660915" y="2819177"/>
+            <a:ext cx="467800" cy="369332"/>
+          </a:xfrm>
+          <a:prstGeom prst="rect">
+            <a:avLst/>
+          </a:prstGeom>
+          <a:noFill/>
+        </p:spPr>
+        <p:txBody>
+          <a:bodyPr wrap="square" rtlCol="0">
+            <a:spAutoFit/>
+          </a:bodyPr>
+          <a:lstStyle/>
+          <a:p>
+            <a:r>
+              <a:rPr lang="en-IN" dirty="0"/>
+              <a:t>C2</a:t>
+            </a:r>
+          </a:p>
+        </p:txBody>
+      </p:sp>
+      <p:sp>
+        <p:nvSpPr>
+          <p:cNvPr id="20" name="Plus Sign 19">
+            <a:extLst>
+              <a:ext uri="{FF2B5EF4-FFF2-40B4-BE49-F238E27FC236}">
+                <a16:creationId xmlns:a16="http://schemas.microsoft.com/office/drawing/2014/main" id="{469F81AD-B39D-42C4-A6E4-F3E3C519118E}"/>
+              </a:ext>
+            </a:extLst>
+          </p:cNvPr>
+          <p:cNvSpPr/>
+          <p:nvPr/>
+        </p:nvSpPr>
+        <p:spPr>
+          <a:xfrm>
+            <a:off x="1097280" y="1844703"/>
+            <a:ext cx="373708" cy="349857"/>
+          </a:xfrm>
+          <a:prstGeom prst="mathPlus">
+            <a:avLst/>
+          </a:prstGeom>
+          <a:solidFill>
+            <a:schemeClr val="tx1"/>
+          </a:solidFill>
+        </p:spPr>
+        <p:style>
+          <a:lnRef idx="2">
+            <a:schemeClr val="accent1">
+              <a:shade val="50000"/>
+            </a:schemeClr>
+          </a:lnRef>
+          <a:fillRef idx="1">
+            <a:schemeClr val="accent1"/>
+          </a:fillRef>
+          <a:effectRef idx="0">
+            <a:schemeClr val="accent1"/>
+          </a:effectRef>
+          <a:fontRef idx="minor">
+            <a:schemeClr val="lt1"/>
+          </a:fontRef>
+        </p:style>
+        <p:txBody>
+          <a:bodyPr rtlCol="0" anchor="ctr"/>
+          <a:lstStyle/>
+          <a:p>
+            <a:pPr algn="ctr"/>
+            <a:endParaRPr lang="en-IN"/>
+          </a:p>
+        </p:txBody>
+      </p:sp>
+      <p:sp>
+        <p:nvSpPr>
+          <p:cNvPr id="43" name="Plus Sign 42">
+            <a:extLst>
+              <a:ext uri="{FF2B5EF4-FFF2-40B4-BE49-F238E27FC236}">
+                <a16:creationId xmlns:a16="http://schemas.microsoft.com/office/drawing/2014/main" id="{3AA42D9F-FBAF-44D6-BC01-59F5F2C16DA1}"/>
+              </a:ext>
+            </a:extLst>
+          </p:cNvPr>
+          <p:cNvSpPr/>
+          <p:nvPr/>
+        </p:nvSpPr>
+        <p:spPr>
+          <a:xfrm>
+            <a:off x="2956228" y="1785068"/>
+            <a:ext cx="373708" cy="349857"/>
+          </a:xfrm>
+          <a:prstGeom prst="mathPlus">
+            <a:avLst/>
+          </a:prstGeom>
+          <a:solidFill>
+            <a:schemeClr val="tx1"/>
+          </a:solidFill>
+        </p:spPr>
+        <p:style>
+          <a:lnRef idx="2">
+            <a:schemeClr val="accent1">
+              <a:shade val="50000"/>
+            </a:schemeClr>
+          </a:lnRef>
+          <a:fillRef idx="1">
+            <a:schemeClr val="accent1"/>
+          </a:fillRef>
+          <a:effectRef idx="0">
+            <a:schemeClr val="accent1"/>
+          </a:effectRef>
+          <a:fontRef idx="minor">
+            <a:schemeClr val="lt1"/>
+          </a:fontRef>
+        </p:style>
+        <p:txBody>
+          <a:bodyPr rtlCol="0" anchor="ctr"/>
+          <a:lstStyle/>
+          <a:p>
+            <a:pPr algn="ctr"/>
+            <a:endParaRPr lang="en-IN"/>
+          </a:p>
+        </p:txBody>
+      </p:sp>
+      <p:sp>
+        <p:nvSpPr>
+          <p:cNvPr id="44" name="Plus Sign 43">
+            <a:extLst>
+              <a:ext uri="{FF2B5EF4-FFF2-40B4-BE49-F238E27FC236}">
+                <a16:creationId xmlns:a16="http://schemas.microsoft.com/office/drawing/2014/main" id="{F4119E3F-36F4-4BE8-98A1-5A78C0D759CF}"/>
+              </a:ext>
+            </a:extLst>
+          </p:cNvPr>
+          <p:cNvSpPr/>
+          <p:nvPr/>
+        </p:nvSpPr>
+        <p:spPr>
+          <a:xfrm>
+            <a:off x="5288281" y="1804945"/>
+            <a:ext cx="373708" cy="349857"/>
+          </a:xfrm>
+          <a:prstGeom prst="mathPlus">
+            <a:avLst/>
+          </a:prstGeom>
+          <a:solidFill>
+            <a:schemeClr val="tx1"/>
+          </a:solidFill>
+        </p:spPr>
+        <p:style>
+          <a:lnRef idx="2">
+            <a:schemeClr val="accent1">
+              <a:shade val="50000"/>
+            </a:schemeClr>
+          </a:lnRef>
+          <a:fillRef idx="1">
+            <a:schemeClr val="accent1"/>
+          </a:fillRef>
+          <a:effectRef idx="0">
+            <a:schemeClr val="accent1"/>
+          </a:effectRef>
+          <a:fontRef idx="minor">
+            <a:schemeClr val="lt1"/>
+          </a:fontRef>
+        </p:style>
+        <p:txBody>
+          <a:bodyPr rtlCol="0" anchor="ctr"/>
+          <a:lstStyle/>
+          <a:p>
+            <a:pPr algn="ctr"/>
+            <a:endParaRPr lang="en-IN"/>
+          </a:p>
+        </p:txBody>
+      </p:sp>
+      <p:sp>
+        <p:nvSpPr>
+          <p:cNvPr id="45" name="Plus Sign 44">
+            <a:extLst>
+              <a:ext uri="{FF2B5EF4-FFF2-40B4-BE49-F238E27FC236}">
+                <a16:creationId xmlns:a16="http://schemas.microsoft.com/office/drawing/2014/main" id="{7D73D353-3B37-4ED2-846A-51C0D3F506C3}"/>
+              </a:ext>
+            </a:extLst>
+          </p:cNvPr>
+          <p:cNvSpPr/>
+          <p:nvPr/>
+        </p:nvSpPr>
+        <p:spPr>
+          <a:xfrm>
+            <a:off x="3565505" y="3494598"/>
+            <a:ext cx="373708" cy="349857"/>
+          </a:xfrm>
+          <a:prstGeom prst="mathPlus">
+            <a:avLst/>
+          </a:prstGeom>
+          <a:solidFill>
+            <a:schemeClr val="tx1"/>
+          </a:solidFill>
+        </p:spPr>
+        <p:style>
+          <a:lnRef idx="2">
+            <a:schemeClr val="accent1">
+              <a:shade val="50000"/>
+            </a:schemeClr>
+          </a:lnRef>
+          <a:fillRef idx="1">
+            <a:schemeClr val="accent1"/>
+          </a:fillRef>
+          <a:effectRef idx="0">
+            <a:schemeClr val="accent1"/>
+          </a:effectRef>
+          <a:fontRef idx="minor">
+            <a:schemeClr val="lt1"/>
+          </a:fontRef>
+        </p:style>
+        <p:txBody>
+          <a:bodyPr rtlCol="0" anchor="ctr"/>
+          <a:lstStyle/>
+          <a:p>
+            <a:pPr algn="ctr"/>
+            <a:endParaRPr lang="en-IN"/>
+          </a:p>
+        </p:txBody>
+      </p:sp>
+      <p:sp>
+        <p:nvSpPr>
+          <p:cNvPr id="46" name="Plus Sign 45">
+            <a:extLst>
+              <a:ext uri="{FF2B5EF4-FFF2-40B4-BE49-F238E27FC236}">
+                <a16:creationId xmlns:a16="http://schemas.microsoft.com/office/drawing/2014/main" id="{7DBD5D9A-62EE-47CD-9DAB-4D783FFC2C70}"/>
+              </a:ext>
+            </a:extLst>
+          </p:cNvPr>
+          <p:cNvSpPr/>
+          <p:nvPr/>
+        </p:nvSpPr>
+        <p:spPr>
+          <a:xfrm>
+            <a:off x="1076743" y="3458817"/>
+            <a:ext cx="373708" cy="349857"/>
+          </a:xfrm>
+          <a:prstGeom prst="mathPlus">
+            <a:avLst/>
+          </a:prstGeom>
+          <a:solidFill>
+            <a:schemeClr val="tx1"/>
+          </a:solidFill>
+        </p:spPr>
+        <p:style>
+          <a:lnRef idx="2">
+            <a:schemeClr val="accent1">
+              <a:shade val="50000"/>
+            </a:schemeClr>
+          </a:lnRef>
+          <a:fillRef idx="1">
+            <a:schemeClr val="accent1"/>
+          </a:fillRef>
+          <a:effectRef idx="0">
+            <a:schemeClr val="accent1"/>
+          </a:effectRef>
+          <a:fontRef idx="minor">
+            <a:schemeClr val="lt1"/>
+          </a:fontRef>
+        </p:style>
+        <p:txBody>
+          <a:bodyPr rtlCol="0" anchor="ctr"/>
+          <a:lstStyle/>
+          <a:p>
+            <a:pPr algn="ctr"/>
+            <a:endParaRPr lang="en-IN"/>
+          </a:p>
+        </p:txBody>
+      </p:sp>
+      <p:sp>
+        <p:nvSpPr>
+          <p:cNvPr id="47" name="Plus Sign 46">
+            <a:extLst>
+              <a:ext uri="{FF2B5EF4-FFF2-40B4-BE49-F238E27FC236}">
+                <a16:creationId xmlns:a16="http://schemas.microsoft.com/office/drawing/2014/main" id="{FAAB1059-A7EF-4124-A3C1-9C96F2595FE0}"/>
+              </a:ext>
+            </a:extLst>
+          </p:cNvPr>
+          <p:cNvSpPr/>
+          <p:nvPr/>
+        </p:nvSpPr>
+        <p:spPr>
+          <a:xfrm>
+            <a:off x="5335992" y="3442915"/>
+            <a:ext cx="373708" cy="349857"/>
+          </a:xfrm>
+          <a:prstGeom prst="mathPlus">
+            <a:avLst/>
+          </a:prstGeom>
+          <a:solidFill>
+            <a:schemeClr val="tx1"/>
+          </a:solidFill>
+        </p:spPr>
+        <p:style>
+          <a:lnRef idx="2">
+            <a:schemeClr val="accent1">
+              <a:shade val="50000"/>
+            </a:schemeClr>
+          </a:lnRef>
+          <a:fillRef idx="1">
+            <a:schemeClr val="accent1"/>
+          </a:fillRef>
+          <a:effectRef idx="0">
+            <a:schemeClr val="accent1"/>
+          </a:effectRef>
+          <a:fontRef idx="minor">
+            <a:schemeClr val="lt1"/>
+          </a:fontRef>
+        </p:style>
+        <p:txBody>
+          <a:bodyPr rtlCol="0" anchor="ctr"/>
+          <a:lstStyle/>
+          <a:p>
+            <a:pPr algn="ctr"/>
+            <a:endParaRPr lang="en-IN"/>
+          </a:p>
+        </p:txBody>
+      </p:sp>
+      <p:cxnSp>
+        <p:nvCxnSpPr>
+          <p:cNvPr id="50" name="Straight Connector 49">
+            <a:extLst>
+              <a:ext uri="{FF2B5EF4-FFF2-40B4-BE49-F238E27FC236}">
+                <a16:creationId xmlns:a16="http://schemas.microsoft.com/office/drawing/2014/main" id="{3767DC4F-99F7-48FF-95FD-81E70E1B0230}"/>
+              </a:ext>
+            </a:extLst>
+          </p:cNvPr>
+          <p:cNvCxnSpPr>
+            <a:cxnSpLocks/>
+          </p:cNvCxnSpPr>
+          <p:nvPr/>
+        </p:nvCxnSpPr>
+        <p:spPr>
+          <a:xfrm>
+            <a:off x="3241160" y="2337103"/>
+            <a:ext cx="189168" cy="431276"/>
+          </a:xfrm>
+          <a:prstGeom prst="line">
+            <a:avLst/>
+          </a:prstGeom>
+        </p:spPr>
+        <p:style>
+          <a:lnRef idx="1">
+            <a:schemeClr val="dk1"/>
+          </a:lnRef>
+          <a:fillRef idx="0">
+            <a:schemeClr val="dk1"/>
+          </a:fillRef>
+          <a:effectRef idx="0">
+            <a:schemeClr val="dk1"/>
+          </a:effectRef>
+          <a:fontRef idx="minor">
+            <a:schemeClr val="tx1"/>
+          </a:fontRef>
+        </p:style>
+      </p:cxnSp>
+      <p:cxnSp>
+        <p:nvCxnSpPr>
+          <p:cNvPr id="51" name="Straight Connector 50">
+            <a:extLst>
+              <a:ext uri="{FF2B5EF4-FFF2-40B4-BE49-F238E27FC236}">
+                <a16:creationId xmlns:a16="http://schemas.microsoft.com/office/drawing/2014/main" id="{550F17BF-1F49-4EF9-8F11-FBCD7FAD8B15}"/>
+              </a:ext>
+            </a:extLst>
+          </p:cNvPr>
+          <p:cNvCxnSpPr>
+            <a:cxnSpLocks/>
+          </p:cNvCxnSpPr>
+          <p:nvPr/>
+        </p:nvCxnSpPr>
+        <p:spPr>
+          <a:xfrm>
+            <a:off x="1233449" y="2464573"/>
+            <a:ext cx="0" cy="607612"/>
+          </a:xfrm>
+          <a:prstGeom prst="line">
+            <a:avLst/>
+          </a:prstGeom>
+        </p:spPr>
+        <p:style>
+          <a:lnRef idx="1">
+            <a:schemeClr val="dk1"/>
+          </a:lnRef>
+          <a:fillRef idx="0">
+            <a:schemeClr val="dk1"/>
+          </a:fillRef>
+          <a:effectRef idx="0">
+            <a:schemeClr val="dk1"/>
+          </a:effectRef>
+          <a:fontRef idx="minor">
+            <a:schemeClr val="tx1"/>
+          </a:fontRef>
+        </p:style>
+      </p:cxnSp>
+      <p:cxnSp>
+        <p:nvCxnSpPr>
+          <p:cNvPr id="55" name="Straight Connector 54">
+            <a:extLst>
+              <a:ext uri="{FF2B5EF4-FFF2-40B4-BE49-F238E27FC236}">
+                <a16:creationId xmlns:a16="http://schemas.microsoft.com/office/drawing/2014/main" id="{11AB5563-B721-4CFC-B01D-90A76EDF99AB}"/>
+              </a:ext>
+            </a:extLst>
+          </p:cNvPr>
+          <p:cNvCxnSpPr>
+            <a:cxnSpLocks/>
+          </p:cNvCxnSpPr>
+          <p:nvPr/>
+        </p:nvCxnSpPr>
+        <p:spPr>
+          <a:xfrm>
+            <a:off x="5522846" y="2502327"/>
+            <a:ext cx="0" cy="607612"/>
+          </a:xfrm>
+          <a:prstGeom prst="line">
+            <a:avLst/>
+          </a:prstGeom>
+        </p:spPr>
+        <p:style>
+          <a:lnRef idx="1">
+            <a:schemeClr val="dk1"/>
+          </a:lnRef>
+          <a:fillRef idx="0">
+            <a:schemeClr val="dk1"/>
+          </a:fillRef>
+          <a:effectRef idx="0">
+            <a:schemeClr val="dk1"/>
+          </a:effectRef>
+          <a:fontRef idx="minor">
+            <a:schemeClr val="tx1"/>
+          </a:fontRef>
+        </p:style>
+      </p:cxnSp>
+      <p:cxnSp>
+        <p:nvCxnSpPr>
+          <p:cNvPr id="56" name="Straight Connector 55">
+            <a:extLst>
+              <a:ext uri="{FF2B5EF4-FFF2-40B4-BE49-F238E27FC236}">
+                <a16:creationId xmlns:a16="http://schemas.microsoft.com/office/drawing/2014/main" id="{05BEB4A5-6C1B-4DE1-88D5-4446395F5271}"/>
+              </a:ext>
+            </a:extLst>
+          </p:cNvPr>
+          <p:cNvCxnSpPr>
+            <a:cxnSpLocks/>
+          </p:cNvCxnSpPr>
+          <p:nvPr/>
+        </p:nvCxnSpPr>
+        <p:spPr>
+          <a:xfrm flipH="1">
+            <a:off x="4362615" y="2014991"/>
+            <a:ext cx="563882" cy="0"/>
+          </a:xfrm>
+          <a:prstGeom prst="line">
+            <a:avLst/>
+          </a:prstGeom>
+        </p:spPr>
+        <p:style>
+          <a:lnRef idx="1">
+            <a:schemeClr val="dk1"/>
+          </a:lnRef>
+          <a:fillRef idx="0">
+            <a:schemeClr val="dk1"/>
+          </a:fillRef>
+          <a:effectRef idx="0">
+            <a:schemeClr val="dk1"/>
+          </a:effectRef>
+          <a:fontRef idx="minor">
+            <a:schemeClr val="tx1"/>
+          </a:fontRef>
+        </p:style>
+      </p:cxnSp>
+      <p:cxnSp>
+        <p:nvCxnSpPr>
+          <p:cNvPr id="58" name="Straight Connector 57">
+            <a:extLst>
+              <a:ext uri="{FF2B5EF4-FFF2-40B4-BE49-F238E27FC236}">
+                <a16:creationId xmlns:a16="http://schemas.microsoft.com/office/drawing/2014/main" id="{5166CA8F-69D3-4EFB-ABAF-0F7FC8EC41A9}"/>
+              </a:ext>
+            </a:extLst>
+          </p:cNvPr>
+          <p:cNvCxnSpPr>
+            <a:cxnSpLocks/>
+          </p:cNvCxnSpPr>
+          <p:nvPr/>
+        </p:nvCxnSpPr>
+        <p:spPr>
+          <a:xfrm flipH="1">
+            <a:off x="2145526" y="2019627"/>
+            <a:ext cx="563882" cy="0"/>
+          </a:xfrm>
+          <a:prstGeom prst="line">
+            <a:avLst/>
+          </a:prstGeom>
+        </p:spPr>
+        <p:style>
+          <a:lnRef idx="1">
+            <a:schemeClr val="dk1"/>
+          </a:lnRef>
+          <a:fillRef idx="0">
+            <a:schemeClr val="dk1"/>
+          </a:fillRef>
+          <a:effectRef idx="0">
+            <a:schemeClr val="dk1"/>
+          </a:effectRef>
+          <a:fontRef idx="minor">
+            <a:schemeClr val="tx1"/>
+          </a:fontRef>
+        </p:style>
+      </p:cxnSp>
+      <p:cxnSp>
+        <p:nvCxnSpPr>
+          <p:cNvPr id="59" name="Straight Connector 58">
+            <a:extLst>
+              <a:ext uri="{FF2B5EF4-FFF2-40B4-BE49-F238E27FC236}">
+                <a16:creationId xmlns:a16="http://schemas.microsoft.com/office/drawing/2014/main" id="{2D1D0B79-829F-4FA5-9749-6F167BAA67EA}"/>
+              </a:ext>
+            </a:extLst>
+          </p:cNvPr>
+          <p:cNvCxnSpPr>
+            <a:cxnSpLocks/>
+          </p:cNvCxnSpPr>
+          <p:nvPr/>
+        </p:nvCxnSpPr>
+        <p:spPr>
+          <a:xfrm flipH="1">
+            <a:off x="1920568" y="3619163"/>
+            <a:ext cx="563882" cy="0"/>
+          </a:xfrm>
+          <a:prstGeom prst="line">
+            <a:avLst/>
+          </a:prstGeom>
+        </p:spPr>
+        <p:style>
+          <a:lnRef idx="1">
+            <a:schemeClr val="dk1"/>
+          </a:lnRef>
+          <a:fillRef idx="0">
+            <a:schemeClr val="dk1"/>
+          </a:fillRef>
+          <a:effectRef idx="0">
+            <a:schemeClr val="dk1"/>
+          </a:effectRef>
+          <a:fontRef idx="minor">
+            <a:schemeClr val="tx1"/>
+          </a:fontRef>
+        </p:style>
+      </p:cxnSp>
+      <p:cxnSp>
+        <p:nvCxnSpPr>
+          <p:cNvPr id="60" name="Straight Connector 59">
+            <a:extLst>
+              <a:ext uri="{FF2B5EF4-FFF2-40B4-BE49-F238E27FC236}">
+                <a16:creationId xmlns:a16="http://schemas.microsoft.com/office/drawing/2014/main" id="{890E3D07-D145-4E93-B29A-DE16CE21C647}"/>
+              </a:ext>
+            </a:extLst>
+          </p:cNvPr>
+          <p:cNvCxnSpPr>
+            <a:cxnSpLocks/>
+          </p:cNvCxnSpPr>
+          <p:nvPr/>
+        </p:nvCxnSpPr>
+        <p:spPr>
+          <a:xfrm flipH="1">
+            <a:off x="4128715" y="3633745"/>
+            <a:ext cx="563882" cy="0"/>
+          </a:xfrm>
+          <a:prstGeom prst="line">
+            <a:avLst/>
+          </a:prstGeom>
+        </p:spPr>
+        <p:style>
+          <a:lnRef idx="1">
+            <a:schemeClr val="dk1"/>
+          </a:lnRef>
+          <a:fillRef idx="0">
+            <a:schemeClr val="dk1"/>
+          </a:fillRef>
+          <a:effectRef idx="0">
+            <a:schemeClr val="dk1"/>
+          </a:effectRef>
+          <a:fontRef idx="minor">
+            <a:schemeClr val="tx1"/>
+          </a:fontRef>
+        </p:style>
+      </p:cxnSp>
+      <p:sp>
+        <p:nvSpPr>
+          <p:cNvPr id="61" name="Callout: Right Arrow 60">
+            <a:extLst>
+              <a:ext uri="{FF2B5EF4-FFF2-40B4-BE49-F238E27FC236}">
+                <a16:creationId xmlns:a16="http://schemas.microsoft.com/office/drawing/2014/main" id="{2861806E-0330-4943-B840-1D0B6BF9156C}"/>
+              </a:ext>
+            </a:extLst>
+          </p:cNvPr>
+          <p:cNvSpPr/>
+          <p:nvPr/>
+        </p:nvSpPr>
+        <p:spPr>
+          <a:xfrm>
+            <a:off x="263375" y="1759227"/>
+            <a:ext cx="736493" cy="559243"/>
+          </a:xfrm>
+          <a:prstGeom prst="rightArrowCallout">
+            <a:avLst/>
+          </a:prstGeom>
+        </p:spPr>
+        <p:style>
+          <a:lnRef idx="2">
+            <a:schemeClr val="accent1">
+              <a:shade val="50000"/>
+            </a:schemeClr>
+          </a:lnRef>
+          <a:fillRef idx="1">
+            <a:schemeClr val="accent1"/>
+          </a:fillRef>
+          <a:effectRef idx="0">
+            <a:schemeClr val="accent1"/>
+          </a:effectRef>
+          <a:fontRef idx="minor">
+            <a:schemeClr val="lt1"/>
+          </a:fontRef>
+        </p:style>
+        <p:txBody>
+          <a:bodyPr rtlCol="0" anchor="ctr"/>
+          <a:lstStyle/>
+          <a:p>
+            <a:pPr algn="ctr"/>
+            <a:r>
+              <a:rPr lang="en-IN" sz="800" dirty="0"/>
+              <a:t>Enter for search</a:t>
+            </a:r>
+          </a:p>
+        </p:txBody>
+      </p:sp>
+      <p:cxnSp>
+        <p:nvCxnSpPr>
+          <p:cNvPr id="64" name="Straight Connector 63">
+            <a:extLst>
+              <a:ext uri="{FF2B5EF4-FFF2-40B4-BE49-F238E27FC236}">
+                <a16:creationId xmlns:a16="http://schemas.microsoft.com/office/drawing/2014/main" id="{D469F512-350F-4715-A210-7DF94FEAD130}"/>
+              </a:ext>
+            </a:extLst>
+          </p:cNvPr>
+          <p:cNvCxnSpPr>
+            <a:cxnSpLocks/>
+          </p:cNvCxnSpPr>
+          <p:nvPr/>
+        </p:nvCxnSpPr>
+        <p:spPr>
+          <a:xfrm>
+            <a:off x="3496934" y="2939124"/>
+            <a:ext cx="189168" cy="431276"/>
+          </a:xfrm>
+          <a:prstGeom prst="line">
+            <a:avLst/>
+          </a:prstGeom>
+        </p:spPr>
+        <p:style>
+          <a:lnRef idx="1">
+            <a:schemeClr val="dk1"/>
+          </a:lnRef>
+          <a:fillRef idx="0">
+            <a:schemeClr val="dk1"/>
+          </a:fillRef>
+          <a:effectRef idx="0">
+            <a:schemeClr val="dk1"/>
+          </a:effectRef>
+          <a:fontRef idx="minor">
+            <a:schemeClr val="tx1"/>
+          </a:fontRef>
+        </p:style>
+      </p:cxnSp>
+      <p:sp>
+        <p:nvSpPr>
+          <p:cNvPr id="65" name="Rectangle: Rounded Corners 64">
+            <a:extLst>
+              <a:ext uri="{FF2B5EF4-FFF2-40B4-BE49-F238E27FC236}">
+                <a16:creationId xmlns:a16="http://schemas.microsoft.com/office/drawing/2014/main" id="{54CB59C6-31F9-42D8-A93F-F74C6F9CB997}"/>
+              </a:ext>
+            </a:extLst>
+          </p:cNvPr>
+          <p:cNvSpPr/>
+          <p:nvPr/>
+        </p:nvSpPr>
+        <p:spPr>
+          <a:xfrm>
+            <a:off x="1137033" y="4473934"/>
+            <a:ext cx="4405023" cy="1725433"/>
+          </a:xfrm>
+          <a:prstGeom prst="roundRect">
+            <a:avLst/>
+          </a:prstGeom>
+        </p:spPr>
+        <p:style>
+          <a:lnRef idx="2">
+            <a:schemeClr val="accent1">
+              <a:shade val="50000"/>
+            </a:schemeClr>
+          </a:lnRef>
+          <a:fillRef idx="1">
+            <a:schemeClr val="accent1"/>
+          </a:fillRef>
+          <a:effectRef idx="0">
+            <a:schemeClr val="accent1"/>
+          </a:effectRef>
+          <a:fontRef idx="minor">
+            <a:schemeClr val="lt1"/>
+          </a:fontRef>
+        </p:style>
+        <p:txBody>
+          <a:bodyPr rtlCol="0" anchor="ctr"/>
+          <a:lstStyle/>
+          <a:p>
+            <a:pPr algn="ctr"/>
+            <a:endParaRPr lang="en-IN"/>
+          </a:p>
+        </p:txBody>
+      </p:sp>
+      <p:sp>
+        <p:nvSpPr>
+          <p:cNvPr id="66" name="TextBox 65">
+            <a:extLst>
+              <a:ext uri="{FF2B5EF4-FFF2-40B4-BE49-F238E27FC236}">
+                <a16:creationId xmlns:a16="http://schemas.microsoft.com/office/drawing/2014/main" id="{95BD26B3-9C33-470C-ACD9-A00A93B3D372}"/>
+              </a:ext>
+            </a:extLst>
+          </p:cNvPr>
+          <p:cNvSpPr txBox="1"/>
+          <p:nvPr/>
+        </p:nvSpPr>
+        <p:spPr>
+          <a:xfrm>
+            <a:off x="1709527" y="4784035"/>
+            <a:ext cx="1025718" cy="369332"/>
+          </a:xfrm>
+          <a:prstGeom prst="rect">
+            <a:avLst/>
+          </a:prstGeom>
+          <a:noFill/>
+        </p:spPr>
+        <p:txBody>
+          <a:bodyPr wrap="square" rtlCol="0">
+            <a:spAutoFit/>
+          </a:bodyPr>
+          <a:lstStyle/>
+          <a:p>
+            <a:r>
+              <a:rPr lang="en-IN" dirty="0"/>
+              <a:t>(Room1)</a:t>
+            </a:r>
+          </a:p>
+        </p:txBody>
+      </p:sp>
+      <p:sp>
+        <p:nvSpPr>
+          <p:cNvPr id="67" name="TextBox 66">
+            <a:extLst>
+              <a:ext uri="{FF2B5EF4-FFF2-40B4-BE49-F238E27FC236}">
+                <a16:creationId xmlns:a16="http://schemas.microsoft.com/office/drawing/2014/main" id="{2432D34D-D751-4B45-ABE4-6C98866E7089}"/>
+              </a:ext>
+            </a:extLst>
+          </p:cNvPr>
+          <p:cNvSpPr txBox="1"/>
+          <p:nvPr/>
+        </p:nvSpPr>
+        <p:spPr>
+          <a:xfrm>
+            <a:off x="3802045" y="4784035"/>
+            <a:ext cx="1025718" cy="369332"/>
+          </a:xfrm>
+          <a:prstGeom prst="rect">
+            <a:avLst/>
+          </a:prstGeom>
+          <a:noFill/>
+        </p:spPr>
+        <p:txBody>
+          <a:bodyPr wrap="square" rtlCol="0">
+            <a:spAutoFit/>
+          </a:bodyPr>
+          <a:lstStyle/>
+          <a:p>
+            <a:r>
+              <a:rPr lang="en-IN" dirty="0"/>
+              <a:t>(Room2)</a:t>
+            </a:r>
+          </a:p>
+        </p:txBody>
+      </p:sp>
+      <p:sp>
+        <p:nvSpPr>
+          <p:cNvPr id="68" name="TextBox 67">
+            <a:extLst>
+              <a:ext uri="{FF2B5EF4-FFF2-40B4-BE49-F238E27FC236}">
+                <a16:creationId xmlns:a16="http://schemas.microsoft.com/office/drawing/2014/main" id="{5FC48972-0882-494F-B04E-807BBED1A642}"/>
+              </a:ext>
+            </a:extLst>
+          </p:cNvPr>
+          <p:cNvSpPr txBox="1"/>
+          <p:nvPr/>
+        </p:nvSpPr>
+        <p:spPr>
+          <a:xfrm>
+            <a:off x="1686998" y="5463468"/>
+            <a:ext cx="467800" cy="369332"/>
+          </a:xfrm>
+          <a:prstGeom prst="rect">
+            <a:avLst/>
+          </a:prstGeom>
+          <a:noFill/>
+        </p:spPr>
+        <p:txBody>
+          <a:bodyPr wrap="square" rtlCol="0">
+            <a:spAutoFit/>
+          </a:bodyPr>
+          <a:lstStyle/>
+          <a:p>
+            <a:r>
+              <a:rPr lang="en-IN" dirty="0"/>
+              <a:t>C1</a:t>
+            </a:r>
+          </a:p>
+        </p:txBody>
+      </p:sp>
+      <p:sp>
+        <p:nvSpPr>
+          <p:cNvPr id="69" name="TextBox 68">
+            <a:extLst>
+              <a:ext uri="{FF2B5EF4-FFF2-40B4-BE49-F238E27FC236}">
+                <a16:creationId xmlns:a16="http://schemas.microsoft.com/office/drawing/2014/main" id="{4E3DB8B3-C3B4-4AEB-BEC7-61697603D8F8}"/>
+              </a:ext>
+            </a:extLst>
+          </p:cNvPr>
+          <p:cNvSpPr txBox="1"/>
+          <p:nvPr/>
+        </p:nvSpPr>
+        <p:spPr>
+          <a:xfrm>
+            <a:off x="3022483" y="5607398"/>
+            <a:ext cx="467800" cy="369332"/>
+          </a:xfrm>
+          <a:prstGeom prst="rect">
+            <a:avLst/>
+          </a:prstGeom>
+          <a:noFill/>
+        </p:spPr>
+        <p:txBody>
+          <a:bodyPr wrap="square" rtlCol="0">
+            <a:spAutoFit/>
+          </a:bodyPr>
+          <a:lstStyle/>
+          <a:p>
+            <a:r>
+              <a:rPr lang="en-IN" dirty="0"/>
+              <a:t>C2</a:t>
+            </a:r>
+          </a:p>
+        </p:txBody>
+      </p:sp>
+      <p:sp>
+        <p:nvSpPr>
+          <p:cNvPr id="70" name="TextBox 69">
+            <a:extLst>
+              <a:ext uri="{FF2B5EF4-FFF2-40B4-BE49-F238E27FC236}">
+                <a16:creationId xmlns:a16="http://schemas.microsoft.com/office/drawing/2014/main" id="{4C6AA278-C576-4E05-943B-9B77E28EDB16}"/>
+              </a:ext>
+            </a:extLst>
+          </p:cNvPr>
+          <p:cNvSpPr txBox="1"/>
+          <p:nvPr/>
+        </p:nvSpPr>
+        <p:spPr>
+          <a:xfrm>
+            <a:off x="3613204" y="5337090"/>
+            <a:ext cx="467800" cy="369332"/>
+          </a:xfrm>
+          <a:prstGeom prst="rect">
+            <a:avLst/>
+          </a:prstGeom>
+          <a:noFill/>
+        </p:spPr>
+        <p:txBody>
+          <a:bodyPr wrap="square" rtlCol="0">
+            <a:spAutoFit/>
+          </a:bodyPr>
+          <a:lstStyle/>
+          <a:p>
+            <a:r>
+              <a:rPr lang="en-IN" dirty="0"/>
+              <a:t>C2</a:t>
+            </a:r>
+          </a:p>
+        </p:txBody>
+      </p:sp>
+      <p:sp>
+        <p:nvSpPr>
+          <p:cNvPr id="71" name="Plus Sign 70">
+            <a:extLst>
+              <a:ext uri="{FF2B5EF4-FFF2-40B4-BE49-F238E27FC236}">
+                <a16:creationId xmlns:a16="http://schemas.microsoft.com/office/drawing/2014/main" id="{1732EF3E-E31E-4632-B61A-A766E2AC78B7}"/>
+              </a:ext>
+            </a:extLst>
+          </p:cNvPr>
+          <p:cNvSpPr/>
+          <p:nvPr/>
+        </p:nvSpPr>
+        <p:spPr>
+          <a:xfrm>
+            <a:off x="1049569" y="4362616"/>
+            <a:ext cx="373708" cy="349857"/>
+          </a:xfrm>
+          <a:prstGeom prst="mathPlus">
+            <a:avLst/>
+          </a:prstGeom>
+          <a:solidFill>
+            <a:schemeClr val="tx1"/>
+          </a:solidFill>
+        </p:spPr>
+        <p:style>
+          <a:lnRef idx="2">
+            <a:schemeClr val="accent1">
+              <a:shade val="50000"/>
+            </a:schemeClr>
+          </a:lnRef>
+          <a:fillRef idx="1">
+            <a:schemeClr val="accent1"/>
+          </a:fillRef>
+          <a:effectRef idx="0">
+            <a:schemeClr val="accent1"/>
+          </a:effectRef>
+          <a:fontRef idx="minor">
+            <a:schemeClr val="lt1"/>
+          </a:fontRef>
+        </p:style>
+        <p:txBody>
+          <a:bodyPr rtlCol="0" anchor="ctr"/>
+          <a:lstStyle/>
+          <a:p>
+            <a:pPr algn="ctr"/>
+            <a:endParaRPr lang="en-IN"/>
+          </a:p>
+        </p:txBody>
+      </p:sp>
+      <p:sp>
+        <p:nvSpPr>
+          <p:cNvPr id="72" name="Plus Sign 71">
+            <a:extLst>
+              <a:ext uri="{FF2B5EF4-FFF2-40B4-BE49-F238E27FC236}">
+                <a16:creationId xmlns:a16="http://schemas.microsoft.com/office/drawing/2014/main" id="{37C7FB07-9400-4BF9-84CC-CD60BCF42E3C}"/>
+              </a:ext>
+            </a:extLst>
+          </p:cNvPr>
+          <p:cNvSpPr/>
+          <p:nvPr/>
+        </p:nvSpPr>
+        <p:spPr>
+          <a:xfrm>
+            <a:off x="2908517" y="4302981"/>
+            <a:ext cx="373708" cy="349857"/>
+          </a:xfrm>
+          <a:prstGeom prst="mathPlus">
+            <a:avLst/>
+          </a:prstGeom>
+          <a:solidFill>
+            <a:schemeClr val="tx1"/>
+          </a:solidFill>
+        </p:spPr>
+        <p:style>
+          <a:lnRef idx="2">
+            <a:schemeClr val="accent1">
+              <a:shade val="50000"/>
+            </a:schemeClr>
+          </a:lnRef>
+          <a:fillRef idx="1">
+            <a:schemeClr val="accent1"/>
+          </a:fillRef>
+          <a:effectRef idx="0">
+            <a:schemeClr val="accent1"/>
+          </a:effectRef>
+          <a:fontRef idx="minor">
+            <a:schemeClr val="lt1"/>
+          </a:fontRef>
+        </p:style>
+        <p:txBody>
+          <a:bodyPr rtlCol="0" anchor="ctr"/>
+          <a:lstStyle/>
+          <a:p>
+            <a:pPr algn="ctr"/>
+            <a:endParaRPr lang="en-IN"/>
+          </a:p>
+        </p:txBody>
+      </p:sp>
+      <p:sp>
+        <p:nvSpPr>
+          <p:cNvPr id="73" name="Plus Sign 72">
+            <a:extLst>
+              <a:ext uri="{FF2B5EF4-FFF2-40B4-BE49-F238E27FC236}">
+                <a16:creationId xmlns:a16="http://schemas.microsoft.com/office/drawing/2014/main" id="{F2C178EE-E9A4-45A0-86E1-39998978BB78}"/>
+              </a:ext>
+            </a:extLst>
+          </p:cNvPr>
+          <p:cNvSpPr/>
+          <p:nvPr/>
+        </p:nvSpPr>
+        <p:spPr>
+          <a:xfrm>
+            <a:off x="5240570" y="4322858"/>
+            <a:ext cx="373708" cy="349857"/>
+          </a:xfrm>
+          <a:prstGeom prst="mathPlus">
+            <a:avLst/>
+          </a:prstGeom>
+          <a:solidFill>
+            <a:schemeClr val="tx1"/>
+          </a:solidFill>
+        </p:spPr>
+        <p:style>
+          <a:lnRef idx="2">
+            <a:schemeClr val="accent1">
+              <a:shade val="50000"/>
+            </a:schemeClr>
+          </a:lnRef>
+          <a:fillRef idx="1">
+            <a:schemeClr val="accent1"/>
+          </a:fillRef>
+          <a:effectRef idx="0">
+            <a:schemeClr val="accent1"/>
+          </a:effectRef>
+          <a:fontRef idx="minor">
+            <a:schemeClr val="lt1"/>
+          </a:fontRef>
+        </p:style>
+        <p:txBody>
+          <a:bodyPr rtlCol="0" anchor="ctr"/>
+          <a:lstStyle/>
+          <a:p>
+            <a:pPr algn="ctr"/>
+            <a:endParaRPr lang="en-IN"/>
+          </a:p>
+        </p:txBody>
+      </p:sp>
+      <p:sp>
+        <p:nvSpPr>
+          <p:cNvPr id="74" name="Plus Sign 73">
+            <a:extLst>
+              <a:ext uri="{FF2B5EF4-FFF2-40B4-BE49-F238E27FC236}">
+                <a16:creationId xmlns:a16="http://schemas.microsoft.com/office/drawing/2014/main" id="{98476FBA-1E91-43BE-BCBA-62C7A68F1CA0}"/>
+              </a:ext>
+            </a:extLst>
+          </p:cNvPr>
+          <p:cNvSpPr/>
+          <p:nvPr/>
+        </p:nvSpPr>
+        <p:spPr>
+          <a:xfrm>
+            <a:off x="3517794" y="6012511"/>
+            <a:ext cx="373708" cy="349857"/>
+          </a:xfrm>
+          <a:prstGeom prst="mathPlus">
+            <a:avLst/>
+          </a:prstGeom>
+          <a:solidFill>
+            <a:schemeClr val="tx1"/>
+          </a:solidFill>
+        </p:spPr>
+        <p:style>
+          <a:lnRef idx="2">
+            <a:schemeClr val="accent1">
+              <a:shade val="50000"/>
+            </a:schemeClr>
+          </a:lnRef>
+          <a:fillRef idx="1">
+            <a:schemeClr val="accent1"/>
+          </a:fillRef>
+          <a:effectRef idx="0">
+            <a:schemeClr val="accent1"/>
+          </a:effectRef>
+          <a:fontRef idx="minor">
+            <a:schemeClr val="lt1"/>
+          </a:fontRef>
+        </p:style>
+        <p:txBody>
+          <a:bodyPr rtlCol="0" anchor="ctr"/>
+          <a:lstStyle/>
+          <a:p>
+            <a:pPr algn="ctr"/>
+            <a:endParaRPr lang="en-IN"/>
+          </a:p>
+        </p:txBody>
+      </p:sp>
+      <p:sp>
+        <p:nvSpPr>
+          <p:cNvPr id="75" name="Plus Sign 74">
+            <a:extLst>
+              <a:ext uri="{FF2B5EF4-FFF2-40B4-BE49-F238E27FC236}">
+                <a16:creationId xmlns:a16="http://schemas.microsoft.com/office/drawing/2014/main" id="{0F67C3B1-5A62-4E06-8DCA-BD8E0C0DF279}"/>
+              </a:ext>
+            </a:extLst>
+          </p:cNvPr>
+          <p:cNvSpPr/>
+          <p:nvPr/>
+        </p:nvSpPr>
+        <p:spPr>
+          <a:xfrm>
+            <a:off x="1029032" y="5976730"/>
+            <a:ext cx="373708" cy="349857"/>
+          </a:xfrm>
+          <a:prstGeom prst="mathPlus">
+            <a:avLst/>
+          </a:prstGeom>
+          <a:solidFill>
+            <a:schemeClr val="tx1"/>
+          </a:solidFill>
+        </p:spPr>
+        <p:style>
+          <a:lnRef idx="2">
+            <a:schemeClr val="accent1">
+              <a:shade val="50000"/>
+            </a:schemeClr>
+          </a:lnRef>
+          <a:fillRef idx="1">
+            <a:schemeClr val="accent1"/>
+          </a:fillRef>
+          <a:effectRef idx="0">
+            <a:schemeClr val="accent1"/>
+          </a:effectRef>
+          <a:fontRef idx="minor">
+            <a:schemeClr val="lt1"/>
+          </a:fontRef>
+        </p:style>
+        <p:txBody>
+          <a:bodyPr rtlCol="0" anchor="ctr"/>
+          <a:lstStyle/>
+          <a:p>
+            <a:pPr algn="ctr"/>
+            <a:endParaRPr lang="en-IN"/>
+          </a:p>
+        </p:txBody>
+      </p:sp>
+      <p:sp>
+        <p:nvSpPr>
+          <p:cNvPr id="76" name="Plus Sign 75">
+            <a:extLst>
+              <a:ext uri="{FF2B5EF4-FFF2-40B4-BE49-F238E27FC236}">
+                <a16:creationId xmlns:a16="http://schemas.microsoft.com/office/drawing/2014/main" id="{B000CD2A-63BC-4CF9-B783-518CEE43E648}"/>
+              </a:ext>
+            </a:extLst>
+          </p:cNvPr>
+          <p:cNvSpPr/>
+          <p:nvPr/>
+        </p:nvSpPr>
+        <p:spPr>
+          <a:xfrm>
+            <a:off x="5288281" y="5960828"/>
+            <a:ext cx="373708" cy="349857"/>
+          </a:xfrm>
+          <a:prstGeom prst="mathPlus">
+            <a:avLst/>
+          </a:prstGeom>
+          <a:solidFill>
+            <a:schemeClr val="tx1"/>
+          </a:solidFill>
+        </p:spPr>
+        <p:style>
+          <a:lnRef idx="2">
+            <a:schemeClr val="accent1">
+              <a:shade val="50000"/>
+            </a:schemeClr>
+          </a:lnRef>
+          <a:fillRef idx="1">
+            <a:schemeClr val="accent1"/>
+          </a:fillRef>
+          <a:effectRef idx="0">
+            <a:schemeClr val="accent1"/>
+          </a:effectRef>
+          <a:fontRef idx="minor">
+            <a:schemeClr val="lt1"/>
+          </a:fontRef>
+        </p:style>
+        <p:txBody>
+          <a:bodyPr rtlCol="0" anchor="ctr"/>
+          <a:lstStyle/>
+          <a:p>
+            <a:pPr algn="ctr"/>
+            <a:endParaRPr lang="en-IN"/>
+          </a:p>
+        </p:txBody>
+      </p:sp>
+      <p:cxnSp>
+        <p:nvCxnSpPr>
+          <p:cNvPr id="77" name="Straight Connector 76">
+            <a:extLst>
+              <a:ext uri="{FF2B5EF4-FFF2-40B4-BE49-F238E27FC236}">
+                <a16:creationId xmlns:a16="http://schemas.microsoft.com/office/drawing/2014/main" id="{C173548F-DA6E-4D7B-90AD-379358E44596}"/>
+              </a:ext>
+            </a:extLst>
+          </p:cNvPr>
+          <p:cNvCxnSpPr>
+            <a:cxnSpLocks/>
+          </p:cNvCxnSpPr>
+          <p:nvPr/>
+        </p:nvCxnSpPr>
+        <p:spPr>
+          <a:xfrm>
+            <a:off x="3193449" y="4855016"/>
+            <a:ext cx="189168" cy="431276"/>
+          </a:xfrm>
+          <a:prstGeom prst="line">
+            <a:avLst/>
+          </a:prstGeom>
+        </p:spPr>
+        <p:style>
+          <a:lnRef idx="1">
+            <a:schemeClr val="dk1"/>
+          </a:lnRef>
+          <a:fillRef idx="0">
+            <a:schemeClr val="dk1"/>
+          </a:fillRef>
+          <a:effectRef idx="0">
+            <a:schemeClr val="dk1"/>
+          </a:effectRef>
+          <a:fontRef idx="minor">
+            <a:schemeClr val="tx1"/>
+          </a:fontRef>
+        </p:style>
+      </p:cxnSp>
+      <p:cxnSp>
+        <p:nvCxnSpPr>
+          <p:cNvPr id="78" name="Straight Connector 77">
+            <a:extLst>
+              <a:ext uri="{FF2B5EF4-FFF2-40B4-BE49-F238E27FC236}">
+                <a16:creationId xmlns:a16="http://schemas.microsoft.com/office/drawing/2014/main" id="{3CF7D172-75E3-44DF-B757-F6D88B621FE1}"/>
+              </a:ext>
+            </a:extLst>
+          </p:cNvPr>
+          <p:cNvCxnSpPr>
+            <a:cxnSpLocks/>
+          </p:cNvCxnSpPr>
+          <p:nvPr/>
+        </p:nvCxnSpPr>
+        <p:spPr>
+          <a:xfrm>
+            <a:off x="1185738" y="4982486"/>
+            <a:ext cx="0" cy="607612"/>
+          </a:xfrm>
+          <a:prstGeom prst="line">
+            <a:avLst/>
+          </a:prstGeom>
+        </p:spPr>
+        <p:style>
+          <a:lnRef idx="1">
+            <a:schemeClr val="dk1"/>
+          </a:lnRef>
+          <a:fillRef idx="0">
+            <a:schemeClr val="dk1"/>
+          </a:fillRef>
+          <a:effectRef idx="0">
+            <a:schemeClr val="dk1"/>
+          </a:effectRef>
+          <a:fontRef idx="minor">
+            <a:schemeClr val="tx1"/>
+          </a:fontRef>
+        </p:style>
+      </p:cxnSp>
+      <p:cxnSp>
+        <p:nvCxnSpPr>
+          <p:cNvPr id="79" name="Straight Connector 78">
+            <a:extLst>
+              <a:ext uri="{FF2B5EF4-FFF2-40B4-BE49-F238E27FC236}">
+                <a16:creationId xmlns:a16="http://schemas.microsoft.com/office/drawing/2014/main" id="{42A91A3A-B918-45CB-A5CE-51ADA5087176}"/>
+              </a:ext>
+            </a:extLst>
+          </p:cNvPr>
+          <p:cNvCxnSpPr>
+            <a:cxnSpLocks/>
+          </p:cNvCxnSpPr>
+          <p:nvPr/>
+        </p:nvCxnSpPr>
+        <p:spPr>
+          <a:xfrm>
+            <a:off x="5475135" y="5020240"/>
+            <a:ext cx="0" cy="607612"/>
+          </a:xfrm>
+          <a:prstGeom prst="line">
+            <a:avLst/>
+          </a:prstGeom>
+        </p:spPr>
+        <p:style>
+          <a:lnRef idx="1">
+            <a:schemeClr val="dk1"/>
+          </a:lnRef>
+          <a:fillRef idx="0">
+            <a:schemeClr val="dk1"/>
+          </a:fillRef>
+          <a:effectRef idx="0">
+            <a:schemeClr val="dk1"/>
+          </a:effectRef>
+          <a:fontRef idx="minor">
+            <a:schemeClr val="tx1"/>
+          </a:fontRef>
+        </p:style>
+      </p:cxnSp>
+      <p:cxnSp>
+        <p:nvCxnSpPr>
+          <p:cNvPr id="80" name="Straight Connector 79">
+            <a:extLst>
+              <a:ext uri="{FF2B5EF4-FFF2-40B4-BE49-F238E27FC236}">
+                <a16:creationId xmlns:a16="http://schemas.microsoft.com/office/drawing/2014/main" id="{EA9625A7-22BB-4CB7-9CF9-A4A71EC30E26}"/>
+              </a:ext>
+            </a:extLst>
+          </p:cNvPr>
+          <p:cNvCxnSpPr>
+            <a:cxnSpLocks/>
+          </p:cNvCxnSpPr>
+          <p:nvPr/>
+        </p:nvCxnSpPr>
+        <p:spPr>
+          <a:xfrm flipH="1">
+            <a:off x="4314904" y="4532904"/>
+            <a:ext cx="563882" cy="0"/>
+          </a:xfrm>
+          <a:prstGeom prst="line">
+            <a:avLst/>
+          </a:prstGeom>
+        </p:spPr>
+        <p:style>
+          <a:lnRef idx="1">
+            <a:schemeClr val="dk1"/>
+          </a:lnRef>
+          <a:fillRef idx="0">
+            <a:schemeClr val="dk1"/>
+          </a:fillRef>
+          <a:effectRef idx="0">
+            <a:schemeClr val="dk1"/>
+          </a:effectRef>
+          <a:fontRef idx="minor">
+            <a:schemeClr val="tx1"/>
+          </a:fontRef>
+        </p:style>
+      </p:cxnSp>
+      <p:cxnSp>
+        <p:nvCxnSpPr>
+          <p:cNvPr id="81" name="Straight Connector 80">
+            <a:extLst>
+              <a:ext uri="{FF2B5EF4-FFF2-40B4-BE49-F238E27FC236}">
+                <a16:creationId xmlns:a16="http://schemas.microsoft.com/office/drawing/2014/main" id="{B1622CB6-47F7-4636-9760-A0BC0C518CD2}"/>
+              </a:ext>
+            </a:extLst>
+          </p:cNvPr>
+          <p:cNvCxnSpPr>
+            <a:cxnSpLocks/>
+          </p:cNvCxnSpPr>
+          <p:nvPr/>
+        </p:nvCxnSpPr>
+        <p:spPr>
+          <a:xfrm flipH="1">
+            <a:off x="2097815" y="4537540"/>
+            <a:ext cx="563882" cy="0"/>
+          </a:xfrm>
+          <a:prstGeom prst="line">
+            <a:avLst/>
+          </a:prstGeom>
+        </p:spPr>
+        <p:style>
+          <a:lnRef idx="1">
+            <a:schemeClr val="dk1"/>
+          </a:lnRef>
+          <a:fillRef idx="0">
+            <a:schemeClr val="dk1"/>
+          </a:fillRef>
+          <a:effectRef idx="0">
+            <a:schemeClr val="dk1"/>
+          </a:effectRef>
+          <a:fontRef idx="minor">
+            <a:schemeClr val="tx1"/>
+          </a:fontRef>
+        </p:style>
+      </p:cxnSp>
+      <p:cxnSp>
+        <p:nvCxnSpPr>
+          <p:cNvPr id="82" name="Straight Connector 81">
+            <a:extLst>
+              <a:ext uri="{FF2B5EF4-FFF2-40B4-BE49-F238E27FC236}">
+                <a16:creationId xmlns:a16="http://schemas.microsoft.com/office/drawing/2014/main" id="{3A709BDF-6534-446C-B1B0-3405544A41E1}"/>
+              </a:ext>
+            </a:extLst>
+          </p:cNvPr>
+          <p:cNvCxnSpPr>
+            <a:cxnSpLocks/>
+          </p:cNvCxnSpPr>
+          <p:nvPr/>
+        </p:nvCxnSpPr>
+        <p:spPr>
+          <a:xfrm flipH="1">
+            <a:off x="1872857" y="6137076"/>
+            <a:ext cx="563882" cy="0"/>
+          </a:xfrm>
+          <a:prstGeom prst="line">
+            <a:avLst/>
+          </a:prstGeom>
+        </p:spPr>
+        <p:style>
+          <a:lnRef idx="1">
+            <a:schemeClr val="dk1"/>
+          </a:lnRef>
+          <a:fillRef idx="0">
+            <a:schemeClr val="dk1"/>
+          </a:fillRef>
+          <a:effectRef idx="0">
+            <a:schemeClr val="dk1"/>
+          </a:effectRef>
+          <a:fontRef idx="minor">
+            <a:schemeClr val="tx1"/>
+          </a:fontRef>
+        </p:style>
+      </p:cxnSp>
+      <p:cxnSp>
+        <p:nvCxnSpPr>
+          <p:cNvPr id="83" name="Straight Connector 82">
+            <a:extLst>
+              <a:ext uri="{FF2B5EF4-FFF2-40B4-BE49-F238E27FC236}">
+                <a16:creationId xmlns:a16="http://schemas.microsoft.com/office/drawing/2014/main" id="{2B3E2BB7-3EE3-4B78-8C0D-3159822F606E}"/>
+              </a:ext>
+            </a:extLst>
+          </p:cNvPr>
+          <p:cNvCxnSpPr>
+            <a:cxnSpLocks/>
+          </p:cNvCxnSpPr>
+          <p:nvPr/>
+        </p:nvCxnSpPr>
+        <p:spPr>
+          <a:xfrm flipH="1">
+            <a:off x="4081004" y="6151658"/>
+            <a:ext cx="563882" cy="0"/>
+          </a:xfrm>
+          <a:prstGeom prst="line">
+            <a:avLst/>
+          </a:prstGeom>
+        </p:spPr>
+        <p:style>
+          <a:lnRef idx="1">
+            <a:schemeClr val="dk1"/>
+          </a:lnRef>
+          <a:fillRef idx="0">
+            <a:schemeClr val="dk1"/>
+          </a:fillRef>
+          <a:effectRef idx="0">
+            <a:schemeClr val="dk1"/>
+          </a:effectRef>
+          <a:fontRef idx="minor">
+            <a:schemeClr val="tx1"/>
+          </a:fontRef>
+        </p:style>
+      </p:cxnSp>
+      <p:cxnSp>
+        <p:nvCxnSpPr>
+          <p:cNvPr id="84" name="Straight Connector 83">
+            <a:extLst>
+              <a:ext uri="{FF2B5EF4-FFF2-40B4-BE49-F238E27FC236}">
+                <a16:creationId xmlns:a16="http://schemas.microsoft.com/office/drawing/2014/main" id="{EBBE0B6D-ACDC-4A98-98B1-10608B321496}"/>
+              </a:ext>
+            </a:extLst>
+          </p:cNvPr>
+          <p:cNvCxnSpPr>
+            <a:cxnSpLocks/>
+          </p:cNvCxnSpPr>
+          <p:nvPr/>
+        </p:nvCxnSpPr>
+        <p:spPr>
+          <a:xfrm>
+            <a:off x="3449223" y="5457037"/>
+            <a:ext cx="189168" cy="431276"/>
+          </a:xfrm>
+          <a:prstGeom prst="line">
+            <a:avLst/>
+          </a:prstGeom>
+        </p:spPr>
+        <p:style>
+          <a:lnRef idx="1">
+            <a:schemeClr val="dk1"/>
+          </a:lnRef>
+          <a:fillRef idx="0">
+            <a:schemeClr val="dk1"/>
+          </a:fillRef>
+          <a:effectRef idx="0">
+            <a:schemeClr val="dk1"/>
+          </a:effectRef>
+          <a:fontRef idx="minor">
+            <a:schemeClr val="tx1"/>
+          </a:fontRef>
+        </p:style>
+      </p:cxnSp>
+      <p:sp>
+        <p:nvSpPr>
+          <p:cNvPr id="85" name="TextBox 84">
+            <a:extLst>
+              <a:ext uri="{FF2B5EF4-FFF2-40B4-BE49-F238E27FC236}">
+                <a16:creationId xmlns:a16="http://schemas.microsoft.com/office/drawing/2014/main" id="{0745DBEF-8187-49F4-836B-0A13FEEB83A3}"/>
+              </a:ext>
+            </a:extLst>
+          </p:cNvPr>
+          <p:cNvSpPr txBox="1"/>
+          <p:nvPr/>
+        </p:nvSpPr>
+        <p:spPr>
+          <a:xfrm rot="18860028">
+            <a:off x="1895090" y="5243280"/>
+            <a:ext cx="1327484" cy="369332"/>
+          </a:xfrm>
+          <a:prstGeom prst="rect">
+            <a:avLst/>
+          </a:prstGeom>
+          <a:noFill/>
+        </p:spPr>
+        <p:txBody>
+          <a:bodyPr wrap="square" rtlCol="0">
+            <a:spAutoFit/>
+          </a:bodyPr>
+          <a:lstStyle/>
+          <a:p>
+            <a:r>
+              <a:rPr lang="en-IN" b="1" dirty="0">
+                <a:latin typeface="Amasis MT Pro Black" panose="020B0604020202020204" pitchFamily="18" charset="0"/>
+              </a:rPr>
+              <a:t>VISITED</a:t>
+            </a:r>
+          </a:p>
+        </p:txBody>
+      </p:sp>
+      <p:sp>
+        <p:nvSpPr>
+          <p:cNvPr id="86" name="Callout: Right Arrow 85">
+            <a:extLst>
+              <a:ext uri="{FF2B5EF4-FFF2-40B4-BE49-F238E27FC236}">
+                <a16:creationId xmlns:a16="http://schemas.microsoft.com/office/drawing/2014/main" id="{F9B77974-CE97-4640-ACE7-89185D910872}"/>
+              </a:ext>
+            </a:extLst>
+          </p:cNvPr>
+          <p:cNvSpPr/>
+          <p:nvPr/>
+        </p:nvSpPr>
+        <p:spPr>
+          <a:xfrm rot="5400000">
+            <a:off x="2951914" y="3816175"/>
+            <a:ext cx="737848" cy="559243"/>
+          </a:xfrm>
+          <a:prstGeom prst="rightArrowCallout">
+            <a:avLst>
+              <a:gd name="adj1" fmla="val 25000"/>
+              <a:gd name="adj2" fmla="val 27844"/>
+              <a:gd name="adj3" fmla="val 25000"/>
+              <a:gd name="adj4" fmla="val 64977"/>
+            </a:avLst>
+          </a:prstGeom>
+        </p:spPr>
+        <p:style>
+          <a:lnRef idx="2">
+            <a:schemeClr val="accent1">
+              <a:shade val="50000"/>
+            </a:schemeClr>
+          </a:lnRef>
+          <a:fillRef idx="1">
+            <a:schemeClr val="accent1"/>
+          </a:fillRef>
+          <a:effectRef idx="0">
+            <a:schemeClr val="accent1"/>
+          </a:effectRef>
+          <a:fontRef idx="minor">
+            <a:schemeClr val="lt1"/>
+          </a:fontRef>
+        </p:style>
+        <p:txBody>
+          <a:bodyPr rtlCol="0" anchor="ctr"/>
+          <a:lstStyle/>
+          <a:p>
+            <a:pPr algn="ctr"/>
+            <a:r>
+              <a:rPr lang="en-IN" sz="800" dirty="0"/>
+              <a:t>Enter for search</a:t>
+            </a:r>
+          </a:p>
+        </p:txBody>
+      </p:sp>
+      <p:sp>
+        <p:nvSpPr>
+          <p:cNvPr id="88" name="TextBox 87">
+            <a:extLst>
+              <a:ext uri="{FF2B5EF4-FFF2-40B4-BE49-F238E27FC236}">
+                <a16:creationId xmlns:a16="http://schemas.microsoft.com/office/drawing/2014/main" id="{9D2B719F-9961-4DC0-9CE8-881CC010E4FB}"/>
+              </a:ext>
+            </a:extLst>
+          </p:cNvPr>
+          <p:cNvSpPr txBox="1"/>
+          <p:nvPr/>
+        </p:nvSpPr>
+        <p:spPr>
+          <a:xfrm>
+            <a:off x="6600249" y="2476704"/>
+            <a:ext cx="4882101" cy="2862322"/>
+          </a:xfrm>
+          <a:prstGeom prst="rect">
+            <a:avLst/>
+          </a:prstGeom>
+          <a:noFill/>
+          <a:ln>
+            <a:solidFill>
+              <a:schemeClr val="tx1"/>
+            </a:solidFill>
+          </a:ln>
+        </p:spPr>
+        <p:txBody>
+          <a:bodyPr wrap="square" rtlCol="0">
+            <a:spAutoFit/>
+          </a:bodyPr>
+          <a:lstStyle/>
+          <a:p>
+            <a:pPr marL="342900" indent="-342900">
+              <a:buAutoNum type="arabicPeriod"/>
+            </a:pPr>
+            <a:r>
+              <a:rPr lang="en-IN" dirty="0"/>
+              <a:t>Search must avoid Separators</a:t>
+            </a:r>
+            <a:br>
+              <a:rPr lang="en-IN" dirty="0"/>
+            </a:br>
+            <a:endParaRPr lang="en-IN" dirty="0"/>
+          </a:p>
+          <a:p>
+            <a:pPr marL="342900" indent="-342900">
+              <a:buAutoNum type="arabicPeriod"/>
+            </a:pPr>
+            <a:r>
+              <a:rPr lang="en-IN" dirty="0"/>
+              <a:t>Search will recognise boundary</a:t>
+            </a:r>
+            <a:br>
+              <a:rPr lang="en-IN" dirty="0"/>
+            </a:br>
+            <a:endParaRPr lang="en-IN" dirty="0"/>
+          </a:p>
+          <a:p>
+            <a:pPr marL="342900" indent="-342900">
+              <a:buAutoNum type="arabicPeriod"/>
+            </a:pPr>
+            <a:r>
+              <a:rPr lang="en-IN" dirty="0"/>
+              <a:t>Search must avoid going to another room while getting name of current room and chairs in the current room</a:t>
+            </a:r>
+            <a:br>
+              <a:rPr lang="en-IN" dirty="0"/>
+            </a:br>
+            <a:endParaRPr lang="en-IN" dirty="0"/>
+          </a:p>
+          <a:p>
+            <a:pPr marL="342900" indent="-342900">
+              <a:buAutoNum type="arabicPeriod"/>
+            </a:pPr>
+            <a:r>
+              <a:rPr lang="en-IN" dirty="0"/>
+              <a:t> “\” is an escape hence skipping escape is to be accounted</a:t>
+            </a:r>
+          </a:p>
+        </p:txBody>
+      </p:sp>
+    </p:spTree>
+    <p:extLst>
+      <p:ext uri="{BB962C8B-B14F-4D97-AF65-F5344CB8AC3E}">
+        <p14:creationId xmlns:p14="http://schemas.microsoft.com/office/powerpoint/2010/main" val="1732228547"/>
+      </p:ext>
+    </p:extLst>
+  </p:cSld>
+  <p:clrMapOvr>
+    <a:masterClrMapping/>
+  </p:clrMapOvr>
+</p:sld>
+</file>
+
+<file path=ppt/slides/slide7.xml><?xml version="1.0" encoding="utf-8"?>
+<p:sld xmlns:a="http://schemas.openxmlformats.org/drawingml/2006/main" xmlns:r="http://schemas.openxmlformats.org/officeDocument/2006/relationships" xmlns:p="http://schemas.openxmlformats.org/presentationml/2006/main">
+  <p:cSld>
+    <p:spTree>
+      <p:nvGrpSpPr>
+        <p:cNvPr id="1" name=""/>
+        <p:cNvGrpSpPr/>
+        <p:nvPr/>
+      </p:nvGrpSpPr>
+      <p:grpSpPr>
+        <a:xfrm>
+          <a:off x="0" y="0"/>
+          <a:ext cx="0" cy="0"/>
+          <a:chOff x="0" y="0"/>
+          <a:chExt cx="0" cy="0"/>
+        </a:xfrm>
+      </p:grpSpPr>
+      <p:sp>
+        <p:nvSpPr>
+          <p:cNvPr id="2" name="Title 1">
+            <a:extLst>
+              <a:ext uri="{FF2B5EF4-FFF2-40B4-BE49-F238E27FC236}">
+                <a16:creationId xmlns:a16="http://schemas.microsoft.com/office/drawing/2014/main" id="{FA575D78-9EDA-412D-9F8D-0A870FB31031}"/>
+              </a:ext>
+            </a:extLst>
+          </p:cNvPr>
+          <p:cNvSpPr>
+            <a:spLocks noGrp="1"/>
+          </p:cNvSpPr>
+          <p:nvPr>
+            <p:ph type="title"/>
+          </p:nvPr>
+        </p:nvSpPr>
+        <p:spPr/>
+        <p:txBody>
+          <a:bodyPr/>
+          <a:lstStyle/>
+          <a:p>
+            <a:r>
+              <a:rPr lang="en-IN" dirty="0"/>
+              <a:t>Algorithm : Breadth First Search (</a:t>
+            </a:r>
+            <a:r>
+              <a:rPr lang="en-IN" dirty="0" err="1"/>
+              <a:t>bfs</a:t>
+            </a:r>
+            <a:r>
+              <a:rPr lang="en-IN" dirty="0"/>
+              <a:t>)</a:t>
             </a:r>
           </a:p>
         </p:txBody>
@@ -15308,7 +18271,7 @@
         </p:nvSpPr>
         <p:spPr>
           <a:xfrm>
-            <a:off x="5168347" y="3429000"/>
+            <a:off x="2877282" y="3436951"/>
             <a:ext cx="1137037" cy="866693"/>
           </a:xfrm>
           <a:prstGeom prst="ellipse">
@@ -15365,7 +18328,7 @@
         </p:nvSpPr>
         <p:spPr>
           <a:xfrm>
-            <a:off x="5263763" y="2027583"/>
+            <a:off x="2972698" y="2035534"/>
             <a:ext cx="946206" cy="596347"/>
           </a:xfrm>
           <a:prstGeom prst="rect">
@@ -15397,6 +18360,9 @@
               <a:rPr lang="en-IN" sz="1200" dirty="0"/>
               <a:t>Neighbour 2 </a:t>
             </a:r>
+            <a:br>
+              <a:rPr lang="en-IN" sz="1200" dirty="0"/>
+            </a:br>
             <a:r>
               <a:rPr lang="en-IN" sz="1200" dirty="0" err="1"/>
               <a:t>i</a:t>
@@ -15425,7 +18391,7 @@
         </p:nvCxnSpPr>
         <p:spPr>
           <a:xfrm flipV="1">
-            <a:off x="5736866" y="2623930"/>
+            <a:off x="3445801" y="2631881"/>
             <a:ext cx="0" cy="805070"/>
           </a:xfrm>
           <a:prstGeom prst="straightConnector1">
@@ -15464,7 +18430,7 @@
         </p:nvSpPr>
         <p:spPr>
           <a:xfrm>
-            <a:off x="3388581" y="2027582"/>
+            <a:off x="1097516" y="2035533"/>
             <a:ext cx="946206" cy="596347"/>
           </a:xfrm>
           <a:prstGeom prst="rect">
@@ -15496,6 +18462,9 @@
               <a:rPr lang="en-IN" sz="1200" dirty="0"/>
               <a:t>Neighbour 1 </a:t>
             </a:r>
+            <a:br>
+              <a:rPr lang="en-IN" sz="1200" dirty="0"/>
+            </a:br>
             <a:r>
               <a:rPr lang="en-IN" sz="1200" dirty="0" err="1"/>
               <a:t>i</a:t>
@@ -15525,7 +18494,7 @@
         </p:nvCxnSpPr>
         <p:spPr>
           <a:xfrm flipH="1" flipV="1">
-            <a:off x="4334787" y="2325756"/>
+            <a:off x="2043722" y="2333707"/>
             <a:ext cx="1000075" cy="1230168"/>
           </a:xfrm>
           <a:prstGeom prst="straightConnector1">
@@ -15564,7 +18533,7 @@
         </p:nvSpPr>
         <p:spPr>
           <a:xfrm>
-            <a:off x="7111115" y="2003728"/>
+            <a:off x="4820050" y="2035533"/>
             <a:ext cx="946206" cy="596347"/>
           </a:xfrm>
           <a:prstGeom prst="rect">
@@ -15594,8 +18563,11 @@
             <a:pPr algn="ctr"/>
             <a:r>
               <a:rPr lang="en-IN" sz="1200" dirty="0"/>
-              <a:t>Neighbour 3 </a:t>
+              <a:t>Neighbour 3</a:t>
             </a:r>
+            <a:br>
+              <a:rPr lang="en-IN" sz="1200" dirty="0"/>
+            </a:br>
             <a:r>
               <a:rPr lang="en-IN" sz="1200" dirty="0" err="1"/>
               <a:t>i</a:t>
@@ -15625,8 +18597,8 @@
         </p:nvCxnSpPr>
         <p:spPr>
           <a:xfrm flipV="1">
-            <a:off x="6138869" y="2301902"/>
-            <a:ext cx="972246" cy="1254022"/>
+            <a:off x="3847804" y="2333707"/>
+            <a:ext cx="972246" cy="1230168"/>
           </a:xfrm>
           <a:prstGeom prst="straightConnector1">
             <a:avLst/>
@@ -15664,7 +18636,7 @@
         </p:nvSpPr>
         <p:spPr>
           <a:xfrm>
-            <a:off x="7111115" y="3564172"/>
+            <a:off x="4820050" y="3572123"/>
             <a:ext cx="946206" cy="596347"/>
           </a:xfrm>
           <a:prstGeom prst="rect">
@@ -15696,6 +18668,9 @@
               <a:rPr lang="en-IN" sz="1200" dirty="0"/>
               <a:t>Neighbour 4 </a:t>
             </a:r>
+            <a:br>
+              <a:rPr lang="en-IN" sz="1200" dirty="0"/>
+            </a:br>
             <a:r>
               <a:rPr lang="en-IN" sz="1200" dirty="0" err="1"/>
               <a:t>i</a:t>
@@ -15725,7 +18700,7 @@
         </p:nvCxnSpPr>
         <p:spPr>
           <a:xfrm flipV="1">
-            <a:off x="6305384" y="3862346"/>
+            <a:off x="4014319" y="3870297"/>
             <a:ext cx="805731" cy="1"/>
           </a:xfrm>
           <a:prstGeom prst="straightConnector1">
@@ -15764,7 +18739,7 @@
         </p:nvSpPr>
         <p:spPr>
           <a:xfrm>
-            <a:off x="7097862" y="4826442"/>
+            <a:off x="4820050" y="4830418"/>
             <a:ext cx="946206" cy="596347"/>
           </a:xfrm>
           <a:prstGeom prst="rect">
@@ -15796,6 +18771,9 @@
               <a:rPr lang="en-IN" sz="1200" dirty="0"/>
               <a:t>Neighbour 5 </a:t>
             </a:r>
+            <a:br>
+              <a:rPr lang="en-IN" sz="1200" dirty="0"/>
+            </a:br>
             <a:r>
               <a:rPr lang="en-IN" sz="1200" dirty="0" err="1"/>
               <a:t>i</a:t>
@@ -15825,8 +18803,8 @@
         </p:nvCxnSpPr>
         <p:spPr>
           <a:xfrm>
-            <a:off x="6138869" y="4168769"/>
-            <a:ext cx="958993" cy="955847"/>
+            <a:off x="3847804" y="4176720"/>
+            <a:ext cx="972246" cy="951872"/>
           </a:xfrm>
           <a:prstGeom prst="straightConnector1">
             <a:avLst/>
@@ -15864,7 +18842,7 @@
         </p:nvSpPr>
         <p:spPr>
           <a:xfrm>
-            <a:off x="5263762" y="4826441"/>
+            <a:off x="2972697" y="4834392"/>
             <a:ext cx="946206" cy="596347"/>
           </a:xfrm>
           <a:prstGeom prst="rect">
@@ -15894,7 +18872,14 @@
             <a:pPr algn="ctr"/>
             <a:r>
               <a:rPr lang="en-IN" sz="1200" dirty="0"/>
-              <a:t>Neighbour 6 </a:t>
+              <a:t>Neighbour 6</a:t>
+            </a:r>
+            <a:br>
+              <a:rPr lang="en-IN" sz="1200" dirty="0"/>
+            </a:br>
+            <a:r>
+              <a:rPr lang="en-IN" sz="1200" dirty="0"/>
+              <a:t> </a:t>
             </a:r>
             <a:r>
               <a:rPr lang="en-IN" sz="1200" dirty="0" err="1"/>
@@ -15925,7 +18910,7 @@
         </p:nvCxnSpPr>
         <p:spPr>
           <a:xfrm flipH="1">
-            <a:off x="5736865" y="4295693"/>
+            <a:off x="3445800" y="4303644"/>
             <a:ext cx="1" cy="530748"/>
           </a:xfrm>
           <a:prstGeom prst="straightConnector1">
@@ -15964,7 +18949,7 @@
         </p:nvSpPr>
         <p:spPr>
           <a:xfrm>
-            <a:off x="3388345" y="4822467"/>
+            <a:off x="1097280" y="4830418"/>
             <a:ext cx="946206" cy="596347"/>
           </a:xfrm>
           <a:prstGeom prst="rect">
@@ -15994,8 +18979,11 @@
             <a:pPr algn="ctr"/>
             <a:r>
               <a:rPr lang="en-IN" sz="1200" dirty="0"/>
-              <a:t>Neighbour 7 </a:t>
+              <a:t>Neighbour 7</a:t>
             </a:r>
+            <a:br>
+              <a:rPr lang="en-IN" sz="1200" dirty="0"/>
+            </a:br>
             <a:r>
               <a:rPr lang="en-IN" sz="1200" dirty="0" err="1"/>
               <a:t>i</a:t>
@@ -16025,7 +19013,7 @@
         </p:nvCxnSpPr>
         <p:spPr>
           <a:xfrm flipH="1">
-            <a:off x="4334551" y="4168769"/>
+            <a:off x="2043486" y="4176720"/>
             <a:ext cx="1000311" cy="951872"/>
           </a:xfrm>
           <a:prstGeom prst="straightConnector1">
@@ -16064,7 +19052,7 @@
         </p:nvSpPr>
         <p:spPr>
           <a:xfrm>
-            <a:off x="3388345" y="3558209"/>
+            <a:off x="1097280" y="3566160"/>
             <a:ext cx="946206" cy="596347"/>
           </a:xfrm>
           <a:prstGeom prst="rect">
@@ -16096,6 +19084,9 @@
               <a:rPr lang="en-IN" sz="1200" dirty="0"/>
               <a:t>Neighbour 8 </a:t>
             </a:r>
+            <a:br>
+              <a:rPr lang="en-IN" sz="1200" dirty="0"/>
+            </a:br>
             <a:r>
               <a:rPr lang="en-IN" sz="1200" dirty="0" err="1"/>
               <a:t>i</a:t>
@@ -16125,7 +19116,7 @@
         </p:nvCxnSpPr>
         <p:spPr>
           <a:xfrm flipH="1" flipV="1">
-            <a:off x="4334551" y="3856383"/>
+            <a:off x="2043486" y="3864334"/>
             <a:ext cx="833796" cy="5964"/>
           </a:xfrm>
           <a:prstGeom prst="straightConnector1">
@@ -16150,99 +19141,12 @@
           </a:fontRef>
         </p:style>
       </p:cxnSp>
-    </p:spTree>
-    <p:extLst>
-      <p:ext uri="{BB962C8B-B14F-4D97-AF65-F5344CB8AC3E}">
-        <p14:creationId xmlns:p14="http://schemas.microsoft.com/office/powerpoint/2010/main" val="3922567028"/>
-      </p:ext>
-    </p:extLst>
-  </p:cSld>
-  <p:clrMapOvr>
-    <a:masterClrMapping/>
-  </p:clrMapOvr>
-</p:sld>
-</file>
-
-<file path=ppt/slides/slide7.xml><?xml version="1.0" encoding="utf-8"?>
-<p:sld xmlns:a="http://schemas.openxmlformats.org/drawingml/2006/main" xmlns:r="http://schemas.openxmlformats.org/officeDocument/2006/relationships" xmlns:p="http://schemas.openxmlformats.org/presentationml/2006/main">
-  <p:cSld>
-    <p:spTree>
-      <p:nvGrpSpPr>
-        <p:cNvPr id="1" name=""/>
-        <p:cNvGrpSpPr/>
-        <p:nvPr/>
-      </p:nvGrpSpPr>
-      <p:grpSpPr>
-        <a:xfrm>
-          <a:off x="0" y="0"/>
-          <a:ext cx="0" cy="0"/>
-          <a:chOff x="0" y="0"/>
-          <a:chExt cx="0" cy="0"/>
-        </a:xfrm>
-      </p:grpSpPr>
-      <p:sp>
-        <p:nvSpPr>
-          <p:cNvPr id="2" name="Title 1">
-            <a:extLst>
-              <a:ext uri="{FF2B5EF4-FFF2-40B4-BE49-F238E27FC236}">
-                <a16:creationId xmlns:a16="http://schemas.microsoft.com/office/drawing/2014/main" id="{ED43B6B8-68B6-4E2F-BFA9-07361359931E}"/>
-              </a:ext>
-            </a:extLst>
-          </p:cNvPr>
-          <p:cNvSpPr>
-            <a:spLocks noGrp="1"/>
-          </p:cNvSpPr>
-          <p:nvPr>
-            <p:ph type="title"/>
-          </p:nvPr>
-        </p:nvSpPr>
-        <p:spPr/>
-        <p:txBody>
-          <a:bodyPr/>
-          <a:lstStyle/>
-          <a:p>
-            <a:r>
-              <a:rPr lang="en-IN" dirty="0"/>
-              <a:t>Are Both Separators</a:t>
-            </a:r>
-          </a:p>
-        </p:txBody>
-      </p:sp>
-      <p:pic>
-        <p:nvPicPr>
-          <p:cNvPr id="5" name="Content Placeholder 4">
-            <a:extLst>
-              <a:ext uri="{FF2B5EF4-FFF2-40B4-BE49-F238E27FC236}">
-                <a16:creationId xmlns:a16="http://schemas.microsoft.com/office/drawing/2014/main" id="{269A8F8A-88F0-48D1-BECD-7AD1304242BE}"/>
-              </a:ext>
-            </a:extLst>
-          </p:cNvPr>
-          <p:cNvPicPr>
-            <a:picLocks noGrp="1" noChangeAspect="1"/>
-          </p:cNvPicPr>
-          <p:nvPr>
-            <p:ph idx="1"/>
-          </p:nvPr>
-        </p:nvPicPr>
-        <p:blipFill>
-          <a:blip r:embed="rId2"/>
-          <a:stretch>
-            <a:fillRect/>
-          </a:stretch>
-        </p:blipFill>
-        <p:spPr>
-          <a:xfrm>
-            <a:off x="417881" y="3025827"/>
-            <a:ext cx="2644917" cy="1160891"/>
-          </a:xfrm>
-        </p:spPr>
-      </p:pic>
       <p:sp>
         <p:nvSpPr>
           <p:cNvPr id="6" name="TextBox 5">
             <a:extLst>
               <a:ext uri="{FF2B5EF4-FFF2-40B4-BE49-F238E27FC236}">
-                <a16:creationId xmlns:a16="http://schemas.microsoft.com/office/drawing/2014/main" id="{4C7E2B4A-7687-4704-A099-80EFD80DCF0E}"/>
+                <a16:creationId xmlns:a16="http://schemas.microsoft.com/office/drawing/2014/main" id="{82FD9D8B-7172-4988-BD0C-C14B1212B9FF}"/>
               </a:ext>
             </a:extLst>
           </p:cNvPr>
@@ -16251,13 +19155,18 @@
         </p:nvSpPr>
         <p:spPr>
           <a:xfrm>
-            <a:off x="3506525" y="2468135"/>
-            <a:ext cx="7496317" cy="2308324"/>
+            <a:off x="6790647" y="2156173"/>
+            <a:ext cx="4099133" cy="3693319"/>
           </a:xfrm>
           <a:prstGeom prst="rect">
             <a:avLst/>
           </a:prstGeom>
           <a:noFill/>
+          <a:ln>
+            <a:solidFill>
+              <a:schemeClr val="tx1"/>
+            </a:solidFill>
+          </a:ln>
         </p:spPr>
         <p:txBody>
           <a:bodyPr wrap="square" rtlCol="0">
@@ -16265,24 +19174,31 @@
           </a:bodyPr>
           <a:lstStyle/>
           <a:p>
-            <a:pPr marL="342900" indent="-342900">
-              <a:buAutoNum type="arabicPeriod"/>
-            </a:pPr>
             <a:r>
               <a:rPr lang="en-IN" dirty="0"/>
-              <a:t>In case the Diagonally opposite element happens to be in a diagonally opposite room</a:t>
+              <a:t>A current cell indexed as (“ </a:t>
+            </a:r>
+            <a:r>
+              <a:rPr lang="en-IN" dirty="0" err="1"/>
+              <a:t>i</a:t>
+            </a:r>
+            <a:r>
+              <a:rPr lang="en-IN" dirty="0"/>
+              <a:t> ”, “ j ”) in a 2-dimensional grid can have 8 neighbours as shown in diagram </a:t>
             </a:r>
           </a:p>
           <a:p>
-            <a:pPr marL="342900" indent="-342900">
-              <a:buAutoNum type="arabicPeriod"/>
-            </a:pPr>
             <a:endParaRPr lang="en-IN" dirty="0"/>
           </a:p>
           <a:p>
-            <a:pPr marL="342900" indent="-342900">
-              <a:buAutoNum type="arabicPeriod"/>
-            </a:pPr>
+            <a:pPr algn="ctr"/>
+            <a:r>
+              <a:rPr lang="en-IN" b="1" u="sng" dirty="0"/>
+              <a:t>INVALID NEIGHBORS</a:t>
+            </a:r>
+            <a:br>
+              <a:rPr lang="en-IN" dirty="0"/>
+            </a:br>
             <a:endParaRPr lang="en-IN" dirty="0"/>
           </a:p>
           <a:p>
@@ -16291,16 +19207,28 @@
             </a:pPr>
             <a:r>
               <a:rPr lang="en-IN" dirty="0"/>
-              <a:t>The BFS maybe prone to count the Chair to be in the same room</a:t>
+              <a:t>Separator </a:t>
             </a:r>
-          </a:p>
-          <a:p>
-            <a:endParaRPr lang="en-IN" dirty="0"/>
+            <a:r>
+              <a:rPr lang="en-US" dirty="0"/>
+              <a:t>‘+’ or ‘-’ or ‘|’ or ‘/’ or ‘\’</a:t>
+            </a:r>
+            <a:br>
+              <a:rPr lang="en-US" dirty="0"/>
+            </a:br>
+            <a:endParaRPr lang="en-US" dirty="0"/>
           </a:p>
           <a:p>
             <a:pPr marL="342900" indent="-342900">
               <a:buAutoNum type="arabicPeriod"/>
             </a:pPr>
+            <a:r>
+              <a:rPr lang="en-IN" dirty="0"/>
+              <a:t>Double escape of separator “\”</a:t>
+            </a:r>
+            <a:br>
+              <a:rPr lang="en-IN" dirty="0"/>
+            </a:br>
             <a:endParaRPr lang="en-IN" dirty="0"/>
           </a:p>
           <a:p>
@@ -16309,15 +19237,20 @@
             </a:pPr>
             <a:r>
               <a:rPr lang="en-IN" dirty="0"/>
-              <a:t>This case has been explicitly restricted under the </a:t>
+              <a:t>Boundary of the floor plan</a:t>
             </a:r>
+            <a:br>
+              <a:rPr lang="en-IN" dirty="0"/>
+            </a:br>
+            <a:endParaRPr lang="en-IN" dirty="0"/>
+          </a:p>
+          <a:p>
+            <a:pPr marL="342900" indent="-342900">
+              <a:buAutoNum type="arabicPeriod"/>
+            </a:pPr>
             <a:r>
-              <a:rPr lang="en-IN" b="1" dirty="0" err="1"/>
-              <a:t>are_both_separator</a:t>
-            </a:r>
-            <a:r>
-              <a:rPr lang="en-IN" b="1" dirty="0"/>
-              <a:t>() </a:t>
+              <a:rPr lang="en-IN" dirty="0"/>
+              <a:t>Visited cell</a:t>
             </a:r>
           </a:p>
         </p:txBody>
@@ -16325,7 +19258,7 @@
     </p:spTree>
     <p:extLst>
       <p:ext uri="{BB962C8B-B14F-4D97-AF65-F5344CB8AC3E}">
-        <p14:creationId xmlns:p14="http://schemas.microsoft.com/office/powerpoint/2010/main" val="4228077550"/>
+        <p14:creationId xmlns:p14="http://schemas.microsoft.com/office/powerpoint/2010/main" val="3922567028"/>
       </p:ext>
     </p:extLst>
   </p:cSld>
@@ -16423,12 +19356,6 @@
             <a:r>
               <a:rPr lang="en-IN" dirty="0"/>
               <a:t> 1.22.3</a:t>
-            </a:r>
-          </a:p>
-          <a:p>
-            <a:r>
-              <a:rPr lang="en-IN" dirty="0"/>
-              <a:t>2. Collections for Python 3.10.4 </a:t>
             </a:r>
           </a:p>
         </p:txBody>

--- a/solutionNaveshKumarDataScientist.pptx
+++ b/solutionNaveshKumarDataScientist.pptx
@@ -132,7 +132,7 @@
   <pc:docChgLst>
     <pc:chgData name="Navesh Kumar" userId="3ebf9d26fca90b3a" providerId="LiveId" clId="{4C3D355F-0E91-4912-A721-AAA505D0F553}"/>
     <pc:docChg chg="undo custSel addSld delSld modSld sldOrd modMainMaster">
-      <pc:chgData name="Navesh Kumar" userId="3ebf9d26fca90b3a" providerId="LiveId" clId="{4C3D355F-0E91-4912-A721-AAA505D0F553}" dt="2022-04-18T15:14:46.012" v="5026" actId="20577"/>
+      <pc:chgData name="Navesh Kumar" userId="3ebf9d26fca90b3a" providerId="LiveId" clId="{4C3D355F-0E91-4912-A721-AAA505D0F553}" dt="2022-04-18T15:29:46.316" v="5029" actId="20577"/>
       <pc:docMkLst>
         <pc:docMk/>
       </pc:docMkLst>
@@ -611,7 +611,7 @@
         </pc:graphicFrameChg>
       </pc:sldChg>
       <pc:sldChg chg="addSp delSp modSp new mod modClrScheme chgLayout">
-        <pc:chgData name="Navesh Kumar" userId="3ebf9d26fca90b3a" providerId="LiveId" clId="{4C3D355F-0E91-4912-A721-AAA505D0F553}" dt="2022-04-18T14:56:25.563" v="4992" actId="20577"/>
+        <pc:chgData name="Navesh Kumar" userId="3ebf9d26fca90b3a" providerId="LiveId" clId="{4C3D355F-0E91-4912-A721-AAA505D0F553}" dt="2022-04-18T15:29:46.316" v="5029" actId="20577"/>
         <pc:sldMkLst>
           <pc:docMk/>
           <pc:sldMk cId="3922567028" sldId="261"/>
@@ -657,7 +657,7 @@
           </ac:spMkLst>
         </pc:spChg>
         <pc:spChg chg="add mod">
-          <ac:chgData name="Navesh Kumar" userId="3ebf9d26fca90b3a" providerId="LiveId" clId="{4C3D355F-0E91-4912-A721-AAA505D0F553}" dt="2022-04-18T14:56:25.563" v="4992" actId="20577"/>
+          <ac:chgData name="Navesh Kumar" userId="3ebf9d26fca90b3a" providerId="LiveId" clId="{4C3D355F-0E91-4912-A721-AAA505D0F553}" dt="2022-04-18T15:29:46.316" v="5029" actId="20577"/>
           <ac:spMkLst>
             <pc:docMk/>
             <pc:sldMk cId="3922567028" sldId="261"/>
@@ -19194,7 +19194,7 @@
             <a:pPr algn="ctr"/>
             <a:r>
               <a:rPr lang="en-IN" b="1" u="sng" dirty="0"/>
-              <a:t>INVALID NEIGHBORS</a:t>
+              <a:t>INVALID NEIGHBOURS</a:t>
             </a:r>
             <a:br>
               <a:rPr lang="en-IN" dirty="0"/>

--- a/solutionNaveshKumarDataScientist.pptx
+++ b/solutionNaveshKumarDataScientist.pptx
@@ -7,12 +7,13 @@
   <p:sldIdLst>
     <p:sldId id="256" r:id="rId2"/>
     <p:sldId id="262" r:id="rId3"/>
-    <p:sldId id="257" r:id="rId4"/>
-    <p:sldId id="260" r:id="rId5"/>
-    <p:sldId id="258" r:id="rId6"/>
-    <p:sldId id="264" r:id="rId7"/>
-    <p:sldId id="261" r:id="rId8"/>
-    <p:sldId id="259" r:id="rId9"/>
+    <p:sldId id="265" r:id="rId4"/>
+    <p:sldId id="257" r:id="rId5"/>
+    <p:sldId id="260" r:id="rId6"/>
+    <p:sldId id="258" r:id="rId7"/>
+    <p:sldId id="264" r:id="rId8"/>
+    <p:sldId id="261" r:id="rId9"/>
+    <p:sldId id="259" r:id="rId10"/>
   </p:sldIdLst>
   <p:sldSz cx="12192000" cy="6858000"/>
   <p:notesSz cx="6858000" cy="9144000"/>
@@ -119,20 +120,36 @@
 </p:presentation>
 </file>
 
-<file path=ppt/revisionInfo.xml><?xml version="1.0" encoding="utf-8"?>
-<p1510:revInfo xmlns:a="http://schemas.openxmlformats.org/drawingml/2006/main" xmlns:r="http://schemas.openxmlformats.org/officeDocument/2006/relationships" xmlns:p1510="http://schemas.microsoft.com/office/powerpoint/2015/10/main">
-  <p1510:revLst>
-    <p1510:client id="{4C3D355F-0E91-4912-A721-AAA505D0F553}" v="302" dt="2022-04-16T14:00:05.220"/>
-  </p1510:revLst>
-</p1510:revInfo>
-</file>
-
 <file path=ppt/changesInfos/changesInfo1.xml><?xml version="1.0" encoding="utf-8"?>
 <pc:chgInfo xmlns:a="http://schemas.openxmlformats.org/drawingml/2006/main" xmlns:r="http://schemas.openxmlformats.org/officeDocument/2006/relationships" xmlns:ac="http://schemas.microsoft.com/office/drawing/2013/main/command" xmlns:pc="http://schemas.microsoft.com/office/powerpoint/2013/main/command">
   <pc:docChgLst>
+    <pc:chgData name="Navesh Kumar" userId="3ebf9d26fca90b3a" providerId="LiveId" clId="{C151D643-A386-4A12-9042-7963B5C4251A}"/>
+    <pc:docChg chg="modSld">
+      <pc:chgData name="Navesh Kumar" userId="3ebf9d26fca90b3a" providerId="LiveId" clId="{C151D643-A386-4A12-9042-7963B5C4251A}" dt="2022-05-24T15:32:58.792" v="0" actId="20577"/>
+      <pc:docMkLst>
+        <pc:docMk/>
+      </pc:docMkLst>
+      <pc:sldChg chg="modSp mod">
+        <pc:chgData name="Navesh Kumar" userId="3ebf9d26fca90b3a" providerId="LiveId" clId="{C151D643-A386-4A12-9042-7963B5C4251A}" dt="2022-05-24T15:32:58.792" v="0" actId="20577"/>
+        <pc:sldMkLst>
+          <pc:docMk/>
+          <pc:sldMk cId="1337822693" sldId="256"/>
+        </pc:sldMkLst>
+        <pc:spChg chg="mod">
+          <ac:chgData name="Navesh Kumar" userId="3ebf9d26fca90b3a" providerId="LiveId" clId="{C151D643-A386-4A12-9042-7963B5C4251A}" dt="2022-05-24T15:32:58.792" v="0" actId="20577"/>
+          <ac:spMkLst>
+            <pc:docMk/>
+            <pc:sldMk cId="1337822693" sldId="256"/>
+            <ac:spMk id="3" creationId="{12A88A6E-D9F1-479F-A18D-76EB96334392}"/>
+          </ac:spMkLst>
+        </pc:spChg>
+      </pc:sldChg>
+    </pc:docChg>
+  </pc:docChgLst>
+  <pc:docChgLst>
     <pc:chgData name="Navesh Kumar" userId="3ebf9d26fca90b3a" providerId="LiveId" clId="{4C3D355F-0E91-4912-A721-AAA505D0F553}"/>
     <pc:docChg chg="undo custSel addSld delSld modSld sldOrd modMainMaster">
-      <pc:chgData name="Navesh Kumar" userId="3ebf9d26fca90b3a" providerId="LiveId" clId="{4C3D355F-0E91-4912-A721-AAA505D0F553}" dt="2022-04-18T15:29:46.316" v="5029" actId="20577"/>
+      <pc:chgData name="Navesh Kumar" userId="3ebf9d26fca90b3a" providerId="LiveId" clId="{4C3D355F-0E91-4912-A721-AAA505D0F553}" dt="2022-04-18T15:14:46.012" v="5026" actId="20577"/>
       <pc:docMkLst>
         <pc:docMk/>
       </pc:docMkLst>
@@ -611,7 +628,7 @@
         </pc:graphicFrameChg>
       </pc:sldChg>
       <pc:sldChg chg="addSp delSp modSp new mod modClrScheme chgLayout">
-        <pc:chgData name="Navesh Kumar" userId="3ebf9d26fca90b3a" providerId="LiveId" clId="{4C3D355F-0E91-4912-A721-AAA505D0F553}" dt="2022-04-18T15:29:46.316" v="5029" actId="20577"/>
+        <pc:chgData name="Navesh Kumar" userId="3ebf9d26fca90b3a" providerId="LiveId" clId="{4C3D355F-0E91-4912-A721-AAA505D0F553}" dt="2022-04-18T14:56:25.563" v="4992" actId="20577"/>
         <pc:sldMkLst>
           <pc:docMk/>
           <pc:sldMk cId="3922567028" sldId="261"/>
@@ -657,7 +674,7 @@
           </ac:spMkLst>
         </pc:spChg>
         <pc:spChg chg="add mod">
-          <ac:chgData name="Navesh Kumar" userId="3ebf9d26fca90b3a" providerId="LiveId" clId="{4C3D355F-0E91-4912-A721-AAA505D0F553}" dt="2022-04-18T15:29:46.316" v="5029" actId="20577"/>
+          <ac:chgData name="Navesh Kumar" userId="3ebf9d26fca90b3a" providerId="LiveId" clId="{4C3D355F-0E91-4912-A721-AAA505D0F553}" dt="2022-04-18T14:56:25.563" v="4992" actId="20577"/>
           <ac:spMkLst>
             <pc:docMk/>
             <pc:sldMk cId="3922567028" sldId="261"/>
@@ -1559,6 +1576,332 @@
           </pc:sldLayoutMkLst>
         </pc:sldLayoutChg>
       </pc:sldMasterChg>
+    </pc:docChg>
+  </pc:docChgLst>
+  <pc:docChgLst>
+    <pc:chgData name="Navesh Kumar" userId="3ebf9d26fca90b3a" providerId="LiveId" clId="{B679DC5D-8311-4D56-8595-1EB54843DE80}"/>
+    <pc:docChg chg="undo custSel addSld modSld">
+      <pc:chgData name="Navesh Kumar" userId="3ebf9d26fca90b3a" providerId="LiveId" clId="{B679DC5D-8311-4D56-8595-1EB54843DE80}" dt="2022-04-22T09:00:50.156" v="977" actId="20577"/>
+      <pc:docMkLst>
+        <pc:docMk/>
+      </pc:docMkLst>
+      <pc:sldChg chg="modSp mod">
+        <pc:chgData name="Navesh Kumar" userId="3ebf9d26fca90b3a" providerId="LiveId" clId="{B679DC5D-8311-4D56-8595-1EB54843DE80}" dt="2022-04-21T11:28:43.392" v="964" actId="20577"/>
+        <pc:sldMkLst>
+          <pc:docMk/>
+          <pc:sldMk cId="1337822693" sldId="256"/>
+        </pc:sldMkLst>
+        <pc:spChg chg="mod">
+          <ac:chgData name="Navesh Kumar" userId="3ebf9d26fca90b3a" providerId="LiveId" clId="{B679DC5D-8311-4D56-8595-1EB54843DE80}" dt="2022-04-21T11:28:43.392" v="964" actId="20577"/>
+          <ac:spMkLst>
+            <pc:docMk/>
+            <pc:sldMk cId="1337822693" sldId="256"/>
+            <ac:spMk id="2" creationId="{4C55105A-1F65-4F6A-9CBD-EE7734490472}"/>
+          </ac:spMkLst>
+        </pc:spChg>
+      </pc:sldChg>
+      <pc:sldChg chg="modSp mod">
+        <pc:chgData name="Navesh Kumar" userId="3ebf9d26fca90b3a" providerId="LiveId" clId="{B679DC5D-8311-4D56-8595-1EB54843DE80}" dt="2022-04-20T17:10:36.179" v="18" actId="20577"/>
+        <pc:sldMkLst>
+          <pc:docMk/>
+          <pc:sldMk cId="3919972698" sldId="262"/>
+        </pc:sldMkLst>
+        <pc:spChg chg="mod">
+          <ac:chgData name="Navesh Kumar" userId="3ebf9d26fca90b3a" providerId="LiveId" clId="{B679DC5D-8311-4D56-8595-1EB54843DE80}" dt="2022-04-20T17:10:36.179" v="18" actId="20577"/>
+          <ac:spMkLst>
+            <pc:docMk/>
+            <pc:sldMk cId="3919972698" sldId="262"/>
+            <ac:spMk id="5" creationId="{3761F714-3833-4E47-8C2A-CA16BEE6A942}"/>
+          </ac:spMkLst>
+        </pc:spChg>
+      </pc:sldChg>
+      <pc:sldChg chg="addSp delSp modSp new mod modClrScheme chgLayout">
+        <pc:chgData name="Navesh Kumar" userId="3ebf9d26fca90b3a" providerId="LiveId" clId="{B679DC5D-8311-4D56-8595-1EB54843DE80}" dt="2022-04-22T09:00:50.156" v="977" actId="20577"/>
+        <pc:sldMkLst>
+          <pc:docMk/>
+          <pc:sldMk cId="4191045218" sldId="265"/>
+        </pc:sldMkLst>
+        <pc:spChg chg="del mod ord">
+          <ac:chgData name="Navesh Kumar" userId="3ebf9d26fca90b3a" providerId="LiveId" clId="{B679DC5D-8311-4D56-8595-1EB54843DE80}" dt="2022-04-20T17:10:52.315" v="20" actId="700"/>
+          <ac:spMkLst>
+            <pc:docMk/>
+            <pc:sldMk cId="4191045218" sldId="265"/>
+            <ac:spMk id="2" creationId="{CB7A1B96-BAE2-4EBF-9E50-7387BF2FB3C5}"/>
+          </ac:spMkLst>
+        </pc:spChg>
+        <pc:spChg chg="del mod ord">
+          <ac:chgData name="Navesh Kumar" userId="3ebf9d26fca90b3a" providerId="LiveId" clId="{B679DC5D-8311-4D56-8595-1EB54843DE80}" dt="2022-04-20T17:10:52.315" v="20" actId="700"/>
+          <ac:spMkLst>
+            <pc:docMk/>
+            <pc:sldMk cId="4191045218" sldId="265"/>
+            <ac:spMk id="3" creationId="{BEFAE080-009A-4C71-8EA6-0B0741506CAA}"/>
+          </ac:spMkLst>
+        </pc:spChg>
+        <pc:spChg chg="del">
+          <ac:chgData name="Navesh Kumar" userId="3ebf9d26fca90b3a" providerId="LiveId" clId="{B679DC5D-8311-4D56-8595-1EB54843DE80}" dt="2022-04-20T17:10:52.315" v="20" actId="700"/>
+          <ac:spMkLst>
+            <pc:docMk/>
+            <pc:sldMk cId="4191045218" sldId="265"/>
+            <ac:spMk id="4" creationId="{558C91D9-8050-4661-AE9D-C79D08C458BE}"/>
+          </ac:spMkLst>
+        </pc:spChg>
+        <pc:spChg chg="add del mod ord">
+          <ac:chgData name="Navesh Kumar" userId="3ebf9d26fca90b3a" providerId="LiveId" clId="{B679DC5D-8311-4D56-8595-1EB54843DE80}" dt="2022-04-20T17:10:57.012" v="21" actId="700"/>
+          <ac:spMkLst>
+            <pc:docMk/>
+            <pc:sldMk cId="4191045218" sldId="265"/>
+            <ac:spMk id="5" creationId="{66639566-B367-4F09-B600-034041E887A4}"/>
+          </ac:spMkLst>
+        </pc:spChg>
+        <pc:spChg chg="add del mod ord">
+          <ac:chgData name="Navesh Kumar" userId="3ebf9d26fca90b3a" providerId="LiveId" clId="{B679DC5D-8311-4D56-8595-1EB54843DE80}" dt="2022-04-20T17:10:57.012" v="21" actId="700"/>
+          <ac:spMkLst>
+            <pc:docMk/>
+            <pc:sldMk cId="4191045218" sldId="265"/>
+            <ac:spMk id="6" creationId="{BF6D76A0-99BB-4DB6-9428-DD9236B2B59C}"/>
+          </ac:spMkLst>
+        </pc:spChg>
+        <pc:spChg chg="add mod ord">
+          <ac:chgData name="Navesh Kumar" userId="3ebf9d26fca90b3a" providerId="LiveId" clId="{B679DC5D-8311-4D56-8595-1EB54843DE80}" dt="2022-04-20T17:24:16.614" v="720" actId="20577"/>
+          <ac:spMkLst>
+            <pc:docMk/>
+            <pc:sldMk cId="4191045218" sldId="265"/>
+            <ac:spMk id="7" creationId="{CA4BDFB3-A7E4-493E-8B22-2BB76305648E}"/>
+          </ac:spMkLst>
+        </pc:spChg>
+        <pc:spChg chg="add del mod ord">
+          <ac:chgData name="Navesh Kumar" userId="3ebf9d26fca90b3a" providerId="LiveId" clId="{B679DC5D-8311-4D56-8595-1EB54843DE80}" dt="2022-04-20T17:11:12.139" v="22" actId="478"/>
+          <ac:spMkLst>
+            <pc:docMk/>
+            <pc:sldMk cId="4191045218" sldId="265"/>
+            <ac:spMk id="8" creationId="{985202C1-5144-4DBE-AC57-ECCAA8071336}"/>
+          </ac:spMkLst>
+        </pc:spChg>
+        <pc:spChg chg="add del">
+          <ac:chgData name="Navesh Kumar" userId="3ebf9d26fca90b3a" providerId="LiveId" clId="{B679DC5D-8311-4D56-8595-1EB54843DE80}" dt="2022-04-20T17:13:52.135" v="70" actId="11529"/>
+          <ac:spMkLst>
+            <pc:docMk/>
+            <pc:sldMk cId="4191045218" sldId="265"/>
+            <ac:spMk id="20" creationId="{F1FD0A4C-EFF5-40D5-87BB-9FF7647C417C}"/>
+          </ac:spMkLst>
+        </pc:spChg>
+        <pc:spChg chg="add del">
+          <ac:chgData name="Navesh Kumar" userId="3ebf9d26fca90b3a" providerId="LiveId" clId="{B679DC5D-8311-4D56-8595-1EB54843DE80}" dt="2022-04-20T17:14:17.079" v="73" actId="478"/>
+          <ac:spMkLst>
+            <pc:docMk/>
+            <pc:sldMk cId="4191045218" sldId="265"/>
+            <ac:spMk id="21" creationId="{067B8085-E7A6-4AE5-B3A3-FF46240BE486}"/>
+          </ac:spMkLst>
+        </pc:spChg>
+        <pc:spChg chg="add del mod">
+          <ac:chgData name="Navesh Kumar" userId="3ebf9d26fca90b3a" providerId="LiveId" clId="{B679DC5D-8311-4D56-8595-1EB54843DE80}" dt="2022-04-20T17:15:07.292" v="77" actId="478"/>
+          <ac:spMkLst>
+            <pc:docMk/>
+            <pc:sldMk cId="4191045218" sldId="265"/>
+            <ac:spMk id="22" creationId="{F5B045F5-F943-4823-97BC-D37E456E14A9}"/>
+          </ac:spMkLst>
+        </pc:spChg>
+        <pc:spChg chg="add del mod">
+          <ac:chgData name="Navesh Kumar" userId="3ebf9d26fca90b3a" providerId="LiveId" clId="{B679DC5D-8311-4D56-8595-1EB54843DE80}" dt="2022-04-20T17:16:26.292" v="89" actId="478"/>
+          <ac:spMkLst>
+            <pc:docMk/>
+            <pc:sldMk cId="4191045218" sldId="265"/>
+            <ac:spMk id="23" creationId="{B6685E5C-DB4C-40D9-93D9-235E47077062}"/>
+          </ac:spMkLst>
+        </pc:spChg>
+        <pc:spChg chg="add mod">
+          <ac:chgData name="Navesh Kumar" userId="3ebf9d26fca90b3a" providerId="LiveId" clId="{B679DC5D-8311-4D56-8595-1EB54843DE80}" dt="2022-04-20T17:19:06.159" v="448" actId="14100"/>
+          <ac:spMkLst>
+            <pc:docMk/>
+            <pc:sldMk cId="4191045218" sldId="265"/>
+            <ac:spMk id="24" creationId="{1EAECAE5-077C-4F83-BBBB-A013C3BC4381}"/>
+          </ac:spMkLst>
+        </pc:spChg>
+        <pc:spChg chg="add mod">
+          <ac:chgData name="Navesh Kumar" userId="3ebf9d26fca90b3a" providerId="LiveId" clId="{B679DC5D-8311-4D56-8595-1EB54843DE80}" dt="2022-04-22T09:00:50.156" v="977" actId="20577"/>
+          <ac:spMkLst>
+            <pc:docMk/>
+            <pc:sldMk cId="4191045218" sldId="265"/>
+            <ac:spMk id="46" creationId="{6C8885AB-6847-448B-BFFA-8B4412C790D4}"/>
+          </ac:spMkLst>
+        </pc:spChg>
+        <pc:spChg chg="add mod">
+          <ac:chgData name="Navesh Kumar" userId="3ebf9d26fca90b3a" providerId="LiveId" clId="{B679DC5D-8311-4D56-8595-1EB54843DE80}" dt="2022-04-20T17:27:10.081" v="960" actId="20577"/>
+          <ac:spMkLst>
+            <pc:docMk/>
+            <pc:sldMk cId="4191045218" sldId="265"/>
+            <ac:spMk id="74" creationId="{6B56A79D-485C-461A-825D-E92F70A5CAA7}"/>
+          </ac:spMkLst>
+        </pc:spChg>
+        <pc:picChg chg="add mod">
+          <ac:chgData name="Navesh Kumar" userId="3ebf9d26fca90b3a" providerId="LiveId" clId="{B679DC5D-8311-4D56-8595-1EB54843DE80}" dt="2022-04-20T17:16:41.008" v="93" actId="14100"/>
+          <ac:picMkLst>
+            <pc:docMk/>
+            <pc:sldMk cId="4191045218" sldId="265"/>
+            <ac:picMk id="10" creationId="{7DFB7BDA-6E28-4677-893C-040FF6BDFB04}"/>
+          </ac:picMkLst>
+        </pc:picChg>
+        <pc:picChg chg="add mod">
+          <ac:chgData name="Navesh Kumar" userId="3ebf9d26fca90b3a" providerId="LiveId" clId="{B679DC5D-8311-4D56-8595-1EB54843DE80}" dt="2022-04-20T17:22:53.994" v="684" actId="1076"/>
+          <ac:picMkLst>
+            <pc:docMk/>
+            <pc:sldMk cId="4191045218" sldId="265"/>
+            <ac:picMk id="48" creationId="{F59FC507-8D09-4DD5-95F8-E2DBA36EF39A}"/>
+          </ac:picMkLst>
+        </pc:picChg>
+        <pc:inkChg chg="add del">
+          <ac:chgData name="Navesh Kumar" userId="3ebf9d26fca90b3a" providerId="LiveId" clId="{B679DC5D-8311-4D56-8595-1EB54843DE80}" dt="2022-04-20T17:13:05.600" v="64" actId="9405"/>
+          <ac:inkMkLst>
+            <pc:docMk/>
+            <pc:sldMk cId="4191045218" sldId="265"/>
+            <ac:inkMk id="16" creationId="{E82BF479-2DF1-419B-A329-C3B08233F4DA}"/>
+          </ac:inkMkLst>
+        </pc:inkChg>
+        <pc:inkChg chg="add del">
+          <ac:chgData name="Navesh Kumar" userId="3ebf9d26fca90b3a" providerId="LiveId" clId="{B679DC5D-8311-4D56-8595-1EB54843DE80}" dt="2022-04-20T17:13:05.078" v="63" actId="9405"/>
+          <ac:inkMkLst>
+            <pc:docMk/>
+            <pc:sldMk cId="4191045218" sldId="265"/>
+            <ac:inkMk id="17" creationId="{C841293B-0970-4434-816F-031789C9CFF7}"/>
+          </ac:inkMkLst>
+        </pc:inkChg>
+        <pc:inkChg chg="add del">
+          <ac:chgData name="Navesh Kumar" userId="3ebf9d26fca90b3a" providerId="LiveId" clId="{B679DC5D-8311-4D56-8595-1EB54843DE80}" dt="2022-04-20T17:13:32.351" v="68" actId="9405"/>
+          <ac:inkMkLst>
+            <pc:docMk/>
+            <pc:sldMk cId="4191045218" sldId="265"/>
+            <ac:inkMk id="18" creationId="{8BDE9E05-6051-4AAE-A782-305B31116544}"/>
+          </ac:inkMkLst>
+        </pc:inkChg>
+        <pc:inkChg chg="add del">
+          <ac:chgData name="Navesh Kumar" userId="3ebf9d26fca90b3a" providerId="LiveId" clId="{B679DC5D-8311-4D56-8595-1EB54843DE80}" dt="2022-04-20T17:13:32.033" v="67" actId="9405"/>
+          <ac:inkMkLst>
+            <pc:docMk/>
+            <pc:sldMk cId="4191045218" sldId="265"/>
+            <ac:inkMk id="19" creationId="{45EF9CE5-422F-4C35-AF9A-B99603C34882}"/>
+          </ac:inkMkLst>
+        </pc:inkChg>
+        <pc:cxnChg chg="add del mod">
+          <ac:chgData name="Navesh Kumar" userId="3ebf9d26fca90b3a" providerId="LiveId" clId="{B679DC5D-8311-4D56-8595-1EB54843DE80}" dt="2022-04-20T17:13:54.520" v="71" actId="478"/>
+          <ac:cxnSpMkLst>
+            <pc:docMk/>
+            <pc:sldMk cId="4191045218" sldId="265"/>
+            <ac:cxnSpMk id="12" creationId="{29F330D6-1926-4DA8-93E6-8EEE247EDF74}"/>
+          </ac:cxnSpMkLst>
+        </pc:cxnChg>
+        <pc:cxnChg chg="add mod">
+          <ac:chgData name="Navesh Kumar" userId="3ebf9d26fca90b3a" providerId="LiveId" clId="{B679DC5D-8311-4D56-8595-1EB54843DE80}" dt="2022-04-20T17:19:46.988" v="452" actId="693"/>
+          <ac:cxnSpMkLst>
+            <pc:docMk/>
+            <pc:sldMk cId="4191045218" sldId="265"/>
+            <ac:cxnSpMk id="26" creationId="{38ED9A01-8B5A-442E-8EEF-D9C5655B19B9}"/>
+          </ac:cxnSpMkLst>
+        </pc:cxnChg>
+        <pc:cxnChg chg="add mod">
+          <ac:chgData name="Navesh Kumar" userId="3ebf9d26fca90b3a" providerId="LiveId" clId="{B679DC5D-8311-4D56-8595-1EB54843DE80}" dt="2022-04-20T17:19:54.510" v="455" actId="14100"/>
+          <ac:cxnSpMkLst>
+            <pc:docMk/>
+            <pc:sldMk cId="4191045218" sldId="265"/>
+            <ac:cxnSpMk id="29" creationId="{E2A4AF58-47DF-488E-B2F0-B1C08C278AFB}"/>
+          </ac:cxnSpMkLst>
+        </pc:cxnChg>
+        <pc:cxnChg chg="add mod">
+          <ac:chgData name="Navesh Kumar" userId="3ebf9d26fca90b3a" providerId="LiveId" clId="{B679DC5D-8311-4D56-8595-1EB54843DE80}" dt="2022-04-20T17:20:09.634" v="463" actId="14100"/>
+          <ac:cxnSpMkLst>
+            <pc:docMk/>
+            <pc:sldMk cId="4191045218" sldId="265"/>
+            <ac:cxnSpMk id="32" creationId="{F4B49494-46E2-4F02-8F2B-661CBB151CF5}"/>
+          </ac:cxnSpMkLst>
+        </pc:cxnChg>
+        <pc:cxnChg chg="add mod">
+          <ac:chgData name="Navesh Kumar" userId="3ebf9d26fca90b3a" providerId="LiveId" clId="{B679DC5D-8311-4D56-8595-1EB54843DE80}" dt="2022-04-20T17:20:11.778" v="464" actId="14100"/>
+          <ac:cxnSpMkLst>
+            <pc:docMk/>
+            <pc:sldMk cId="4191045218" sldId="265"/>
+            <ac:cxnSpMk id="35" creationId="{53BD5D56-9DEA-4B79-A6CF-1B3D4F55AAFA}"/>
+          </ac:cxnSpMkLst>
+        </pc:cxnChg>
+        <pc:cxnChg chg="add mod">
+          <ac:chgData name="Navesh Kumar" userId="3ebf9d26fca90b3a" providerId="LiveId" clId="{B679DC5D-8311-4D56-8595-1EB54843DE80}" dt="2022-04-20T17:20:41.900" v="467" actId="14100"/>
+          <ac:cxnSpMkLst>
+            <pc:docMk/>
+            <pc:sldMk cId="4191045218" sldId="265"/>
+            <ac:cxnSpMk id="40" creationId="{478C224B-03F2-4AE7-84FC-A31D18B219DE}"/>
+          </ac:cxnSpMkLst>
+        </pc:cxnChg>
+        <pc:cxnChg chg="add mod">
+          <ac:chgData name="Navesh Kumar" userId="3ebf9d26fca90b3a" providerId="LiveId" clId="{B679DC5D-8311-4D56-8595-1EB54843DE80}" dt="2022-04-20T17:20:47.851" v="470" actId="14100"/>
+          <ac:cxnSpMkLst>
+            <pc:docMk/>
+            <pc:sldMk cId="4191045218" sldId="265"/>
+            <ac:cxnSpMk id="43" creationId="{33BB85CC-D824-4F16-9698-E1C165D3EB04}"/>
+          </ac:cxnSpMkLst>
+        </pc:cxnChg>
+        <pc:cxnChg chg="add mod">
+          <ac:chgData name="Navesh Kumar" userId="3ebf9d26fca90b3a" providerId="LiveId" clId="{B679DC5D-8311-4D56-8595-1EB54843DE80}" dt="2022-04-20T17:23:05.138" v="687" actId="14100"/>
+          <ac:cxnSpMkLst>
+            <pc:docMk/>
+            <pc:sldMk cId="4191045218" sldId="265"/>
+            <ac:cxnSpMk id="49" creationId="{3F169609-98A0-41EB-A07F-9579706C5F38}"/>
+          </ac:cxnSpMkLst>
+        </pc:cxnChg>
+        <pc:cxnChg chg="add mod">
+          <ac:chgData name="Navesh Kumar" userId="3ebf9d26fca90b3a" providerId="LiveId" clId="{B679DC5D-8311-4D56-8595-1EB54843DE80}" dt="2022-04-20T17:23:13.337" v="690" actId="14100"/>
+          <ac:cxnSpMkLst>
+            <pc:docMk/>
+            <pc:sldMk cId="4191045218" sldId="265"/>
+            <ac:cxnSpMk id="51" creationId="{5152F9AF-C099-4C1C-9195-9ADAC2C6BD68}"/>
+          </ac:cxnSpMkLst>
+        </pc:cxnChg>
+        <pc:cxnChg chg="add mod">
+          <ac:chgData name="Navesh Kumar" userId="3ebf9d26fca90b3a" providerId="LiveId" clId="{B679DC5D-8311-4D56-8595-1EB54843DE80}" dt="2022-04-20T17:23:19.310" v="693" actId="14100"/>
+          <ac:cxnSpMkLst>
+            <pc:docMk/>
+            <pc:sldMk cId="4191045218" sldId="265"/>
+            <ac:cxnSpMk id="54" creationId="{91E5B4F3-C265-43CF-9BBE-675E76D30F8B}"/>
+          </ac:cxnSpMkLst>
+        </pc:cxnChg>
+        <pc:cxnChg chg="add mod">
+          <ac:chgData name="Navesh Kumar" userId="3ebf9d26fca90b3a" providerId="LiveId" clId="{B679DC5D-8311-4D56-8595-1EB54843DE80}" dt="2022-04-20T17:23:26.601" v="696" actId="14100"/>
+          <ac:cxnSpMkLst>
+            <pc:docMk/>
+            <pc:sldMk cId="4191045218" sldId="265"/>
+            <ac:cxnSpMk id="57" creationId="{0221E84D-19D6-43E5-A0D0-5B682DA2BFAB}"/>
+          </ac:cxnSpMkLst>
+        </pc:cxnChg>
+        <pc:cxnChg chg="add mod">
+          <ac:chgData name="Navesh Kumar" userId="3ebf9d26fca90b3a" providerId="LiveId" clId="{B679DC5D-8311-4D56-8595-1EB54843DE80}" dt="2022-04-20T17:23:33.732" v="700" actId="14100"/>
+          <ac:cxnSpMkLst>
+            <pc:docMk/>
+            <pc:sldMk cId="4191045218" sldId="265"/>
+            <ac:cxnSpMk id="60" creationId="{7A0AE63F-15ED-4FC4-BCDC-81699C665A31}"/>
+          </ac:cxnSpMkLst>
+        </pc:cxnChg>
+        <pc:cxnChg chg="add mod">
+          <ac:chgData name="Navesh Kumar" userId="3ebf9d26fca90b3a" providerId="LiveId" clId="{B679DC5D-8311-4D56-8595-1EB54843DE80}" dt="2022-04-20T17:23:42.834" v="703" actId="14100"/>
+          <ac:cxnSpMkLst>
+            <pc:docMk/>
+            <pc:sldMk cId="4191045218" sldId="265"/>
+            <ac:cxnSpMk id="64" creationId="{4C6AA4F0-DD91-40F4-8CFE-1074829A67F8}"/>
+          </ac:cxnSpMkLst>
+        </pc:cxnChg>
+        <pc:cxnChg chg="add mod">
+          <ac:chgData name="Navesh Kumar" userId="3ebf9d26fca90b3a" providerId="LiveId" clId="{B679DC5D-8311-4D56-8595-1EB54843DE80}" dt="2022-04-20T17:23:48.683" v="706" actId="14100"/>
+          <ac:cxnSpMkLst>
+            <pc:docMk/>
+            <pc:sldMk cId="4191045218" sldId="265"/>
+            <ac:cxnSpMk id="67" creationId="{38E7114A-00A0-478F-891B-1525736061F4}"/>
+          </ac:cxnSpMkLst>
+        </pc:cxnChg>
+        <pc:cxnChg chg="add mod">
+          <ac:chgData name="Navesh Kumar" userId="3ebf9d26fca90b3a" providerId="LiveId" clId="{B679DC5D-8311-4D56-8595-1EB54843DE80}" dt="2022-04-20T17:24:07.151" v="711" actId="1076"/>
+          <ac:cxnSpMkLst>
+            <pc:docMk/>
+            <pc:sldMk cId="4191045218" sldId="265"/>
+            <ac:cxnSpMk id="70" creationId="{12B94C08-7DF2-4FF9-B849-D1C446084F8E}"/>
+          </ac:cxnSpMkLst>
+        </pc:cxnChg>
+      </pc:sldChg>
     </pc:docChg>
   </pc:docChgLst>
 </pc:chgInfo>
@@ -12742,7 +13085,7 @@
           <a:p>
             <a:fld id="{CCD7522B-91C7-43D4-98E9-E2A058F494DE}" type="datetimeFigureOut">
               <a:rPr lang="en-IN" smtClean="0"/>
-              <a:t>18-04-2022</a:t>
+              <a:t>24-05-2022</a:t>
             </a:fld>
             <a:endParaRPr lang="en-IN" dirty="0"/>
           </a:p>
@@ -12957,7 +13300,7 @@
           <a:p>
             <a:fld id="{CCD7522B-91C7-43D4-98E9-E2A058F494DE}" type="datetimeFigureOut">
               <a:rPr lang="en-IN" smtClean="0"/>
-              <a:t>18-04-2022</a:t>
+              <a:t>24-05-2022</a:t>
             </a:fld>
             <a:endParaRPr lang="en-IN"/>
           </a:p>
@@ -13311,7 +13654,7 @@
           <a:p>
             <a:fld id="{CCD7522B-91C7-43D4-98E9-E2A058F494DE}" type="datetimeFigureOut">
               <a:rPr lang="en-IN" smtClean="0"/>
-              <a:t>18-04-2022</a:t>
+              <a:t>24-05-2022</a:t>
             </a:fld>
             <a:endParaRPr lang="en-IN"/>
           </a:p>
@@ -13520,7 +13863,7 @@
           <a:p>
             <a:fld id="{CCD7522B-91C7-43D4-98E9-E2A058F494DE}" type="datetimeFigureOut">
               <a:rPr lang="en-IN" smtClean="0"/>
-              <a:t>18-04-2022</a:t>
+              <a:t>24-05-2022</a:t>
             </a:fld>
             <a:endParaRPr lang="en-IN"/>
           </a:p>
@@ -13874,7 +14217,7 @@
           <a:p>
             <a:fld id="{CCD7522B-91C7-43D4-98E9-E2A058F494DE}" type="datetimeFigureOut">
               <a:rPr lang="en-IN" smtClean="0"/>
-              <a:t>18-04-2022</a:t>
+              <a:t>24-05-2022</a:t>
             </a:fld>
             <a:endParaRPr lang="en-IN"/>
           </a:p>
@@ -14182,7 +14525,7 @@
           <a:p>
             <a:fld id="{CCD7522B-91C7-43D4-98E9-E2A058F494DE}" type="datetimeFigureOut">
               <a:rPr lang="en-IN" smtClean="0"/>
-              <a:t>18-04-2022</a:t>
+              <a:t>24-05-2022</a:t>
             </a:fld>
             <a:endParaRPr lang="en-IN"/>
           </a:p>
@@ -14734,7 +15077,7 @@
           <a:p>
             <a:r>
               <a:rPr lang="en-IN" dirty="0"/>
-              <a:t>Chair Order Extractor</a:t>
+              <a:t>Chair Order Extractor 2.0</a:t>
             </a:r>
           </a:p>
         </p:txBody>
@@ -14769,10 +15112,7 @@
             <a:br>
               <a:rPr lang="en-IN" dirty="0"/>
             </a:br>
-            <a:r>
-              <a:rPr lang="en-IN" dirty="0"/>
-              <a:t>Brady Technologies Data Scientist Task</a:t>
-            </a:r>
+            <a:endParaRPr lang="en-IN" dirty="0"/>
           </a:p>
         </p:txBody>
       </p:sp>
@@ -14862,7 +15202,7 @@
           <a:p>
             <a:r>
               <a:rPr lang="en-IN" dirty="0"/>
-              <a:t>1. Product Demo</a:t>
+              <a:t>1. Product Demo : Before and After</a:t>
             </a:r>
             <a:br>
               <a:rPr lang="en-IN" dirty="0"/>
@@ -14901,6 +15241,862 @@
 </file>
 
 <file path=ppt/slides/slide3.xml><?xml version="1.0" encoding="utf-8"?>
+<p:sld xmlns:a="http://schemas.openxmlformats.org/drawingml/2006/main" xmlns:r="http://schemas.openxmlformats.org/officeDocument/2006/relationships" xmlns:p="http://schemas.openxmlformats.org/presentationml/2006/main">
+  <p:cSld>
+    <p:spTree>
+      <p:nvGrpSpPr>
+        <p:cNvPr id="1" name=""/>
+        <p:cNvGrpSpPr/>
+        <p:nvPr/>
+      </p:nvGrpSpPr>
+      <p:grpSpPr>
+        <a:xfrm>
+          <a:off x="0" y="0"/>
+          <a:ext cx="0" cy="0"/>
+          <a:chOff x="0" y="0"/>
+          <a:chExt cx="0" cy="0"/>
+        </a:xfrm>
+      </p:grpSpPr>
+      <p:sp>
+        <p:nvSpPr>
+          <p:cNvPr id="7" name="Title 6">
+            <a:extLst>
+              <a:ext uri="{FF2B5EF4-FFF2-40B4-BE49-F238E27FC236}">
+                <a16:creationId xmlns:a16="http://schemas.microsoft.com/office/drawing/2014/main" id="{CA4BDFB3-A7E4-493E-8B22-2BB76305648E}"/>
+              </a:ext>
+            </a:extLst>
+          </p:cNvPr>
+          <p:cNvSpPr>
+            <a:spLocks noGrp="1"/>
+          </p:cNvSpPr>
+          <p:nvPr>
+            <p:ph type="title"/>
+          </p:nvPr>
+        </p:nvSpPr>
+        <p:spPr/>
+        <p:txBody>
+          <a:bodyPr/>
+          <a:lstStyle/>
+          <a:p>
+            <a:r>
+              <a:rPr lang="en-IN" dirty="0"/>
+              <a:t>Comparison of Old and New Extractor</a:t>
+            </a:r>
+          </a:p>
+        </p:txBody>
+      </p:sp>
+      <p:pic>
+        <p:nvPicPr>
+          <p:cNvPr id="10" name="Picture 9">
+            <a:extLst>
+              <a:ext uri="{FF2B5EF4-FFF2-40B4-BE49-F238E27FC236}">
+                <a16:creationId xmlns:a16="http://schemas.microsoft.com/office/drawing/2014/main" id="{7DFB7BDA-6E28-4677-893C-040FF6BDFB04}"/>
+              </a:ext>
+            </a:extLst>
+          </p:cNvPr>
+          <p:cNvPicPr>
+            <a:picLocks noChangeAspect="1"/>
+          </p:cNvPicPr>
+          <p:nvPr/>
+        </p:nvPicPr>
+        <p:blipFill>
+          <a:blip r:embed="rId2"/>
+          <a:stretch>
+            <a:fillRect/>
+          </a:stretch>
+        </p:blipFill>
+        <p:spPr>
+          <a:xfrm>
+            <a:off x="763326" y="1882005"/>
+            <a:ext cx="2894274" cy="2795766"/>
+          </a:xfrm>
+          <a:prstGeom prst="rect">
+            <a:avLst/>
+          </a:prstGeom>
+        </p:spPr>
+      </p:pic>
+      <p:sp>
+        <p:nvSpPr>
+          <p:cNvPr id="24" name="Speech Bubble: Rectangle 23">
+            <a:extLst>
+              <a:ext uri="{FF2B5EF4-FFF2-40B4-BE49-F238E27FC236}">
+                <a16:creationId xmlns:a16="http://schemas.microsoft.com/office/drawing/2014/main" id="{1EAECAE5-077C-4F83-BBBB-A013C3BC4381}"/>
+              </a:ext>
+            </a:extLst>
+          </p:cNvPr>
+          <p:cNvSpPr/>
+          <p:nvPr/>
+        </p:nvSpPr>
+        <p:spPr>
+          <a:xfrm>
+            <a:off x="763324" y="5135021"/>
+            <a:ext cx="3331597" cy="1074948"/>
+          </a:xfrm>
+          <a:prstGeom prst="wedgeRectCallout">
+            <a:avLst>
+              <a:gd name="adj1" fmla="val 8134"/>
+              <a:gd name="adj2" fmla="val -124972"/>
+            </a:avLst>
+          </a:prstGeom>
+        </p:spPr>
+        <p:style>
+          <a:lnRef idx="2">
+            <a:schemeClr val="accent1">
+              <a:shade val="50000"/>
+            </a:schemeClr>
+          </a:lnRef>
+          <a:fillRef idx="1">
+            <a:schemeClr val="accent1"/>
+          </a:fillRef>
+          <a:effectRef idx="0">
+            <a:schemeClr val="accent1"/>
+          </a:effectRef>
+          <a:fontRef idx="minor">
+            <a:schemeClr val="lt1"/>
+          </a:fontRef>
+        </p:style>
+        <p:txBody>
+          <a:bodyPr rtlCol="0" anchor="ctr"/>
+          <a:lstStyle/>
+          <a:p>
+            <a:pPr algn="ctr"/>
+            <a:r>
+              <a:rPr lang="en-IN" sz="1100" dirty="0"/>
+              <a:t>The algorithm was designed not to expect blanks as the sample file of the problem statement indicated that the floor plan would always be a rectangular space with the complete rectangle being populated by blanks in case a rectangle by virtue of design is not present</a:t>
+            </a:r>
+          </a:p>
+        </p:txBody>
+      </p:sp>
+      <p:cxnSp>
+        <p:nvCxnSpPr>
+          <p:cNvPr id="26" name="Straight Connector 25">
+            <a:extLst>
+              <a:ext uri="{FF2B5EF4-FFF2-40B4-BE49-F238E27FC236}">
+                <a16:creationId xmlns:a16="http://schemas.microsoft.com/office/drawing/2014/main" id="{38ED9A01-8B5A-442E-8EEF-D9C5655B19B9}"/>
+              </a:ext>
+            </a:extLst>
+          </p:cNvPr>
+          <p:cNvCxnSpPr>
+            <a:cxnSpLocks/>
+          </p:cNvCxnSpPr>
+          <p:nvPr/>
+        </p:nvCxnSpPr>
+        <p:spPr>
+          <a:xfrm>
+            <a:off x="2242268" y="3888188"/>
+            <a:ext cx="0" cy="667909"/>
+          </a:xfrm>
+          <a:prstGeom prst="line">
+            <a:avLst/>
+          </a:prstGeom>
+          <a:ln w="28575">
+            <a:prstDash val="sysDot"/>
+          </a:ln>
+        </p:spPr>
+        <p:style>
+          <a:lnRef idx="1">
+            <a:schemeClr val="accent1"/>
+          </a:lnRef>
+          <a:fillRef idx="0">
+            <a:schemeClr val="accent1"/>
+          </a:fillRef>
+          <a:effectRef idx="0">
+            <a:schemeClr val="accent1"/>
+          </a:effectRef>
+          <a:fontRef idx="minor">
+            <a:schemeClr val="tx1"/>
+          </a:fontRef>
+        </p:style>
+      </p:cxnSp>
+      <p:cxnSp>
+        <p:nvCxnSpPr>
+          <p:cNvPr id="29" name="Straight Connector 28">
+            <a:extLst>
+              <a:ext uri="{FF2B5EF4-FFF2-40B4-BE49-F238E27FC236}">
+                <a16:creationId xmlns:a16="http://schemas.microsoft.com/office/drawing/2014/main" id="{E2A4AF58-47DF-488E-B2F0-B1C08C278AFB}"/>
+              </a:ext>
+            </a:extLst>
+          </p:cNvPr>
+          <p:cNvCxnSpPr>
+            <a:cxnSpLocks/>
+          </p:cNvCxnSpPr>
+          <p:nvPr/>
+        </p:nvCxnSpPr>
+        <p:spPr>
+          <a:xfrm>
+            <a:off x="2242268" y="3888188"/>
+            <a:ext cx="540689" cy="0"/>
+          </a:xfrm>
+          <a:prstGeom prst="line">
+            <a:avLst/>
+          </a:prstGeom>
+          <a:ln w="28575">
+            <a:prstDash val="sysDot"/>
+          </a:ln>
+        </p:spPr>
+        <p:style>
+          <a:lnRef idx="1">
+            <a:schemeClr val="accent1"/>
+          </a:lnRef>
+          <a:fillRef idx="0">
+            <a:schemeClr val="accent1"/>
+          </a:fillRef>
+          <a:effectRef idx="0">
+            <a:schemeClr val="accent1"/>
+          </a:effectRef>
+          <a:fontRef idx="minor">
+            <a:schemeClr val="tx1"/>
+          </a:fontRef>
+        </p:style>
+      </p:cxnSp>
+      <p:cxnSp>
+        <p:nvCxnSpPr>
+          <p:cNvPr id="32" name="Straight Connector 31">
+            <a:extLst>
+              <a:ext uri="{FF2B5EF4-FFF2-40B4-BE49-F238E27FC236}">
+                <a16:creationId xmlns:a16="http://schemas.microsoft.com/office/drawing/2014/main" id="{F4B49494-46E2-4F02-8F2B-661CBB151CF5}"/>
+              </a:ext>
+            </a:extLst>
+          </p:cNvPr>
+          <p:cNvCxnSpPr>
+            <a:cxnSpLocks/>
+          </p:cNvCxnSpPr>
+          <p:nvPr/>
+        </p:nvCxnSpPr>
+        <p:spPr>
+          <a:xfrm>
+            <a:off x="2782957" y="3888188"/>
+            <a:ext cx="214684" cy="528813"/>
+          </a:xfrm>
+          <a:prstGeom prst="line">
+            <a:avLst/>
+          </a:prstGeom>
+          <a:ln w="28575">
+            <a:prstDash val="sysDot"/>
+          </a:ln>
+        </p:spPr>
+        <p:style>
+          <a:lnRef idx="1">
+            <a:schemeClr val="accent1"/>
+          </a:lnRef>
+          <a:fillRef idx="0">
+            <a:schemeClr val="accent1"/>
+          </a:fillRef>
+          <a:effectRef idx="0">
+            <a:schemeClr val="accent1"/>
+          </a:effectRef>
+          <a:fontRef idx="minor">
+            <a:schemeClr val="tx1"/>
+          </a:fontRef>
+        </p:style>
+      </p:cxnSp>
+      <p:cxnSp>
+        <p:nvCxnSpPr>
+          <p:cNvPr id="35" name="Straight Connector 34">
+            <a:extLst>
+              <a:ext uri="{FF2B5EF4-FFF2-40B4-BE49-F238E27FC236}">
+                <a16:creationId xmlns:a16="http://schemas.microsoft.com/office/drawing/2014/main" id="{53BD5D56-9DEA-4B79-A6CF-1B3D4F55AAFA}"/>
+              </a:ext>
+            </a:extLst>
+          </p:cNvPr>
+          <p:cNvCxnSpPr>
+            <a:cxnSpLocks/>
+          </p:cNvCxnSpPr>
+          <p:nvPr/>
+        </p:nvCxnSpPr>
+        <p:spPr>
+          <a:xfrm>
+            <a:off x="2997642" y="4417001"/>
+            <a:ext cx="596348" cy="0"/>
+          </a:xfrm>
+          <a:prstGeom prst="line">
+            <a:avLst/>
+          </a:prstGeom>
+          <a:ln w="28575">
+            <a:prstDash val="sysDot"/>
+          </a:ln>
+        </p:spPr>
+        <p:style>
+          <a:lnRef idx="1">
+            <a:schemeClr val="accent1"/>
+          </a:lnRef>
+          <a:fillRef idx="0">
+            <a:schemeClr val="accent1"/>
+          </a:fillRef>
+          <a:effectRef idx="0">
+            <a:schemeClr val="accent1"/>
+          </a:effectRef>
+          <a:fontRef idx="minor">
+            <a:schemeClr val="tx1"/>
+          </a:fontRef>
+        </p:style>
+      </p:cxnSp>
+      <p:cxnSp>
+        <p:nvCxnSpPr>
+          <p:cNvPr id="40" name="Straight Connector 39">
+            <a:extLst>
+              <a:ext uri="{FF2B5EF4-FFF2-40B4-BE49-F238E27FC236}">
+                <a16:creationId xmlns:a16="http://schemas.microsoft.com/office/drawing/2014/main" id="{478C224B-03F2-4AE7-84FC-A31D18B219DE}"/>
+              </a:ext>
+            </a:extLst>
+          </p:cNvPr>
+          <p:cNvCxnSpPr>
+            <a:cxnSpLocks/>
+          </p:cNvCxnSpPr>
+          <p:nvPr/>
+        </p:nvCxnSpPr>
+        <p:spPr>
+          <a:xfrm>
+            <a:off x="2242268" y="4556097"/>
+            <a:ext cx="1351722" cy="0"/>
+          </a:xfrm>
+          <a:prstGeom prst="line">
+            <a:avLst/>
+          </a:prstGeom>
+          <a:ln w="28575">
+            <a:prstDash val="sysDot"/>
+          </a:ln>
+        </p:spPr>
+        <p:style>
+          <a:lnRef idx="1">
+            <a:schemeClr val="accent1"/>
+          </a:lnRef>
+          <a:fillRef idx="0">
+            <a:schemeClr val="accent1"/>
+          </a:fillRef>
+          <a:effectRef idx="0">
+            <a:schemeClr val="accent1"/>
+          </a:effectRef>
+          <a:fontRef idx="minor">
+            <a:schemeClr val="tx1"/>
+          </a:fontRef>
+        </p:style>
+      </p:cxnSp>
+      <p:cxnSp>
+        <p:nvCxnSpPr>
+          <p:cNvPr id="43" name="Straight Connector 42">
+            <a:extLst>
+              <a:ext uri="{FF2B5EF4-FFF2-40B4-BE49-F238E27FC236}">
+                <a16:creationId xmlns:a16="http://schemas.microsoft.com/office/drawing/2014/main" id="{33BB85CC-D824-4F16-9698-E1C165D3EB04}"/>
+              </a:ext>
+            </a:extLst>
+          </p:cNvPr>
+          <p:cNvCxnSpPr>
+            <a:cxnSpLocks/>
+          </p:cNvCxnSpPr>
+          <p:nvPr/>
+        </p:nvCxnSpPr>
+        <p:spPr>
+          <a:xfrm>
+            <a:off x="3593990" y="4417001"/>
+            <a:ext cx="0" cy="139096"/>
+          </a:xfrm>
+          <a:prstGeom prst="line">
+            <a:avLst/>
+          </a:prstGeom>
+          <a:ln w="28575">
+            <a:prstDash val="sysDot"/>
+          </a:ln>
+        </p:spPr>
+        <p:style>
+          <a:lnRef idx="1">
+            <a:schemeClr val="accent1"/>
+          </a:lnRef>
+          <a:fillRef idx="0">
+            <a:schemeClr val="accent1"/>
+          </a:fillRef>
+          <a:effectRef idx="0">
+            <a:schemeClr val="accent1"/>
+          </a:effectRef>
+          <a:fontRef idx="minor">
+            <a:schemeClr val="tx1"/>
+          </a:fontRef>
+        </p:style>
+      </p:cxnSp>
+      <p:sp>
+        <p:nvSpPr>
+          <p:cNvPr id="46" name="Arrow: Right 45">
+            <a:extLst>
+              <a:ext uri="{FF2B5EF4-FFF2-40B4-BE49-F238E27FC236}">
+                <a16:creationId xmlns:a16="http://schemas.microsoft.com/office/drawing/2014/main" id="{6C8885AB-6847-448B-BFFA-8B4412C790D4}"/>
+              </a:ext>
+            </a:extLst>
+          </p:cNvPr>
+          <p:cNvSpPr/>
+          <p:nvPr/>
+        </p:nvSpPr>
+        <p:spPr>
+          <a:xfrm>
+            <a:off x="4412973" y="1882005"/>
+            <a:ext cx="2743200" cy="4055166"/>
+          </a:xfrm>
+          <a:prstGeom prst="rightArrow">
+            <a:avLst>
+              <a:gd name="adj1" fmla="val 50000"/>
+              <a:gd name="adj2" fmla="val 29420"/>
+            </a:avLst>
+          </a:prstGeom>
+        </p:spPr>
+        <p:style>
+          <a:lnRef idx="2">
+            <a:schemeClr val="accent1">
+              <a:shade val="50000"/>
+            </a:schemeClr>
+          </a:lnRef>
+          <a:fillRef idx="1">
+            <a:schemeClr val="accent1"/>
+          </a:fillRef>
+          <a:effectRef idx="0">
+            <a:schemeClr val="accent1"/>
+          </a:effectRef>
+          <a:fontRef idx="minor">
+            <a:schemeClr val="lt1"/>
+          </a:fontRef>
+        </p:style>
+        <p:txBody>
+          <a:bodyPr rtlCol="0" anchor="ctr"/>
+          <a:lstStyle/>
+          <a:p>
+            <a:pPr algn="ctr"/>
+            <a:r>
+              <a:rPr lang="en-IN" sz="1400" dirty="0"/>
+              <a:t>This was a </a:t>
+            </a:r>
+            <a:r>
+              <a:rPr lang="en-IN" sz="1400" b="1" i="1" u="sng" dirty="0"/>
+              <a:t>deliberate design choice</a:t>
+            </a:r>
+            <a:r>
+              <a:rPr lang="en-IN" sz="1400" dirty="0"/>
+              <a:t> with a inference of the sample file but code was designed to incorporate this very scenario. Hence with 2 extra routines of python we again have a stable build</a:t>
+            </a:r>
+          </a:p>
+        </p:txBody>
+      </p:sp>
+      <p:pic>
+        <p:nvPicPr>
+          <p:cNvPr id="48" name="Picture 47">
+            <a:extLst>
+              <a:ext uri="{FF2B5EF4-FFF2-40B4-BE49-F238E27FC236}">
+                <a16:creationId xmlns:a16="http://schemas.microsoft.com/office/drawing/2014/main" id="{F59FC507-8D09-4DD5-95F8-E2DBA36EF39A}"/>
+              </a:ext>
+            </a:extLst>
+          </p:cNvPr>
+          <p:cNvPicPr>
+            <a:picLocks noChangeAspect="1"/>
+          </p:cNvPicPr>
+          <p:nvPr/>
+        </p:nvPicPr>
+        <p:blipFill>
+          <a:blip r:embed="rId3"/>
+          <a:stretch>
+            <a:fillRect/>
+          </a:stretch>
+        </p:blipFill>
+        <p:spPr>
+          <a:xfrm>
+            <a:off x="7798381" y="1929674"/>
+            <a:ext cx="2906042" cy="2626423"/>
+          </a:xfrm>
+          <a:prstGeom prst="rect">
+            <a:avLst/>
+          </a:prstGeom>
+        </p:spPr>
+      </p:pic>
+      <p:cxnSp>
+        <p:nvCxnSpPr>
+          <p:cNvPr id="49" name="Straight Connector 48">
+            <a:extLst>
+              <a:ext uri="{FF2B5EF4-FFF2-40B4-BE49-F238E27FC236}">
+                <a16:creationId xmlns:a16="http://schemas.microsoft.com/office/drawing/2014/main" id="{3F169609-98A0-41EB-A07F-9579706C5F38}"/>
+              </a:ext>
+            </a:extLst>
+          </p:cNvPr>
+          <p:cNvCxnSpPr>
+            <a:cxnSpLocks/>
+          </p:cNvCxnSpPr>
+          <p:nvPr/>
+        </p:nvCxnSpPr>
+        <p:spPr>
+          <a:xfrm>
+            <a:off x="10322118" y="2426473"/>
+            <a:ext cx="0" cy="2060076"/>
+          </a:xfrm>
+          <a:prstGeom prst="line">
+            <a:avLst/>
+          </a:prstGeom>
+          <a:ln w="28575">
+            <a:prstDash val="sysDot"/>
+          </a:ln>
+        </p:spPr>
+        <p:style>
+          <a:lnRef idx="1">
+            <a:schemeClr val="accent1"/>
+          </a:lnRef>
+          <a:fillRef idx="0">
+            <a:schemeClr val="accent1"/>
+          </a:fillRef>
+          <a:effectRef idx="0">
+            <a:schemeClr val="accent1"/>
+          </a:effectRef>
+          <a:fontRef idx="minor">
+            <a:schemeClr val="tx1"/>
+          </a:fontRef>
+        </p:style>
+      </p:cxnSp>
+      <p:cxnSp>
+        <p:nvCxnSpPr>
+          <p:cNvPr id="51" name="Straight Connector 50">
+            <a:extLst>
+              <a:ext uri="{FF2B5EF4-FFF2-40B4-BE49-F238E27FC236}">
+                <a16:creationId xmlns:a16="http://schemas.microsoft.com/office/drawing/2014/main" id="{5152F9AF-C099-4C1C-9195-9ADAC2C6BD68}"/>
+              </a:ext>
+            </a:extLst>
+          </p:cNvPr>
+          <p:cNvCxnSpPr>
+            <a:cxnSpLocks/>
+          </p:cNvCxnSpPr>
+          <p:nvPr/>
+        </p:nvCxnSpPr>
+        <p:spPr>
+          <a:xfrm flipH="1">
+            <a:off x="9406393" y="4486549"/>
+            <a:ext cx="915725" cy="0"/>
+          </a:xfrm>
+          <a:prstGeom prst="line">
+            <a:avLst/>
+          </a:prstGeom>
+          <a:ln w="28575">
+            <a:prstDash val="sysDot"/>
+          </a:ln>
+        </p:spPr>
+        <p:style>
+          <a:lnRef idx="1">
+            <a:schemeClr val="accent1"/>
+          </a:lnRef>
+          <a:fillRef idx="0">
+            <a:schemeClr val="accent1"/>
+          </a:fillRef>
+          <a:effectRef idx="0">
+            <a:schemeClr val="accent1"/>
+          </a:effectRef>
+          <a:fontRef idx="minor">
+            <a:schemeClr val="tx1"/>
+          </a:fontRef>
+        </p:style>
+      </p:cxnSp>
+      <p:cxnSp>
+        <p:nvCxnSpPr>
+          <p:cNvPr id="54" name="Straight Connector 53">
+            <a:extLst>
+              <a:ext uri="{FF2B5EF4-FFF2-40B4-BE49-F238E27FC236}">
+                <a16:creationId xmlns:a16="http://schemas.microsoft.com/office/drawing/2014/main" id="{91E5B4F3-C265-43CF-9BBE-675E76D30F8B}"/>
+              </a:ext>
+            </a:extLst>
+          </p:cNvPr>
+          <p:cNvCxnSpPr>
+            <a:cxnSpLocks/>
+          </p:cNvCxnSpPr>
+          <p:nvPr/>
+        </p:nvCxnSpPr>
+        <p:spPr>
+          <a:xfrm>
+            <a:off x="9406393" y="3797436"/>
+            <a:ext cx="0" cy="689113"/>
+          </a:xfrm>
+          <a:prstGeom prst="line">
+            <a:avLst/>
+          </a:prstGeom>
+          <a:ln w="28575">
+            <a:prstDash val="sysDot"/>
+          </a:ln>
+        </p:spPr>
+        <p:style>
+          <a:lnRef idx="1">
+            <a:schemeClr val="accent1"/>
+          </a:lnRef>
+          <a:fillRef idx="0">
+            <a:schemeClr val="accent1"/>
+          </a:fillRef>
+          <a:effectRef idx="0">
+            <a:schemeClr val="accent1"/>
+          </a:effectRef>
+          <a:fontRef idx="minor">
+            <a:schemeClr val="tx1"/>
+          </a:fontRef>
+        </p:style>
+      </p:cxnSp>
+      <p:cxnSp>
+        <p:nvCxnSpPr>
+          <p:cNvPr id="57" name="Straight Connector 56">
+            <a:extLst>
+              <a:ext uri="{FF2B5EF4-FFF2-40B4-BE49-F238E27FC236}">
+                <a16:creationId xmlns:a16="http://schemas.microsoft.com/office/drawing/2014/main" id="{0221E84D-19D6-43E5-A0D0-5B682DA2BFAB}"/>
+              </a:ext>
+            </a:extLst>
+          </p:cNvPr>
+          <p:cNvCxnSpPr>
+            <a:cxnSpLocks/>
+          </p:cNvCxnSpPr>
+          <p:nvPr/>
+        </p:nvCxnSpPr>
+        <p:spPr>
+          <a:xfrm flipH="1" flipV="1">
+            <a:off x="9251402" y="3456511"/>
+            <a:ext cx="154991" cy="340925"/>
+          </a:xfrm>
+          <a:prstGeom prst="line">
+            <a:avLst/>
+          </a:prstGeom>
+          <a:ln w="28575">
+            <a:prstDash val="sysDot"/>
+          </a:ln>
+        </p:spPr>
+        <p:style>
+          <a:lnRef idx="1">
+            <a:schemeClr val="accent1"/>
+          </a:lnRef>
+          <a:fillRef idx="0">
+            <a:schemeClr val="accent1"/>
+          </a:fillRef>
+          <a:effectRef idx="0">
+            <a:schemeClr val="accent1"/>
+          </a:effectRef>
+          <a:fontRef idx="minor">
+            <a:schemeClr val="tx1"/>
+          </a:fontRef>
+        </p:style>
+      </p:cxnSp>
+      <p:cxnSp>
+        <p:nvCxnSpPr>
+          <p:cNvPr id="60" name="Straight Connector 59">
+            <a:extLst>
+              <a:ext uri="{FF2B5EF4-FFF2-40B4-BE49-F238E27FC236}">
+                <a16:creationId xmlns:a16="http://schemas.microsoft.com/office/drawing/2014/main" id="{7A0AE63F-15ED-4FC4-BCDC-81699C665A31}"/>
+              </a:ext>
+            </a:extLst>
+          </p:cNvPr>
+          <p:cNvCxnSpPr>
+            <a:cxnSpLocks/>
+          </p:cNvCxnSpPr>
+          <p:nvPr/>
+        </p:nvCxnSpPr>
+        <p:spPr>
+          <a:xfrm flipH="1">
+            <a:off x="9251401" y="3242885"/>
+            <a:ext cx="1" cy="213625"/>
+          </a:xfrm>
+          <a:prstGeom prst="line">
+            <a:avLst/>
+          </a:prstGeom>
+          <a:ln w="28575">
+            <a:prstDash val="sysDot"/>
+          </a:ln>
+        </p:spPr>
+        <p:style>
+          <a:lnRef idx="1">
+            <a:schemeClr val="accent1"/>
+          </a:lnRef>
+          <a:fillRef idx="0">
+            <a:schemeClr val="accent1"/>
+          </a:fillRef>
+          <a:effectRef idx="0">
+            <a:schemeClr val="accent1"/>
+          </a:effectRef>
+          <a:fontRef idx="minor">
+            <a:schemeClr val="tx1"/>
+          </a:fontRef>
+        </p:style>
+      </p:cxnSp>
+      <p:cxnSp>
+        <p:nvCxnSpPr>
+          <p:cNvPr id="64" name="Straight Connector 63">
+            <a:extLst>
+              <a:ext uri="{FF2B5EF4-FFF2-40B4-BE49-F238E27FC236}">
+                <a16:creationId xmlns:a16="http://schemas.microsoft.com/office/drawing/2014/main" id="{4C6AA4F0-DD91-40F4-8CFE-1074829A67F8}"/>
+              </a:ext>
+            </a:extLst>
+          </p:cNvPr>
+          <p:cNvCxnSpPr>
+            <a:cxnSpLocks/>
+          </p:cNvCxnSpPr>
+          <p:nvPr/>
+        </p:nvCxnSpPr>
+        <p:spPr>
+          <a:xfrm flipV="1">
+            <a:off x="9251400" y="2767398"/>
+            <a:ext cx="210652" cy="475487"/>
+          </a:xfrm>
+          <a:prstGeom prst="line">
+            <a:avLst/>
+          </a:prstGeom>
+          <a:ln w="28575">
+            <a:prstDash val="sysDot"/>
+          </a:ln>
+        </p:spPr>
+        <p:style>
+          <a:lnRef idx="1">
+            <a:schemeClr val="accent1"/>
+          </a:lnRef>
+          <a:fillRef idx="0">
+            <a:schemeClr val="accent1"/>
+          </a:fillRef>
+          <a:effectRef idx="0">
+            <a:schemeClr val="accent1"/>
+          </a:effectRef>
+          <a:fontRef idx="minor">
+            <a:schemeClr val="tx1"/>
+          </a:fontRef>
+        </p:style>
+      </p:cxnSp>
+      <p:cxnSp>
+        <p:nvCxnSpPr>
+          <p:cNvPr id="67" name="Straight Connector 66">
+            <a:extLst>
+              <a:ext uri="{FF2B5EF4-FFF2-40B4-BE49-F238E27FC236}">
+                <a16:creationId xmlns:a16="http://schemas.microsoft.com/office/drawing/2014/main" id="{38E7114A-00A0-478F-891B-1525736061F4}"/>
+              </a:ext>
+            </a:extLst>
+          </p:cNvPr>
+          <p:cNvCxnSpPr>
+            <a:cxnSpLocks/>
+          </p:cNvCxnSpPr>
+          <p:nvPr/>
+        </p:nvCxnSpPr>
+        <p:spPr>
+          <a:xfrm flipH="1" flipV="1">
+            <a:off x="9328897" y="2426473"/>
+            <a:ext cx="133154" cy="340924"/>
+          </a:xfrm>
+          <a:prstGeom prst="line">
+            <a:avLst/>
+          </a:prstGeom>
+          <a:ln w="28575">
+            <a:prstDash val="sysDot"/>
+          </a:ln>
+        </p:spPr>
+        <p:style>
+          <a:lnRef idx="1">
+            <a:schemeClr val="accent1"/>
+          </a:lnRef>
+          <a:fillRef idx="0">
+            <a:schemeClr val="accent1"/>
+          </a:fillRef>
+          <a:effectRef idx="0">
+            <a:schemeClr val="accent1"/>
+          </a:effectRef>
+          <a:fontRef idx="minor">
+            <a:schemeClr val="tx1"/>
+          </a:fontRef>
+        </p:style>
+      </p:cxnSp>
+      <p:cxnSp>
+        <p:nvCxnSpPr>
+          <p:cNvPr id="70" name="Straight Connector 69">
+            <a:extLst>
+              <a:ext uri="{FF2B5EF4-FFF2-40B4-BE49-F238E27FC236}">
+                <a16:creationId xmlns:a16="http://schemas.microsoft.com/office/drawing/2014/main" id="{12B94C08-7DF2-4FF9-B849-D1C446084F8E}"/>
+              </a:ext>
+            </a:extLst>
+          </p:cNvPr>
+          <p:cNvCxnSpPr>
+            <a:cxnSpLocks/>
+          </p:cNvCxnSpPr>
+          <p:nvPr/>
+        </p:nvCxnSpPr>
+        <p:spPr>
+          <a:xfrm flipH="1">
+            <a:off x="9328897" y="2426473"/>
+            <a:ext cx="993221" cy="0"/>
+          </a:xfrm>
+          <a:prstGeom prst="line">
+            <a:avLst/>
+          </a:prstGeom>
+          <a:ln w="28575">
+            <a:prstDash val="sysDot"/>
+          </a:ln>
+        </p:spPr>
+        <p:style>
+          <a:lnRef idx="1">
+            <a:schemeClr val="accent1"/>
+          </a:lnRef>
+          <a:fillRef idx="0">
+            <a:schemeClr val="accent1"/>
+          </a:fillRef>
+          <a:effectRef idx="0">
+            <a:schemeClr val="accent1"/>
+          </a:effectRef>
+          <a:fontRef idx="minor">
+            <a:schemeClr val="tx1"/>
+          </a:fontRef>
+        </p:style>
+      </p:cxnSp>
+      <p:sp>
+        <p:nvSpPr>
+          <p:cNvPr id="74" name="Speech Bubble: Rectangle 73">
+            <a:extLst>
+              <a:ext uri="{FF2B5EF4-FFF2-40B4-BE49-F238E27FC236}">
+                <a16:creationId xmlns:a16="http://schemas.microsoft.com/office/drawing/2014/main" id="{6B56A79D-485C-461A-825D-E92F70A5CAA7}"/>
+              </a:ext>
+            </a:extLst>
+          </p:cNvPr>
+          <p:cNvSpPr/>
+          <p:nvPr/>
+        </p:nvSpPr>
+        <p:spPr>
+          <a:xfrm>
+            <a:off x="7585601" y="5120641"/>
+            <a:ext cx="3331597" cy="1074948"/>
+          </a:xfrm>
+          <a:prstGeom prst="wedgeRectCallout">
+            <a:avLst>
+              <a:gd name="adj1" fmla="val 16487"/>
+              <a:gd name="adj2" fmla="val -200421"/>
+            </a:avLst>
+          </a:prstGeom>
+        </p:spPr>
+        <p:style>
+          <a:lnRef idx="2">
+            <a:schemeClr val="accent1">
+              <a:shade val="50000"/>
+            </a:schemeClr>
+          </a:lnRef>
+          <a:fillRef idx="1">
+            <a:schemeClr val="accent1"/>
+          </a:fillRef>
+          <a:effectRef idx="0">
+            <a:schemeClr val="accent1"/>
+          </a:effectRef>
+          <a:fontRef idx="minor">
+            <a:schemeClr val="lt1"/>
+          </a:fontRef>
+        </p:style>
+        <p:txBody>
+          <a:bodyPr rtlCol="0" anchor="ctr"/>
+          <a:lstStyle/>
+          <a:p>
+            <a:pPr algn="ctr"/>
+            <a:r>
+              <a:rPr lang="en-IN" sz="1100" dirty="0"/>
+              <a:t>With the map now being coerced to act like a rectangular plane by adding spaces to the non blank area the same code, designed for the job will work with the same efficiency </a:t>
+            </a:r>
+          </a:p>
+        </p:txBody>
+      </p:sp>
+    </p:spTree>
+    <p:extLst>
+      <p:ext uri="{BB962C8B-B14F-4D97-AF65-F5344CB8AC3E}">
+        <p14:creationId xmlns:p14="http://schemas.microsoft.com/office/powerpoint/2010/main" val="4191045218"/>
+      </p:ext>
+    </p:extLst>
+  </p:cSld>
+  <p:clrMapOvr>
+    <a:masterClrMapping/>
+  </p:clrMapOvr>
+</p:sld>
+</file>
+
+<file path=ppt/slides/slide4.xml><?xml version="1.0" encoding="utf-8"?>
 <p:sld xmlns:a="http://schemas.openxmlformats.org/drawingml/2006/main" xmlns:r="http://schemas.openxmlformats.org/officeDocument/2006/relationships" xmlns:p="http://schemas.openxmlformats.org/presentationml/2006/main">
   <p:cSld>
     <p:bg>
@@ -15362,7 +16558,7 @@
 </p:sld>
 </file>
 
-<file path=ppt/slides/slide4.xml><?xml version="1.0" encoding="utf-8"?>
+<file path=ppt/slides/slide5.xml><?xml version="1.0" encoding="utf-8"?>
 <p:sld xmlns:a="http://schemas.openxmlformats.org/drawingml/2006/main" xmlns:r="http://schemas.openxmlformats.org/officeDocument/2006/relationships" xmlns:p="http://schemas.openxmlformats.org/presentationml/2006/main">
   <p:cSld>
     <p:bg>
@@ -15640,7 +16836,7 @@
 </p:sld>
 </file>
 
-<file path=ppt/slides/slide5.xml><?xml version="1.0" encoding="utf-8"?>
+<file path=ppt/slides/slide6.xml><?xml version="1.0" encoding="utf-8"?>
 <p:sld xmlns:a="http://schemas.openxmlformats.org/drawingml/2006/main" xmlns:r="http://schemas.openxmlformats.org/officeDocument/2006/relationships" xmlns:p="http://schemas.openxmlformats.org/presentationml/2006/main">
   <p:cSld>
     <p:bg>
@@ -16278,7 +17474,7 @@
 </p:sld>
 </file>
 
-<file path=ppt/slides/slide6.xml><?xml version="1.0" encoding="utf-8"?>
+<file path=ppt/slides/slide7.xml><?xml version="1.0" encoding="utf-8"?>
 <p:sld xmlns:a="http://schemas.openxmlformats.org/drawingml/2006/main" xmlns:r="http://schemas.openxmlformats.org/officeDocument/2006/relationships" xmlns:p="http://schemas.openxmlformats.org/presentationml/2006/main">
   <p:cSld>
     <p:spTree>
@@ -18204,7 +19400,7 @@
 </p:sld>
 </file>
 
-<file path=ppt/slides/slide7.xml><?xml version="1.0" encoding="utf-8"?>
+<file path=ppt/slides/slide8.xml><?xml version="1.0" encoding="utf-8"?>
 <p:sld xmlns:a="http://schemas.openxmlformats.org/drawingml/2006/main" xmlns:r="http://schemas.openxmlformats.org/officeDocument/2006/relationships" xmlns:p="http://schemas.openxmlformats.org/presentationml/2006/main">
   <p:cSld>
     <p:spTree>
@@ -19194,7 +20390,7 @@
             <a:pPr algn="ctr"/>
             <a:r>
               <a:rPr lang="en-IN" b="1" u="sng" dirty="0"/>
-              <a:t>INVALID NEIGHBOURS</a:t>
+              <a:t>INVALID NEIGHBORS</a:t>
             </a:r>
             <a:br>
               <a:rPr lang="en-IN" dirty="0"/>
@@ -19268,7 +20464,7 @@
 </p:sld>
 </file>
 
-<file path=ppt/slides/slide8.xml><?xml version="1.0" encoding="utf-8"?>
+<file path=ppt/slides/slide9.xml><?xml version="1.0" encoding="utf-8"?>
 <p:sld xmlns:a="http://schemas.openxmlformats.org/drawingml/2006/main" xmlns:r="http://schemas.openxmlformats.org/officeDocument/2006/relationships" xmlns:p="http://schemas.openxmlformats.org/presentationml/2006/main">
   <p:cSld>
     <p:spTree>
